--- a/Diseño y Evaluación de Interfaces/Actividades y Asignaciones por Temas/Talleres y asignaciones/Revisión Principios de Gestalt - corregido.pptx
+++ b/Diseño y Evaluación de Interfaces/Actividades y Asignaciones por Temas/Talleres y asignaciones/Revisión Principios de Gestalt - corregido.pptx
@@ -1,30 +1,30 @@
 
 <file path=ppt/presentation.xml><?xml version="1.0" encoding="utf-8"?>
-<p:presentation xmlns:a="http://schemas.openxmlformats.org/drawingml/2006/main" xmlns:r="http://schemas.openxmlformats.org/officeDocument/2006/relationships" xmlns:mc="http://schemas.openxmlformats.org/markup-compatibility/2006" xmlns:mv="urn:schemas-microsoft-com:mac:vml" xmlns:p="http://schemas.openxmlformats.org/presentationml/2006/main" xmlns:c="http://schemas.openxmlformats.org/drawingml/2006/chart" xmlns:dgm="http://schemas.openxmlformats.org/drawingml/2006/diagram" xmlns:o="urn:schemas-microsoft-com:office:office" xmlns:v="urn:schemas-microsoft-com:vml" xmlns:pvml="urn:schemas-microsoft-com:office:powerpoint" xmlns:com="http://schemas.openxmlformats.org/drawingml/2006/compatibility" xmlns:p14="http://schemas.microsoft.com/office/powerpoint/2010/main" xmlns:p15="http://schemas.microsoft.com/office/powerpoint/2012/main" xmlns:ahyp="http://schemas.microsoft.com/office/drawing/2018/hyperlinkcolor" autoCompressPictures="0" embedTrueTypeFonts="1" strictFirstAndLastChars="0" saveSubsetFonts="1">
+<p:presentation xmlns:a="http://schemas.openxmlformats.org/drawingml/2006/main" xmlns:r="http://schemas.openxmlformats.org/officeDocument/2006/relationships" xmlns:p="http://schemas.openxmlformats.org/presentationml/2006/main" strictFirstAndLastChars="0" embedTrueTypeFonts="1" saveSubsetFonts="1" autoCompressPictures="0">
   <p:sldMasterIdLst>
     <p:sldMasterId id="2147483659" r:id="rId4"/>
   </p:sldMasterIdLst>
   <p:notesMasterIdLst>
-    <p:notesMasterId r:id="rId5"/>
+    <p:notesMasterId r:id="rId9"/>
   </p:notesMasterIdLst>
   <p:sldIdLst>
-    <p:sldId id="256" r:id="rId6"/>
-    <p:sldId id="257" r:id="rId7"/>
-    <p:sldId id="258" r:id="rId8"/>
-    <p:sldId id="259" r:id="rId9"/>
+    <p:sldId id="256" r:id="rId5"/>
+    <p:sldId id="257" r:id="rId6"/>
+    <p:sldId id="258" r:id="rId7"/>
+    <p:sldId id="259" r:id="rId8"/>
   </p:sldIdLst>
-  <p:sldSz cy="5143500" cx="9144000"/>
+  <p:sldSz cx="9144000" cy="5143500" type="screen16x9"/>
   <p:notesSz cx="6858000" cy="9144000"/>
   <p:embeddedFontLst>
     <p:embeddedFont>
-      <p:font typeface="Raleway"/>
+      <p:font typeface="Lato" panose="020B0604020202020204" charset="0"/>
       <p:regular r:id="rId10"/>
       <p:bold r:id="rId11"/>
       <p:italic r:id="rId12"/>
       <p:boldItalic r:id="rId13"/>
     </p:embeddedFont>
     <p:embeddedFont>
-      <p:font typeface="Lato"/>
+      <p:font typeface="Raleway" panose="020B0604020202020204" charset="0"/>
       <p:regular r:id="rId14"/>
       <p:bold r:id="rId15"/>
       <p:italic r:id="rId16"/>
@@ -32,7 +32,7 @@
     </p:embeddedFont>
   </p:embeddedFontLst>
   <p:defaultTextStyle>
-    <a:defPPr lvl="0" marR="0" rtl="0" algn="l">
+    <a:defPPr marR="0" lvl="0" algn="l" rtl="0">
       <a:lnSpc>
         <a:spcPct val="100000"/>
       </a:lnSpc>
@@ -43,7 +43,7 @@
         <a:spcPts val="0"/>
       </a:spcAft>
     </a:defPPr>
-    <a:lvl1pPr lvl="0" marR="0" rtl="0" algn="l">
+    <a:lvl1pPr marR="0" lvl="0" algn="l" rtl="0">
       <a:lnSpc>
         <a:spcPct val="100000"/>
       </a:lnSpc>
@@ -57,7 +57,7 @@
         <a:srgbClr val="000000"/>
       </a:buClr>
       <a:buFont typeface="Arial"/>
-      <a:defRPr b="0" i="0" sz="1400" u="none" cap="none" strike="noStrike">
+      <a:defRPr sz="1400" b="0" i="0" u="none" strike="noStrike" cap="none">
         <a:solidFill>
           <a:srgbClr val="000000"/>
         </a:solidFill>
@@ -67,7 +67,7 @@
         <a:sym typeface="Arial"/>
       </a:defRPr>
     </a:lvl1pPr>
-    <a:lvl2pPr lvl="1" marR="0" rtl="0" algn="l">
+    <a:lvl2pPr marR="0" lvl="1" algn="l" rtl="0">
       <a:lnSpc>
         <a:spcPct val="100000"/>
       </a:lnSpc>
@@ -81,7 +81,7 @@
         <a:srgbClr val="000000"/>
       </a:buClr>
       <a:buFont typeface="Arial"/>
-      <a:defRPr b="0" i="0" sz="1400" u="none" cap="none" strike="noStrike">
+      <a:defRPr sz="1400" b="0" i="0" u="none" strike="noStrike" cap="none">
         <a:solidFill>
           <a:srgbClr val="000000"/>
         </a:solidFill>
@@ -91,7 +91,7 @@
         <a:sym typeface="Arial"/>
       </a:defRPr>
     </a:lvl2pPr>
-    <a:lvl3pPr lvl="2" marR="0" rtl="0" algn="l">
+    <a:lvl3pPr marR="0" lvl="2" algn="l" rtl="0">
       <a:lnSpc>
         <a:spcPct val="100000"/>
       </a:lnSpc>
@@ -105,7 +105,7 @@
         <a:srgbClr val="000000"/>
       </a:buClr>
       <a:buFont typeface="Arial"/>
-      <a:defRPr b="0" i="0" sz="1400" u="none" cap="none" strike="noStrike">
+      <a:defRPr sz="1400" b="0" i="0" u="none" strike="noStrike" cap="none">
         <a:solidFill>
           <a:srgbClr val="000000"/>
         </a:solidFill>
@@ -115,7 +115,7 @@
         <a:sym typeface="Arial"/>
       </a:defRPr>
     </a:lvl3pPr>
-    <a:lvl4pPr lvl="3" marR="0" rtl="0" algn="l">
+    <a:lvl4pPr marR="0" lvl="3" algn="l" rtl="0">
       <a:lnSpc>
         <a:spcPct val="100000"/>
       </a:lnSpc>
@@ -129,7 +129,7 @@
         <a:srgbClr val="000000"/>
       </a:buClr>
       <a:buFont typeface="Arial"/>
-      <a:defRPr b="0" i="0" sz="1400" u="none" cap="none" strike="noStrike">
+      <a:defRPr sz="1400" b="0" i="0" u="none" strike="noStrike" cap="none">
         <a:solidFill>
           <a:srgbClr val="000000"/>
         </a:solidFill>
@@ -139,7 +139,7 @@
         <a:sym typeface="Arial"/>
       </a:defRPr>
     </a:lvl4pPr>
-    <a:lvl5pPr lvl="4" marR="0" rtl="0" algn="l">
+    <a:lvl5pPr marR="0" lvl="4" algn="l" rtl="0">
       <a:lnSpc>
         <a:spcPct val="100000"/>
       </a:lnSpc>
@@ -153,7 +153,7 @@
         <a:srgbClr val="000000"/>
       </a:buClr>
       <a:buFont typeface="Arial"/>
-      <a:defRPr b="0" i="0" sz="1400" u="none" cap="none" strike="noStrike">
+      <a:defRPr sz="1400" b="0" i="0" u="none" strike="noStrike" cap="none">
         <a:solidFill>
           <a:srgbClr val="000000"/>
         </a:solidFill>
@@ -163,7 +163,7 @@
         <a:sym typeface="Arial"/>
       </a:defRPr>
     </a:lvl5pPr>
-    <a:lvl6pPr lvl="5" marR="0" rtl="0" algn="l">
+    <a:lvl6pPr marR="0" lvl="5" algn="l" rtl="0">
       <a:lnSpc>
         <a:spcPct val="100000"/>
       </a:lnSpc>
@@ -177,7 +177,7 @@
         <a:srgbClr val="000000"/>
       </a:buClr>
       <a:buFont typeface="Arial"/>
-      <a:defRPr b="0" i="0" sz="1400" u="none" cap="none" strike="noStrike">
+      <a:defRPr sz="1400" b="0" i="0" u="none" strike="noStrike" cap="none">
         <a:solidFill>
           <a:srgbClr val="000000"/>
         </a:solidFill>
@@ -187,7 +187,7 @@
         <a:sym typeface="Arial"/>
       </a:defRPr>
     </a:lvl6pPr>
-    <a:lvl7pPr lvl="6" marR="0" rtl="0" algn="l">
+    <a:lvl7pPr marR="0" lvl="6" algn="l" rtl="0">
       <a:lnSpc>
         <a:spcPct val="100000"/>
       </a:lnSpc>
@@ -201,7 +201,7 @@
         <a:srgbClr val="000000"/>
       </a:buClr>
       <a:buFont typeface="Arial"/>
-      <a:defRPr b="0" i="0" sz="1400" u="none" cap="none" strike="noStrike">
+      <a:defRPr sz="1400" b="0" i="0" u="none" strike="noStrike" cap="none">
         <a:solidFill>
           <a:srgbClr val="000000"/>
         </a:solidFill>
@@ -211,7 +211,7 @@
         <a:sym typeface="Arial"/>
       </a:defRPr>
     </a:lvl7pPr>
-    <a:lvl8pPr lvl="7" marR="0" rtl="0" algn="l">
+    <a:lvl8pPr marR="0" lvl="7" algn="l" rtl="0">
       <a:lnSpc>
         <a:spcPct val="100000"/>
       </a:lnSpc>
@@ -225,7 +225,7 @@
         <a:srgbClr val="000000"/>
       </a:buClr>
       <a:buFont typeface="Arial"/>
-      <a:defRPr b="0" i="0" sz="1400" u="none" cap="none" strike="noStrike">
+      <a:defRPr sz="1400" b="0" i="0" u="none" strike="noStrike" cap="none">
         <a:solidFill>
           <a:srgbClr val="000000"/>
         </a:solidFill>
@@ -235,7 +235,7 @@
         <a:sym typeface="Arial"/>
       </a:defRPr>
     </a:lvl8pPr>
-    <a:lvl9pPr lvl="8" marR="0" rtl="0" algn="l">
+    <a:lvl9pPr marR="0" lvl="8" algn="l" rtl="0">
       <a:lnSpc>
         <a:spcPct val="100000"/>
       </a:lnSpc>
@@ -249,7 +249,7 @@
         <a:srgbClr val="000000"/>
       </a:buClr>
       <a:buFont typeface="Arial"/>
-      <a:defRPr b="0" i="0" sz="1400" u="none" cap="none" strike="noStrike">
+      <a:defRPr sz="1400" b="0" i="0" u="none" strike="noStrike" cap="none">
         <a:solidFill>
           <a:srgbClr val="000000"/>
         </a:solidFill>
@@ -262,7 +262,7 @@
   </p:defaultTextStyle>
   <p:extLst>
     <p:ext uri="{EFAFB233-063F-42B5-8137-9DF3F51BA10A}">
-      <p15:sldGuideLst>
+      <p15:sldGuideLst xmlns:p15="http://schemas.microsoft.com/office/powerpoint/2012/main">
         <p15:guide id="1" orient="horz" pos="1620">
           <p15:clr>
             <a:srgbClr val="A4A3A4"/>
@@ -280,11 +280,16 @@
 </file>
 
 <file path=ppt/notesMasters/notesMaster1.xml><?xml version="1.0" encoding="utf-8"?>
-<p:notesMaster xmlns:a="http://schemas.openxmlformats.org/drawingml/2006/main" xmlns:r="http://schemas.openxmlformats.org/officeDocument/2006/relationships" xmlns:mc="http://schemas.openxmlformats.org/markup-compatibility/2006" xmlns:mv="urn:schemas-microsoft-com:mac:vml" xmlns:p="http://schemas.openxmlformats.org/presentationml/2006/main" xmlns:c="http://schemas.openxmlformats.org/drawingml/2006/chart" xmlns:dgm="http://schemas.openxmlformats.org/drawingml/2006/diagram" xmlns:o="urn:schemas-microsoft-com:office:office" xmlns:v="urn:schemas-microsoft-com:vml" xmlns:pvml="urn:schemas-microsoft-com:office:powerpoint" xmlns:com="http://schemas.openxmlformats.org/drawingml/2006/compatibility" xmlns:p14="http://schemas.microsoft.com/office/powerpoint/2010/main" xmlns:p15="http://schemas.microsoft.com/office/powerpoint/2012/main" xmlns:ahyp="http://schemas.microsoft.com/office/drawing/2018/hyperlinkcolor">
+<p:notesMaster xmlns:a="http://schemas.openxmlformats.org/drawingml/2006/main" xmlns:r="http://schemas.openxmlformats.org/officeDocument/2006/relationships" xmlns:p="http://schemas.openxmlformats.org/presentationml/2006/main">
   <p:cSld>
+    <p:bg>
+      <p:bgRef idx="1001">
+        <a:schemeClr val="bg1"/>
+      </p:bgRef>
+    </p:bg>
     <p:spTree>
       <p:nvGrpSpPr>
-        <p:cNvPr id="2" name="Shape 2"/>
+        <p:cNvPr id="1" name="Shape 2"/>
         <p:cNvGrpSpPr/>
         <p:nvPr/>
       </p:nvGrpSpPr>
@@ -299,9 +304,11 @@
       <p:sp>
         <p:nvSpPr>
           <p:cNvPr id="3" name="Google Shape;3;n"/>
-          <p:cNvSpPr/>
+          <p:cNvSpPr>
+            <a:spLocks noGrp="1" noRot="1" noChangeAspect="1"/>
+          </p:cNvSpPr>
           <p:nvPr>
-            <p:ph idx="2" type="sldImg"/>
+            <p:ph type="sldImg" idx="2"/>
           </p:nvPr>
         </p:nvSpPr>
         <p:spPr>
@@ -310,9 +317,13 @@
             <a:ext cx="6096075" cy="3429000"/>
           </a:xfrm>
           <a:custGeom>
-            <a:rect b="b" l="l" r="r" t="t"/>
+            <a:avLst/>
+            <a:gdLst/>
+            <a:ahLst/>
+            <a:cxnLst/>
+            <a:rect l="l" t="t" r="r" b="b"/>
             <a:pathLst>
-              <a:path extrusionOk="0" h="120000" w="120000">
+              <a:path w="120000" h="120000" extrusionOk="0">
                 <a:moveTo>
                   <a:pt x="0" y="0"/>
                 </a:moveTo>
@@ -330,23 +341,25 @@
             </a:pathLst>
           </a:custGeom>
           <a:noFill/>
-          <a:ln cap="flat" cmpd="sng" w="9525">
+          <a:ln w="9525" cap="flat" cmpd="sng">
             <a:solidFill>
               <a:srgbClr val="000000"/>
             </a:solidFill>
             <a:prstDash val="solid"/>
             <a:round/>
-            <a:headEnd len="sm" w="sm" type="none"/>
-            <a:tailEnd len="sm" w="sm" type="none"/>
+            <a:headEnd type="none" w="sm" len="sm"/>
+            <a:tailEnd type="none" w="sm" len="sm"/>
           </a:ln>
         </p:spPr>
       </p:sp>
       <p:sp>
         <p:nvSpPr>
           <p:cNvPr id="4" name="Google Shape;4;n"/>
-          <p:cNvSpPr txBox="1"/>
+          <p:cNvSpPr txBox="1">
+            <a:spLocks noGrp="1"/>
+          </p:cNvSpPr>
           <p:nvPr>
-            <p:ph idx="1" type="body"/>
+            <p:ph type="body" idx="1"/>
           </p:nvPr>
         </p:nvSpPr>
         <p:spPr>
@@ -363,11 +376,11 @@
           </a:ln>
         </p:spPr>
         <p:txBody>
-          <a:bodyPr anchorCtr="0" anchor="t" bIns="91425" lIns="91425" spcFirstLastPara="1" rIns="91425" wrap="square" tIns="91425">
+          <a:bodyPr spcFirstLastPara="1" wrap="square" lIns="91425" tIns="91425" rIns="91425" bIns="91425" anchor="t" anchorCtr="0">
             <a:noAutofit/>
           </a:bodyPr>
           <a:lstStyle>
-            <a:lvl1pPr indent="-298450" lvl="0" marL="457200">
+            <a:lvl1pPr marL="457200" lvl="0" indent="-298450">
               <a:spcBef>
                 <a:spcPts val="0"/>
               </a:spcBef>
@@ -378,7 +391,7 @@
               <a:buChar char="●"/>
               <a:defRPr sz="1100"/>
             </a:lvl1pPr>
-            <a:lvl2pPr indent="-298450" lvl="1" marL="914400">
+            <a:lvl2pPr marL="914400" lvl="1" indent="-298450">
               <a:spcBef>
                 <a:spcPts val="0"/>
               </a:spcBef>
@@ -389,7 +402,7 @@
               <a:buChar char="○"/>
               <a:defRPr sz="1100"/>
             </a:lvl2pPr>
-            <a:lvl3pPr indent="-298450" lvl="2" marL="1371600">
+            <a:lvl3pPr marL="1371600" lvl="2" indent="-298450">
               <a:spcBef>
                 <a:spcPts val="0"/>
               </a:spcBef>
@@ -400,7 +413,7 @@
               <a:buChar char="■"/>
               <a:defRPr sz="1100"/>
             </a:lvl3pPr>
-            <a:lvl4pPr indent="-298450" lvl="3" marL="1828800">
+            <a:lvl4pPr marL="1828800" lvl="3" indent="-298450">
               <a:spcBef>
                 <a:spcPts val="0"/>
               </a:spcBef>
@@ -411,7 +424,7 @@
               <a:buChar char="●"/>
               <a:defRPr sz="1100"/>
             </a:lvl4pPr>
-            <a:lvl5pPr indent="-298450" lvl="4" marL="2286000">
+            <a:lvl5pPr marL="2286000" lvl="4" indent="-298450">
               <a:spcBef>
                 <a:spcPts val="0"/>
               </a:spcBef>
@@ -422,7 +435,7 @@
               <a:buChar char="○"/>
               <a:defRPr sz="1100"/>
             </a:lvl5pPr>
-            <a:lvl6pPr indent="-298450" lvl="5" marL="2743200">
+            <a:lvl6pPr marL="2743200" lvl="5" indent="-298450">
               <a:spcBef>
                 <a:spcPts val="0"/>
               </a:spcBef>
@@ -433,7 +446,7 @@
               <a:buChar char="■"/>
               <a:defRPr sz="1100"/>
             </a:lvl6pPr>
-            <a:lvl7pPr indent="-298450" lvl="6" marL="3200400">
+            <a:lvl7pPr marL="3200400" lvl="6" indent="-298450">
               <a:spcBef>
                 <a:spcPts val="0"/>
               </a:spcBef>
@@ -444,7 +457,7 @@
               <a:buChar char="●"/>
               <a:defRPr sz="1100"/>
             </a:lvl7pPr>
-            <a:lvl8pPr indent="-298450" lvl="7" marL="3657600">
+            <a:lvl8pPr marL="3657600" lvl="7" indent="-298450">
               <a:spcBef>
                 <a:spcPts val="0"/>
               </a:spcBef>
@@ -455,7 +468,7 @@
               <a:buChar char="○"/>
               <a:defRPr sz="1100"/>
             </a:lvl8pPr>
-            <a:lvl9pPr indent="-298450" lvl="8" marL="4114800">
+            <a:lvl9pPr marL="4114800" lvl="8" indent="-298450">
               <a:spcBef>
                 <a:spcPts val="0"/>
               </a:spcBef>
@@ -467,14 +480,16 @@
               <a:defRPr sz="1100"/>
             </a:lvl9pPr>
           </a:lstStyle>
-          <a:p/>
+          <a:p>
+            <a:endParaRPr/>
+          </a:p>
         </p:txBody>
       </p:sp>
     </p:spTree>
   </p:cSld>
-  <p:clrMap accent1="accent1" accent2="accent2" accent3="accent3" accent4="accent4" accent5="accent5" accent6="accent6" bg1="lt1" bg2="dk2" tx1="dk1" tx2="lt2" folHlink="folHlink" hlink="hlink"/>
+  <p:clrMap bg1="lt1" tx1="dk1" bg2="dk2" tx2="lt2" accent1="accent1" accent2="accent2" accent3="accent3" accent4="accent4" accent5="accent5" accent6="accent6" hlink="hlink" folHlink="folHlink"/>
   <p:notesStyle>
-    <a:defPPr lvl="0" marR="0" rtl="0" algn="l">
+    <a:defPPr marR="0" lvl="0" algn="l" rtl="0">
       <a:lnSpc>
         <a:spcPct val="100000"/>
       </a:lnSpc>
@@ -485,7 +500,7 @@
         <a:spcPts val="0"/>
       </a:spcAft>
     </a:defPPr>
-    <a:lvl1pPr lvl="0" marR="0" rtl="0" algn="l">
+    <a:lvl1pPr marR="0" lvl="0" algn="l" rtl="0">
       <a:lnSpc>
         <a:spcPct val="100000"/>
       </a:lnSpc>
@@ -499,7 +514,7 @@
         <a:srgbClr val="000000"/>
       </a:buClr>
       <a:buFont typeface="Arial"/>
-      <a:defRPr b="0" i="0" sz="1400" u="none" cap="none" strike="noStrike">
+      <a:defRPr sz="1400" b="0" i="0" u="none" strike="noStrike" cap="none">
         <a:solidFill>
           <a:srgbClr val="000000"/>
         </a:solidFill>
@@ -509,7 +524,7 @@
         <a:sym typeface="Arial"/>
       </a:defRPr>
     </a:lvl1pPr>
-    <a:lvl2pPr lvl="1" marR="0" rtl="0" algn="l">
+    <a:lvl2pPr marR="0" lvl="1" algn="l" rtl="0">
       <a:lnSpc>
         <a:spcPct val="100000"/>
       </a:lnSpc>
@@ -523,7 +538,7 @@
         <a:srgbClr val="000000"/>
       </a:buClr>
       <a:buFont typeface="Arial"/>
-      <a:defRPr b="0" i="0" sz="1400" u="none" cap="none" strike="noStrike">
+      <a:defRPr sz="1400" b="0" i="0" u="none" strike="noStrike" cap="none">
         <a:solidFill>
           <a:srgbClr val="000000"/>
         </a:solidFill>
@@ -533,7 +548,7 @@
         <a:sym typeface="Arial"/>
       </a:defRPr>
     </a:lvl2pPr>
-    <a:lvl3pPr lvl="2" marR="0" rtl="0" algn="l">
+    <a:lvl3pPr marR="0" lvl="2" algn="l" rtl="0">
       <a:lnSpc>
         <a:spcPct val="100000"/>
       </a:lnSpc>
@@ -547,7 +562,7 @@
         <a:srgbClr val="000000"/>
       </a:buClr>
       <a:buFont typeface="Arial"/>
-      <a:defRPr b="0" i="0" sz="1400" u="none" cap="none" strike="noStrike">
+      <a:defRPr sz="1400" b="0" i="0" u="none" strike="noStrike" cap="none">
         <a:solidFill>
           <a:srgbClr val="000000"/>
         </a:solidFill>
@@ -557,7 +572,7 @@
         <a:sym typeface="Arial"/>
       </a:defRPr>
     </a:lvl3pPr>
-    <a:lvl4pPr lvl="3" marR="0" rtl="0" algn="l">
+    <a:lvl4pPr marR="0" lvl="3" algn="l" rtl="0">
       <a:lnSpc>
         <a:spcPct val="100000"/>
       </a:lnSpc>
@@ -571,7 +586,7 @@
         <a:srgbClr val="000000"/>
       </a:buClr>
       <a:buFont typeface="Arial"/>
-      <a:defRPr b="0" i="0" sz="1400" u="none" cap="none" strike="noStrike">
+      <a:defRPr sz="1400" b="0" i="0" u="none" strike="noStrike" cap="none">
         <a:solidFill>
           <a:srgbClr val="000000"/>
         </a:solidFill>
@@ -581,7 +596,7 @@
         <a:sym typeface="Arial"/>
       </a:defRPr>
     </a:lvl4pPr>
-    <a:lvl5pPr lvl="4" marR="0" rtl="0" algn="l">
+    <a:lvl5pPr marR="0" lvl="4" algn="l" rtl="0">
       <a:lnSpc>
         <a:spcPct val="100000"/>
       </a:lnSpc>
@@ -595,7 +610,7 @@
         <a:srgbClr val="000000"/>
       </a:buClr>
       <a:buFont typeface="Arial"/>
-      <a:defRPr b="0" i="0" sz="1400" u="none" cap="none" strike="noStrike">
+      <a:defRPr sz="1400" b="0" i="0" u="none" strike="noStrike" cap="none">
         <a:solidFill>
           <a:srgbClr val="000000"/>
         </a:solidFill>
@@ -605,7 +620,7 @@
         <a:sym typeface="Arial"/>
       </a:defRPr>
     </a:lvl5pPr>
-    <a:lvl6pPr lvl="5" marR="0" rtl="0" algn="l">
+    <a:lvl6pPr marR="0" lvl="5" algn="l" rtl="0">
       <a:lnSpc>
         <a:spcPct val="100000"/>
       </a:lnSpc>
@@ -619,7 +634,7 @@
         <a:srgbClr val="000000"/>
       </a:buClr>
       <a:buFont typeface="Arial"/>
-      <a:defRPr b="0" i="0" sz="1400" u="none" cap="none" strike="noStrike">
+      <a:defRPr sz="1400" b="0" i="0" u="none" strike="noStrike" cap="none">
         <a:solidFill>
           <a:srgbClr val="000000"/>
         </a:solidFill>
@@ -629,7 +644,7 @@
         <a:sym typeface="Arial"/>
       </a:defRPr>
     </a:lvl6pPr>
-    <a:lvl7pPr lvl="6" marR="0" rtl="0" algn="l">
+    <a:lvl7pPr marR="0" lvl="6" algn="l" rtl="0">
       <a:lnSpc>
         <a:spcPct val="100000"/>
       </a:lnSpc>
@@ -643,7 +658,7 @@
         <a:srgbClr val="000000"/>
       </a:buClr>
       <a:buFont typeface="Arial"/>
-      <a:defRPr b="0" i="0" sz="1400" u="none" cap="none" strike="noStrike">
+      <a:defRPr sz="1400" b="0" i="0" u="none" strike="noStrike" cap="none">
         <a:solidFill>
           <a:srgbClr val="000000"/>
         </a:solidFill>
@@ -653,7 +668,7 @@
         <a:sym typeface="Arial"/>
       </a:defRPr>
     </a:lvl7pPr>
-    <a:lvl8pPr lvl="7" marR="0" rtl="0" algn="l">
+    <a:lvl8pPr marR="0" lvl="7" algn="l" rtl="0">
       <a:lnSpc>
         <a:spcPct val="100000"/>
       </a:lnSpc>
@@ -667,7 +682,7 @@
         <a:srgbClr val="000000"/>
       </a:buClr>
       <a:buFont typeface="Arial"/>
-      <a:defRPr b="0" i="0" sz="1400" u="none" cap="none" strike="noStrike">
+      <a:defRPr sz="1400" b="0" i="0" u="none" strike="noStrike" cap="none">
         <a:solidFill>
           <a:srgbClr val="000000"/>
         </a:solidFill>
@@ -677,7 +692,7 @@
         <a:sym typeface="Arial"/>
       </a:defRPr>
     </a:lvl8pPr>
-    <a:lvl9pPr lvl="8" marR="0" rtl="0" algn="l">
+    <a:lvl9pPr marR="0" lvl="8" algn="l" rtl="0">
       <a:lnSpc>
         <a:spcPct val="100000"/>
       </a:lnSpc>
@@ -691,7 +706,7 @@
         <a:srgbClr val="000000"/>
       </a:buClr>
       <a:buFont typeface="Arial"/>
-      <a:defRPr b="0" i="0" sz="1400" u="none" cap="none" strike="noStrike">
+      <a:defRPr sz="1400" b="0" i="0" u="none" strike="noStrike" cap="none">
         <a:solidFill>
           <a:srgbClr val="000000"/>
         </a:solidFill>
@@ -706,11 +721,11 @@
 </file>
 
 <file path=ppt/notesSlides/notesSlide1.xml><?xml version="1.0" encoding="utf-8"?>
-<p:notes xmlns:a="http://schemas.openxmlformats.org/drawingml/2006/main" xmlns:r="http://schemas.openxmlformats.org/officeDocument/2006/relationships" xmlns:mc="http://schemas.openxmlformats.org/markup-compatibility/2006" xmlns:mv="urn:schemas-microsoft-com:mac:vml" xmlns:p="http://schemas.openxmlformats.org/presentationml/2006/main" xmlns:c="http://schemas.openxmlformats.org/drawingml/2006/chart" xmlns:dgm="http://schemas.openxmlformats.org/drawingml/2006/diagram" xmlns:o="urn:schemas-microsoft-com:office:office" xmlns:v="urn:schemas-microsoft-com:vml" xmlns:pvml="urn:schemas-microsoft-com:office:powerpoint" xmlns:com="http://schemas.openxmlformats.org/drawingml/2006/compatibility" xmlns:p14="http://schemas.microsoft.com/office/powerpoint/2010/main" xmlns:p15="http://schemas.microsoft.com/office/powerpoint/2012/main" xmlns:ahyp="http://schemas.microsoft.com/office/drawing/2018/hyperlinkcolor" showMasterPhAnim="0" showMasterSp="0">
+<p:notes xmlns:a="http://schemas.openxmlformats.org/drawingml/2006/main" xmlns:r="http://schemas.openxmlformats.org/officeDocument/2006/relationships" xmlns:p="http://schemas.openxmlformats.org/presentationml/2006/main" showMasterSp="0" showMasterPhAnim="0">
   <p:cSld>
     <p:spTree>
       <p:nvGrpSpPr>
-        <p:cNvPr id="82" name="Shape 82"/>
+        <p:cNvPr id="1" name="Shape 82"/>
         <p:cNvGrpSpPr/>
         <p:nvPr/>
       </p:nvGrpSpPr>
@@ -725,9 +740,11 @@
       <p:sp>
         <p:nvSpPr>
           <p:cNvPr id="83" name="Google Shape;83;p:notes"/>
-          <p:cNvSpPr/>
+          <p:cNvSpPr>
+            <a:spLocks noGrp="1" noRot="1" noChangeAspect="1"/>
+          </p:cNvSpPr>
           <p:nvPr>
-            <p:ph idx="2" type="sldImg"/>
+            <p:ph type="sldImg" idx="2"/>
           </p:nvPr>
         </p:nvSpPr>
         <p:spPr>
@@ -736,9 +753,13 @@
             <a:ext cx="6096075" cy="3429000"/>
           </a:xfrm>
           <a:custGeom>
-            <a:rect b="b" l="l" r="r" t="t"/>
+            <a:avLst/>
+            <a:gdLst/>
+            <a:ahLst/>
+            <a:cxnLst/>
+            <a:rect l="l" t="t" r="r" b="b"/>
             <a:pathLst>
-              <a:path extrusionOk="0" h="120000" w="120000">
+              <a:path w="120000" h="120000" extrusionOk="0">
                 <a:moveTo>
                   <a:pt x="0" y="0"/>
                 </a:moveTo>
@@ -760,9 +781,11 @@
       <p:sp>
         <p:nvSpPr>
           <p:cNvPr id="84" name="Google Shape;84;p:notes"/>
-          <p:cNvSpPr txBox="1"/>
+          <p:cNvSpPr txBox="1">
+            <a:spLocks noGrp="1"/>
+          </p:cNvSpPr>
           <p:nvPr>
-            <p:ph idx="1" type="body"/>
+            <p:ph type="body" idx="1"/>
           </p:nvPr>
         </p:nvSpPr>
         <p:spPr>
@@ -775,12 +798,12 @@
           </a:prstGeom>
         </p:spPr>
         <p:txBody>
-          <a:bodyPr anchorCtr="0" anchor="t" bIns="91425" lIns="91425" spcFirstLastPara="1" rIns="91425" wrap="square" tIns="91425">
+          <a:bodyPr spcFirstLastPara="1" wrap="square" lIns="91425" tIns="91425" rIns="91425" bIns="91425" anchor="t" anchorCtr="0">
             <a:noAutofit/>
           </a:bodyPr>
           <a:lstStyle/>
           <a:p>
-            <a:pPr indent="0" lvl="0" marL="0" rtl="0" algn="l">
+            <a:pPr marL="0" lvl="0" indent="0" algn="l" rtl="0">
               <a:spcBef>
                 <a:spcPts val="0"/>
               </a:spcBef>
@@ -789,9 +812,6 @@
               </a:spcAft>
               <a:buNone/>
             </a:pPr>
-            <a:r>
-              <a:t/>
-            </a:r>
             <a:endParaRPr/>
           </a:p>
         </p:txBody>
@@ -805,11 +825,11 @@
 </file>
 
 <file path=ppt/notesSlides/notesSlide2.xml><?xml version="1.0" encoding="utf-8"?>
-<p:notes xmlns:a="http://schemas.openxmlformats.org/drawingml/2006/main" xmlns:r="http://schemas.openxmlformats.org/officeDocument/2006/relationships" xmlns:mc="http://schemas.openxmlformats.org/markup-compatibility/2006" xmlns:mv="urn:schemas-microsoft-com:mac:vml" xmlns:p="http://schemas.openxmlformats.org/presentationml/2006/main" xmlns:c="http://schemas.openxmlformats.org/drawingml/2006/chart" xmlns:dgm="http://schemas.openxmlformats.org/drawingml/2006/diagram" xmlns:o="urn:schemas-microsoft-com:office:office" xmlns:v="urn:schemas-microsoft-com:vml" xmlns:pvml="urn:schemas-microsoft-com:office:powerpoint" xmlns:com="http://schemas.openxmlformats.org/drawingml/2006/compatibility" xmlns:p14="http://schemas.microsoft.com/office/powerpoint/2010/main" xmlns:p15="http://schemas.microsoft.com/office/powerpoint/2012/main" xmlns:ahyp="http://schemas.microsoft.com/office/drawing/2018/hyperlinkcolor" showMasterPhAnim="0" showMasterSp="0">
+<p:notes xmlns:a="http://schemas.openxmlformats.org/drawingml/2006/main" xmlns:r="http://schemas.openxmlformats.org/officeDocument/2006/relationships" xmlns:p="http://schemas.openxmlformats.org/presentationml/2006/main" showMasterSp="0" showMasterPhAnim="0">
   <p:cSld>
     <p:spTree>
       <p:nvGrpSpPr>
-        <p:cNvPr id="88" name="Shape 88"/>
+        <p:cNvPr id="1" name="Shape 88"/>
         <p:cNvGrpSpPr/>
         <p:nvPr/>
       </p:nvGrpSpPr>
@@ -824,9 +844,11 @@
       <p:sp>
         <p:nvSpPr>
           <p:cNvPr id="89" name="Google Shape;89;ge232dc94b4_0_78:notes"/>
-          <p:cNvSpPr/>
+          <p:cNvSpPr>
+            <a:spLocks noGrp="1" noRot="1" noChangeAspect="1"/>
+          </p:cNvSpPr>
           <p:nvPr>
-            <p:ph idx="2" type="sldImg"/>
+            <p:ph type="sldImg" idx="2"/>
           </p:nvPr>
         </p:nvSpPr>
         <p:spPr>
@@ -835,9 +857,13 @@
             <a:ext cx="6096000" cy="3429000"/>
           </a:xfrm>
           <a:custGeom>
-            <a:rect b="b" l="l" r="r" t="t"/>
+            <a:avLst/>
+            <a:gdLst/>
+            <a:ahLst/>
+            <a:cxnLst/>
+            <a:rect l="l" t="t" r="r" b="b"/>
             <a:pathLst>
-              <a:path extrusionOk="0" h="120000" w="120000">
+              <a:path w="120000" h="120000" extrusionOk="0">
                 <a:moveTo>
                   <a:pt x="0" y="0"/>
                 </a:moveTo>
@@ -859,9 +885,11 @@
       <p:sp>
         <p:nvSpPr>
           <p:cNvPr id="90" name="Google Shape;90;ge232dc94b4_0_78:notes"/>
-          <p:cNvSpPr txBox="1"/>
+          <p:cNvSpPr txBox="1">
+            <a:spLocks noGrp="1"/>
+          </p:cNvSpPr>
           <p:nvPr>
-            <p:ph idx="1" type="body"/>
+            <p:ph type="body" idx="1"/>
           </p:nvPr>
         </p:nvSpPr>
         <p:spPr>
@@ -874,12 +902,12 @@
           </a:prstGeom>
         </p:spPr>
         <p:txBody>
-          <a:bodyPr anchorCtr="0" anchor="t" bIns="91425" lIns="91425" spcFirstLastPara="1" rIns="91425" wrap="square" tIns="91425">
+          <a:bodyPr spcFirstLastPara="1" wrap="square" lIns="91425" tIns="91425" rIns="91425" bIns="91425" anchor="t" anchorCtr="0">
             <a:noAutofit/>
           </a:bodyPr>
           <a:lstStyle/>
           <a:p>
-            <a:pPr indent="0" lvl="0" marL="0" rtl="0" algn="l">
+            <a:pPr marL="0" lvl="0" indent="0" algn="l" rtl="0">
               <a:spcBef>
                 <a:spcPts val="0"/>
               </a:spcBef>
@@ -888,9 +916,6 @@
               </a:spcAft>
               <a:buNone/>
             </a:pPr>
-            <a:r>
-              <a:t/>
-            </a:r>
             <a:endParaRPr/>
           </a:p>
         </p:txBody>
@@ -904,11 +929,11 @@
 </file>
 
 <file path=ppt/notesSlides/notesSlide3.xml><?xml version="1.0" encoding="utf-8"?>
-<p:notes xmlns:a="http://schemas.openxmlformats.org/drawingml/2006/main" xmlns:r="http://schemas.openxmlformats.org/officeDocument/2006/relationships" xmlns:mc="http://schemas.openxmlformats.org/markup-compatibility/2006" xmlns:mv="urn:schemas-microsoft-com:mac:vml" xmlns:p="http://schemas.openxmlformats.org/presentationml/2006/main" xmlns:c="http://schemas.openxmlformats.org/drawingml/2006/chart" xmlns:dgm="http://schemas.openxmlformats.org/drawingml/2006/diagram" xmlns:o="urn:schemas-microsoft-com:office:office" xmlns:v="urn:schemas-microsoft-com:vml" xmlns:pvml="urn:schemas-microsoft-com:office:powerpoint" xmlns:com="http://schemas.openxmlformats.org/drawingml/2006/compatibility" xmlns:p14="http://schemas.microsoft.com/office/powerpoint/2010/main" xmlns:p15="http://schemas.microsoft.com/office/powerpoint/2012/main" xmlns:ahyp="http://schemas.microsoft.com/office/drawing/2018/hyperlinkcolor" showMasterPhAnim="0" showMasterSp="0">
+<p:notes xmlns:a="http://schemas.openxmlformats.org/drawingml/2006/main" xmlns:r="http://schemas.openxmlformats.org/officeDocument/2006/relationships" xmlns:p="http://schemas.openxmlformats.org/presentationml/2006/main" showMasterSp="0" showMasterPhAnim="0">
   <p:cSld>
     <p:spTree>
       <p:nvGrpSpPr>
-        <p:cNvPr id="98" name="Shape 98"/>
+        <p:cNvPr id="1" name="Shape 98"/>
         <p:cNvGrpSpPr/>
         <p:nvPr/>
       </p:nvGrpSpPr>
@@ -923,9 +948,11 @@
       <p:sp>
         <p:nvSpPr>
           <p:cNvPr id="99" name="Google Shape;99;ge232dc94b4_0_88:notes"/>
-          <p:cNvSpPr/>
+          <p:cNvSpPr>
+            <a:spLocks noGrp="1" noRot="1" noChangeAspect="1"/>
+          </p:cNvSpPr>
           <p:nvPr>
-            <p:ph idx="2" type="sldImg"/>
+            <p:ph type="sldImg" idx="2"/>
           </p:nvPr>
         </p:nvSpPr>
         <p:spPr>
@@ -934,9 +961,13 @@
             <a:ext cx="6096000" cy="3429000"/>
           </a:xfrm>
           <a:custGeom>
-            <a:rect b="b" l="l" r="r" t="t"/>
+            <a:avLst/>
+            <a:gdLst/>
+            <a:ahLst/>
+            <a:cxnLst/>
+            <a:rect l="l" t="t" r="r" b="b"/>
             <a:pathLst>
-              <a:path extrusionOk="0" h="120000" w="120000">
+              <a:path w="120000" h="120000" extrusionOk="0">
                 <a:moveTo>
                   <a:pt x="0" y="0"/>
                 </a:moveTo>
@@ -958,9 +989,11 @@
       <p:sp>
         <p:nvSpPr>
           <p:cNvPr id="100" name="Google Shape;100;ge232dc94b4_0_88:notes"/>
-          <p:cNvSpPr txBox="1"/>
+          <p:cNvSpPr txBox="1">
+            <a:spLocks noGrp="1"/>
+          </p:cNvSpPr>
           <p:nvPr>
-            <p:ph idx="1" type="body"/>
+            <p:ph type="body" idx="1"/>
           </p:nvPr>
         </p:nvSpPr>
         <p:spPr>
@@ -973,12 +1006,12 @@
           </a:prstGeom>
         </p:spPr>
         <p:txBody>
-          <a:bodyPr anchorCtr="0" anchor="t" bIns="91425" lIns="91425" spcFirstLastPara="1" rIns="91425" wrap="square" tIns="91425">
+          <a:bodyPr spcFirstLastPara="1" wrap="square" lIns="91425" tIns="91425" rIns="91425" bIns="91425" anchor="t" anchorCtr="0">
             <a:noAutofit/>
           </a:bodyPr>
           <a:lstStyle/>
           <a:p>
-            <a:pPr indent="0" lvl="0" marL="0" rtl="0" algn="l">
+            <a:pPr marL="0" lvl="0" indent="0" algn="l" rtl="0">
               <a:spcBef>
                 <a:spcPts val="0"/>
               </a:spcBef>
@@ -987,9 +1020,6 @@
               </a:spcAft>
               <a:buNone/>
             </a:pPr>
-            <a:r>
-              <a:t/>
-            </a:r>
             <a:endParaRPr/>
           </a:p>
         </p:txBody>
@@ -1003,11 +1033,11 @@
 </file>
 
 <file path=ppt/notesSlides/notesSlide4.xml><?xml version="1.0" encoding="utf-8"?>
-<p:notes xmlns:a="http://schemas.openxmlformats.org/drawingml/2006/main" xmlns:r="http://schemas.openxmlformats.org/officeDocument/2006/relationships" xmlns:mc="http://schemas.openxmlformats.org/markup-compatibility/2006" xmlns:mv="urn:schemas-microsoft-com:mac:vml" xmlns:p="http://schemas.openxmlformats.org/presentationml/2006/main" xmlns:c="http://schemas.openxmlformats.org/drawingml/2006/chart" xmlns:dgm="http://schemas.openxmlformats.org/drawingml/2006/diagram" xmlns:o="urn:schemas-microsoft-com:office:office" xmlns:v="urn:schemas-microsoft-com:vml" xmlns:pvml="urn:schemas-microsoft-com:office:powerpoint" xmlns:com="http://schemas.openxmlformats.org/drawingml/2006/compatibility" xmlns:p14="http://schemas.microsoft.com/office/powerpoint/2010/main" xmlns:p15="http://schemas.microsoft.com/office/powerpoint/2012/main" xmlns:ahyp="http://schemas.microsoft.com/office/drawing/2018/hyperlinkcolor" showMasterPhAnim="0" showMasterSp="0">
+<p:notes xmlns:a="http://schemas.openxmlformats.org/drawingml/2006/main" xmlns:r="http://schemas.openxmlformats.org/officeDocument/2006/relationships" xmlns:p="http://schemas.openxmlformats.org/presentationml/2006/main" showMasterSp="0" showMasterPhAnim="0">
   <p:cSld>
     <p:spTree>
       <p:nvGrpSpPr>
-        <p:cNvPr id="109" name="Shape 109"/>
+        <p:cNvPr id="1" name="Shape 109"/>
         <p:cNvGrpSpPr/>
         <p:nvPr/>
       </p:nvGrpSpPr>
@@ -1022,9 +1052,11 @@
       <p:sp>
         <p:nvSpPr>
           <p:cNvPr id="110" name="Google Shape;110;ge232dc94b4_0_97:notes"/>
-          <p:cNvSpPr/>
+          <p:cNvSpPr>
+            <a:spLocks noGrp="1" noRot="1" noChangeAspect="1"/>
+          </p:cNvSpPr>
           <p:nvPr>
-            <p:ph idx="2" type="sldImg"/>
+            <p:ph type="sldImg" idx="2"/>
           </p:nvPr>
         </p:nvSpPr>
         <p:spPr>
@@ -1033,9 +1065,13 @@
             <a:ext cx="6096000" cy="3429000"/>
           </a:xfrm>
           <a:custGeom>
-            <a:rect b="b" l="l" r="r" t="t"/>
+            <a:avLst/>
+            <a:gdLst/>
+            <a:ahLst/>
+            <a:cxnLst/>
+            <a:rect l="l" t="t" r="r" b="b"/>
             <a:pathLst>
-              <a:path extrusionOk="0" h="120000" w="120000">
+              <a:path w="120000" h="120000" extrusionOk="0">
                 <a:moveTo>
                   <a:pt x="0" y="0"/>
                 </a:moveTo>
@@ -1057,9 +1093,11 @@
       <p:sp>
         <p:nvSpPr>
           <p:cNvPr id="111" name="Google Shape;111;ge232dc94b4_0_97:notes"/>
-          <p:cNvSpPr txBox="1"/>
+          <p:cNvSpPr txBox="1">
+            <a:spLocks noGrp="1"/>
+          </p:cNvSpPr>
           <p:nvPr>
-            <p:ph idx="1" type="body"/>
+            <p:ph type="body" idx="1"/>
           </p:nvPr>
         </p:nvSpPr>
         <p:spPr>
@@ -1072,12 +1110,12 @@
           </a:prstGeom>
         </p:spPr>
         <p:txBody>
-          <a:bodyPr anchorCtr="0" anchor="t" bIns="91425" lIns="91425" spcFirstLastPara="1" rIns="91425" wrap="square" tIns="91425">
+          <a:bodyPr spcFirstLastPara="1" wrap="square" lIns="91425" tIns="91425" rIns="91425" bIns="91425" anchor="t" anchorCtr="0">
             <a:noAutofit/>
           </a:bodyPr>
           <a:lstStyle/>
           <a:p>
-            <a:pPr indent="0" lvl="0" marL="0" rtl="0" algn="l">
+            <a:pPr marL="0" lvl="0" indent="0" algn="l" rtl="0">
               <a:spcBef>
                 <a:spcPts val="0"/>
               </a:spcBef>
@@ -1086,9 +1124,6 @@
               </a:spcAft>
               <a:buNone/>
             </a:pPr>
-            <a:r>
-              <a:t/>
-            </a:r>
             <a:endParaRPr/>
           </a:p>
         </p:txBody>
@@ -1102,18 +1137,19 @@
 </file>
 
 <file path=ppt/slideLayouts/slideLayout1.xml><?xml version="1.0" encoding="utf-8"?>
-<p:sldLayout xmlns:a="http://schemas.openxmlformats.org/drawingml/2006/main" xmlns:r="http://schemas.openxmlformats.org/officeDocument/2006/relationships" xmlns:mc="http://schemas.openxmlformats.org/markup-compatibility/2006" xmlns:mv="urn:schemas-microsoft-com:mac:vml" xmlns:p="http://schemas.openxmlformats.org/presentationml/2006/main" xmlns:c="http://schemas.openxmlformats.org/drawingml/2006/chart" xmlns:dgm="http://schemas.openxmlformats.org/drawingml/2006/diagram" xmlns:o="urn:schemas-microsoft-com:office:office" xmlns:v="urn:schemas-microsoft-com:vml" xmlns:pvml="urn:schemas-microsoft-com:office:powerpoint" xmlns:com="http://schemas.openxmlformats.org/drawingml/2006/compatibility" xmlns:p14="http://schemas.microsoft.com/office/powerpoint/2010/main" xmlns:p15="http://schemas.microsoft.com/office/powerpoint/2012/main" xmlns:ahyp="http://schemas.microsoft.com/office/drawing/2018/hyperlinkcolor" matchingName="Title slide" type="title">
+<p:sldLayout xmlns:a="http://schemas.openxmlformats.org/drawingml/2006/main" xmlns:r="http://schemas.openxmlformats.org/officeDocument/2006/relationships" xmlns:p="http://schemas.openxmlformats.org/presentationml/2006/main" matchingName="Title slide" type="title">
   <p:cSld name="TITLE">
     <p:bg>
       <p:bgPr>
         <a:solidFill>
           <a:schemeClr val="lt2"/>
         </a:solidFill>
+        <a:effectLst/>
       </p:bgPr>
     </p:bg>
     <p:spTree>
       <p:nvGrpSpPr>
-        <p:cNvPr id="9" name="Shape 9"/>
+        <p:cNvPr id="1" name="Shape 9"/>
         <p:cNvGrpSpPr/>
         <p:nvPr/>
       </p:nvGrpSpPr>
@@ -1147,12 +1183,12 @@
           </a:ln>
         </p:spPr>
         <p:txBody>
-          <a:bodyPr anchorCtr="0" anchor="ctr" bIns="91425" lIns="91425" spcFirstLastPara="1" rIns="91425" wrap="square" tIns="91425">
+          <a:bodyPr spcFirstLastPara="1" wrap="square" lIns="91425" tIns="91425" rIns="91425" bIns="91425" anchor="ctr" anchorCtr="0">
             <a:noAutofit/>
           </a:bodyPr>
           <a:lstStyle/>
           <a:p>
-            <a:pPr indent="0" lvl="0" marL="0" rtl="0" algn="l">
+            <a:pPr marL="0" lvl="0" indent="0" algn="l" rtl="0">
               <a:spcBef>
                 <a:spcPts val="0"/>
               </a:spcBef>
@@ -1161,9 +1197,6 @@
               </a:spcAft>
               <a:buNone/>
             </a:pPr>
-            <a:r>
-              <a:t/>
-            </a:r>
             <a:endParaRPr/>
           </a:p>
         </p:txBody>
@@ -1204,12 +1237,12 @@
             </a:ln>
           </p:spPr>
           <p:txBody>
-            <a:bodyPr anchorCtr="0" anchor="ctr" bIns="91425" lIns="91425" spcFirstLastPara="1" rIns="91425" wrap="square" tIns="91425">
+            <a:bodyPr spcFirstLastPara="1" wrap="square" lIns="91425" tIns="91425" rIns="91425" bIns="91425" anchor="ctr" anchorCtr="0">
               <a:noAutofit/>
             </a:bodyPr>
             <a:lstStyle/>
             <a:p>
-              <a:pPr indent="0" lvl="0" marL="0" rtl="0" algn="l">
+              <a:pPr marL="0" lvl="0" indent="0" algn="l" rtl="0">
                 <a:spcBef>
                   <a:spcPts val="0"/>
                 </a:spcBef>
@@ -1218,9 +1251,6 @@
                 </a:spcAft>
                 <a:buNone/>
               </a:pPr>
-              <a:r>
-                <a:t/>
-              </a:r>
               <a:endParaRPr/>
             </a:p>
           </p:txBody>
@@ -1247,12 +1277,12 @@
             </a:ln>
           </p:spPr>
           <p:txBody>
-            <a:bodyPr anchorCtr="0" anchor="ctr" bIns="91425" lIns="91425" spcFirstLastPara="1" rIns="91425" wrap="square" tIns="91425">
+            <a:bodyPr spcFirstLastPara="1" wrap="square" lIns="91425" tIns="91425" rIns="91425" bIns="91425" anchor="ctr" anchorCtr="0">
               <a:noAutofit/>
             </a:bodyPr>
             <a:lstStyle/>
             <a:p>
-              <a:pPr indent="0" lvl="0" marL="0" rtl="0" algn="l">
+              <a:pPr marL="0" lvl="0" indent="0" algn="l" rtl="0">
                 <a:spcBef>
                   <a:spcPts val="0"/>
                 </a:spcBef>
@@ -1261,9 +1291,6 @@
                 </a:spcAft>
                 <a:buNone/>
               </a:pPr>
-              <a:r>
-                <a:t/>
-              </a:r>
               <a:endParaRPr/>
             </a:p>
           </p:txBody>
@@ -1272,7 +1299,9 @@
       <p:sp>
         <p:nvSpPr>
           <p:cNvPr id="14" name="Google Shape;14;p2"/>
-          <p:cNvSpPr txBox="1"/>
+          <p:cNvSpPr txBox="1">
+            <a:spLocks noGrp="1"/>
+          </p:cNvSpPr>
           <p:nvPr>
             <p:ph type="ctrTitle"/>
           </p:nvPr>
@@ -1287,7 +1316,7 @@
           </a:prstGeom>
         </p:spPr>
         <p:txBody>
-          <a:bodyPr anchorCtr="0" anchor="t" bIns="91425" lIns="91425" spcFirstLastPara="1" rIns="91425" wrap="square" tIns="91425">
+          <a:bodyPr spcFirstLastPara="1" wrap="square" lIns="91425" tIns="91425" rIns="91425" bIns="91425" anchor="t" anchorCtr="0">
             <a:normAutofit/>
           </a:bodyPr>
           <a:lstStyle>
@@ -1391,15 +1420,19 @@
               <a:defRPr sz="4200"/>
             </a:lvl9pPr>
           </a:lstStyle>
-          <a:p/>
+          <a:p>
+            <a:endParaRPr/>
+          </a:p>
         </p:txBody>
       </p:sp>
       <p:sp>
         <p:nvSpPr>
           <p:cNvPr id="15" name="Google Shape;15;p2"/>
-          <p:cNvSpPr txBox="1"/>
+          <p:cNvSpPr txBox="1">
+            <a:spLocks noGrp="1"/>
+          </p:cNvSpPr>
           <p:nvPr>
-            <p:ph idx="1" type="subTitle"/>
+            <p:ph type="subTitle" idx="1"/>
           </p:nvPr>
         </p:nvSpPr>
         <p:spPr>
@@ -1412,7 +1445,7 @@
           </a:prstGeom>
         </p:spPr>
         <p:txBody>
-          <a:bodyPr anchorCtr="0" anchor="t" bIns="91425" lIns="91425" spcFirstLastPara="1" rIns="91425" wrap="square" tIns="91425">
+          <a:bodyPr spcFirstLastPara="1" wrap="square" lIns="91425" tIns="91425" rIns="91425" bIns="91425" anchor="t" anchorCtr="0">
             <a:normAutofit/>
           </a:bodyPr>
           <a:lstStyle>
@@ -1543,15 +1576,19 @@
               <a:defRPr sz="1600"/>
             </a:lvl9pPr>
           </a:lstStyle>
-          <a:p/>
+          <a:p>
+            <a:endParaRPr/>
+          </a:p>
         </p:txBody>
       </p:sp>
       <p:sp>
         <p:nvSpPr>
           <p:cNvPr id="16" name="Google Shape;16;p2"/>
-          <p:cNvSpPr txBox="1"/>
+          <p:cNvSpPr txBox="1">
+            <a:spLocks noGrp="1"/>
+          </p:cNvSpPr>
           <p:nvPr>
-            <p:ph idx="12" type="sldNum"/>
+            <p:ph type="sldNum" idx="12"/>
           </p:nvPr>
         </p:nvSpPr>
         <p:spPr>
@@ -1564,7 +1601,7 @@
           </a:prstGeom>
         </p:spPr>
         <p:txBody>
-          <a:bodyPr anchorCtr="0" anchor="ctr" bIns="91425" lIns="91425" spcFirstLastPara="1" rIns="91425" wrap="square" tIns="91425">
+          <a:bodyPr spcFirstLastPara="1" wrap="square" lIns="91425" tIns="91425" rIns="91425" bIns="91425" anchor="ctr" anchorCtr="0">
             <a:normAutofit/>
           </a:bodyPr>
           <a:lstStyle>
@@ -1606,7 +1643,7 @@
             </a:lvl9pPr>
           </a:lstStyle>
           <a:p>
-            <a:pPr indent="0" lvl="0" marL="0" rtl="0" algn="r">
+            <a:pPr marL="0" lvl="0" indent="0" algn="r" rtl="0">
               <a:spcBef>
                 <a:spcPts val="0"/>
               </a:spcBef>
@@ -1632,18 +1669,19 @@
 </file>
 
 <file path=ppt/slideLayouts/slideLayout10.xml><?xml version="1.0" encoding="utf-8"?>
-<p:sldLayout xmlns:a="http://schemas.openxmlformats.org/drawingml/2006/main" xmlns:r="http://schemas.openxmlformats.org/officeDocument/2006/relationships" xmlns:mc="http://schemas.openxmlformats.org/markup-compatibility/2006" xmlns:mv="urn:schemas-microsoft-com:mac:vml" xmlns:p="http://schemas.openxmlformats.org/presentationml/2006/main" xmlns:c="http://schemas.openxmlformats.org/drawingml/2006/chart" xmlns:dgm="http://schemas.openxmlformats.org/drawingml/2006/diagram" xmlns:o="urn:schemas-microsoft-com:office:office" xmlns:v="urn:schemas-microsoft-com:vml" xmlns:pvml="urn:schemas-microsoft-com:office:powerpoint" xmlns:com="http://schemas.openxmlformats.org/drawingml/2006/compatibility" xmlns:p14="http://schemas.microsoft.com/office/powerpoint/2010/main" xmlns:p15="http://schemas.microsoft.com/office/powerpoint/2012/main" xmlns:ahyp="http://schemas.microsoft.com/office/drawing/2018/hyperlinkcolor" matchingName="Big number">
+<p:sldLayout xmlns:a="http://schemas.openxmlformats.org/drawingml/2006/main" xmlns:r="http://schemas.openxmlformats.org/officeDocument/2006/relationships" xmlns:p="http://schemas.openxmlformats.org/presentationml/2006/main" matchingName="Big number">
   <p:cSld name="BIG_NUMBER">
     <p:bg>
       <p:bgPr>
         <a:solidFill>
           <a:schemeClr val="dk1"/>
         </a:solidFill>
+        <a:effectLst/>
       </p:bgPr>
     </p:bg>
     <p:spTree>
       <p:nvGrpSpPr>
-        <p:cNvPr id="73" name="Shape 73"/>
+        <p:cNvPr id="1" name="Shape 73"/>
         <p:cNvGrpSpPr/>
         <p:nvPr/>
       </p:nvGrpSpPr>
@@ -1691,12 +1729,12 @@
             </a:ln>
           </p:spPr>
           <p:txBody>
-            <a:bodyPr anchorCtr="0" anchor="ctr" bIns="91425" lIns="91425" spcFirstLastPara="1" rIns="91425" wrap="square" tIns="91425">
+            <a:bodyPr spcFirstLastPara="1" wrap="square" lIns="91425" tIns="91425" rIns="91425" bIns="91425" anchor="ctr" anchorCtr="0">
               <a:noAutofit/>
             </a:bodyPr>
             <a:lstStyle/>
             <a:p>
-              <a:pPr indent="0" lvl="0" marL="0" rtl="0" algn="l">
+              <a:pPr marL="0" lvl="0" indent="0" algn="l" rtl="0">
                 <a:spcBef>
                   <a:spcPts val="0"/>
                 </a:spcBef>
@@ -1705,9 +1743,6 @@
                 </a:spcAft>
                 <a:buNone/>
               </a:pPr>
-              <a:r>
-                <a:t/>
-              </a:r>
               <a:endParaRPr/>
             </a:p>
           </p:txBody>
@@ -1734,12 +1769,12 @@
             </a:ln>
           </p:spPr>
           <p:txBody>
-            <a:bodyPr anchorCtr="0" anchor="ctr" bIns="91425" lIns="91425" spcFirstLastPara="1" rIns="91425" wrap="square" tIns="91425">
+            <a:bodyPr spcFirstLastPara="1" wrap="square" lIns="91425" tIns="91425" rIns="91425" bIns="91425" anchor="ctr" anchorCtr="0">
               <a:noAutofit/>
             </a:bodyPr>
             <a:lstStyle/>
             <a:p>
-              <a:pPr indent="0" lvl="0" marL="0" rtl="0" algn="l">
+              <a:pPr marL="0" lvl="0" indent="0" algn="l" rtl="0">
                 <a:spcBef>
                   <a:spcPts val="0"/>
                 </a:spcBef>
@@ -1748,9 +1783,6 @@
                 </a:spcAft>
                 <a:buNone/>
               </a:pPr>
-              <a:r>
-                <a:t/>
-              </a:r>
               <a:endParaRPr/>
             </a:p>
           </p:txBody>
@@ -1759,9 +1791,11 @@
       <p:sp>
         <p:nvSpPr>
           <p:cNvPr id="77" name="Google Shape;77;p11"/>
-          <p:cNvSpPr txBox="1"/>
+          <p:cNvSpPr txBox="1">
+            <a:spLocks noGrp="1"/>
+          </p:cNvSpPr>
           <p:nvPr>
-            <p:ph hasCustomPrompt="1" type="title"/>
+            <p:ph type="title" hasCustomPrompt="1"/>
           </p:nvPr>
         </p:nvSpPr>
         <p:spPr>
@@ -1774,7 +1808,7 @@
           </a:prstGeom>
         </p:spPr>
         <p:txBody>
-          <a:bodyPr anchorCtr="0" anchor="t" bIns="91425" lIns="91425" spcFirstLastPara="1" rIns="91425" wrap="square" tIns="91425">
+          <a:bodyPr spcFirstLastPara="1" wrap="square" lIns="91425" tIns="91425" rIns="91425" bIns="91425" anchor="t" anchorCtr="0">
             <a:normAutofit/>
           </a:bodyPr>
           <a:lstStyle>
@@ -1951,9 +1985,11 @@
       <p:sp>
         <p:nvSpPr>
           <p:cNvPr id="78" name="Google Shape;78;p11"/>
-          <p:cNvSpPr txBox="1"/>
+          <p:cNvSpPr txBox="1">
+            <a:spLocks noGrp="1"/>
+          </p:cNvSpPr>
           <p:nvPr>
-            <p:ph idx="1" type="body"/>
+            <p:ph type="body" idx="1"/>
           </p:nvPr>
         </p:nvSpPr>
         <p:spPr>
@@ -1966,11 +2002,11 @@
           </a:prstGeom>
         </p:spPr>
         <p:txBody>
-          <a:bodyPr anchorCtr="0" anchor="t" bIns="91425" lIns="91425" spcFirstLastPara="1" rIns="91425" wrap="square" tIns="91425">
+          <a:bodyPr spcFirstLastPara="1" wrap="square" lIns="91425" tIns="91425" rIns="91425" bIns="91425" anchor="t" anchorCtr="0">
             <a:normAutofit/>
           </a:bodyPr>
           <a:lstStyle>
-            <a:lvl1pPr indent="-311150" lvl="0" marL="457200">
+            <a:lvl1pPr marL="457200" lvl="0" indent="-311150">
               <a:spcBef>
                 <a:spcPts val="0"/>
               </a:spcBef>
@@ -1988,7 +2024,7 @@
                 </a:solidFill>
               </a:defRPr>
             </a:lvl1pPr>
-            <a:lvl2pPr indent="-298450" lvl="1" marL="914400">
+            <a:lvl2pPr marL="914400" lvl="1" indent="-298450">
               <a:spcBef>
                 <a:spcPts val="0"/>
               </a:spcBef>
@@ -2006,7 +2042,7 @@
                 </a:solidFill>
               </a:defRPr>
             </a:lvl2pPr>
-            <a:lvl3pPr indent="-298450" lvl="2" marL="1371600">
+            <a:lvl3pPr marL="1371600" lvl="2" indent="-298450">
               <a:spcBef>
                 <a:spcPts val="0"/>
               </a:spcBef>
@@ -2024,7 +2060,7 @@
                 </a:solidFill>
               </a:defRPr>
             </a:lvl3pPr>
-            <a:lvl4pPr indent="-298450" lvl="3" marL="1828800">
+            <a:lvl4pPr marL="1828800" lvl="3" indent="-298450">
               <a:spcBef>
                 <a:spcPts val="0"/>
               </a:spcBef>
@@ -2042,7 +2078,7 @@
                 </a:solidFill>
               </a:defRPr>
             </a:lvl4pPr>
-            <a:lvl5pPr indent="-298450" lvl="4" marL="2286000">
+            <a:lvl5pPr marL="2286000" lvl="4" indent="-298450">
               <a:spcBef>
                 <a:spcPts val="0"/>
               </a:spcBef>
@@ -2060,7 +2096,7 @@
                 </a:solidFill>
               </a:defRPr>
             </a:lvl5pPr>
-            <a:lvl6pPr indent="-298450" lvl="5" marL="2743200">
+            <a:lvl6pPr marL="2743200" lvl="5" indent="-298450">
               <a:spcBef>
                 <a:spcPts val="0"/>
               </a:spcBef>
@@ -2078,7 +2114,7 @@
                 </a:solidFill>
               </a:defRPr>
             </a:lvl6pPr>
-            <a:lvl7pPr indent="-298450" lvl="6" marL="3200400">
+            <a:lvl7pPr marL="3200400" lvl="6" indent="-298450">
               <a:spcBef>
                 <a:spcPts val="0"/>
               </a:spcBef>
@@ -2096,7 +2132,7 @@
                 </a:solidFill>
               </a:defRPr>
             </a:lvl7pPr>
-            <a:lvl8pPr indent="-298450" lvl="7" marL="3657600">
+            <a:lvl8pPr marL="3657600" lvl="7" indent="-298450">
               <a:spcBef>
                 <a:spcPts val="0"/>
               </a:spcBef>
@@ -2114,7 +2150,7 @@
                 </a:solidFill>
               </a:defRPr>
             </a:lvl8pPr>
-            <a:lvl9pPr indent="-298450" lvl="8" marL="4114800">
+            <a:lvl9pPr marL="4114800" lvl="8" indent="-298450">
               <a:spcBef>
                 <a:spcPts val="0"/>
               </a:spcBef>
@@ -2133,15 +2169,19 @@
               </a:defRPr>
             </a:lvl9pPr>
           </a:lstStyle>
-          <a:p/>
+          <a:p>
+            <a:endParaRPr/>
+          </a:p>
         </p:txBody>
       </p:sp>
       <p:sp>
         <p:nvSpPr>
           <p:cNvPr id="79" name="Google Shape;79;p11"/>
-          <p:cNvSpPr txBox="1"/>
+          <p:cNvSpPr txBox="1">
+            <a:spLocks noGrp="1"/>
+          </p:cNvSpPr>
           <p:nvPr>
-            <p:ph idx="12" type="sldNum"/>
+            <p:ph type="sldNum" idx="12"/>
           </p:nvPr>
         </p:nvSpPr>
         <p:spPr>
@@ -2154,7 +2194,7 @@
           </a:prstGeom>
         </p:spPr>
         <p:txBody>
-          <a:bodyPr anchorCtr="0" anchor="ctr" bIns="91425" lIns="91425" spcFirstLastPara="1" rIns="91425" wrap="square" tIns="91425">
+          <a:bodyPr spcFirstLastPara="1" wrap="square" lIns="91425" tIns="91425" rIns="91425" bIns="91425" anchor="ctr" anchorCtr="0">
             <a:normAutofit/>
           </a:bodyPr>
           <a:lstStyle>
@@ -2232,7 +2272,7 @@
             </a:lvl9pPr>
           </a:lstStyle>
           <a:p>
-            <a:pPr indent="0" lvl="0" marL="0" rtl="0" algn="r">
+            <a:pPr marL="0" lvl="0" indent="0" algn="r" rtl="0">
               <a:spcBef>
                 <a:spcPts val="0"/>
               </a:spcBef>
@@ -2258,11 +2298,11 @@
 </file>
 
 <file path=ppt/slideLayouts/slideLayout11.xml><?xml version="1.0" encoding="utf-8"?>
-<p:sldLayout xmlns:a="http://schemas.openxmlformats.org/drawingml/2006/main" xmlns:r="http://schemas.openxmlformats.org/officeDocument/2006/relationships" xmlns:mc="http://schemas.openxmlformats.org/markup-compatibility/2006" xmlns:mv="urn:schemas-microsoft-com:mac:vml" xmlns:p="http://schemas.openxmlformats.org/presentationml/2006/main" xmlns:c="http://schemas.openxmlformats.org/drawingml/2006/chart" xmlns:dgm="http://schemas.openxmlformats.org/drawingml/2006/diagram" xmlns:o="urn:schemas-microsoft-com:office:office" xmlns:v="urn:schemas-microsoft-com:vml" xmlns:pvml="urn:schemas-microsoft-com:office:powerpoint" xmlns:com="http://schemas.openxmlformats.org/drawingml/2006/compatibility" xmlns:p14="http://schemas.microsoft.com/office/powerpoint/2010/main" xmlns:p15="http://schemas.microsoft.com/office/powerpoint/2012/main" xmlns:ahyp="http://schemas.microsoft.com/office/drawing/2018/hyperlinkcolor" matchingName="Blank" type="blank">
+<p:sldLayout xmlns:a="http://schemas.openxmlformats.org/drawingml/2006/main" xmlns:r="http://schemas.openxmlformats.org/officeDocument/2006/relationships" xmlns:p="http://schemas.openxmlformats.org/presentationml/2006/main" matchingName="Blank" type="blank">
   <p:cSld name="BLANK">
     <p:spTree>
       <p:nvGrpSpPr>
-        <p:cNvPr id="80" name="Shape 80"/>
+        <p:cNvPr id="1" name="Shape 80"/>
         <p:cNvGrpSpPr/>
         <p:nvPr/>
       </p:nvGrpSpPr>
@@ -2277,9 +2317,11 @@
       <p:sp>
         <p:nvSpPr>
           <p:cNvPr id="81" name="Google Shape;81;p12"/>
-          <p:cNvSpPr txBox="1"/>
+          <p:cNvSpPr txBox="1">
+            <a:spLocks noGrp="1"/>
+          </p:cNvSpPr>
           <p:nvPr>
-            <p:ph idx="12" type="sldNum"/>
+            <p:ph type="sldNum" idx="12"/>
           </p:nvPr>
         </p:nvSpPr>
         <p:spPr>
@@ -2292,7 +2334,7 @@
           </a:prstGeom>
         </p:spPr>
         <p:txBody>
-          <a:bodyPr anchorCtr="0" anchor="ctr" bIns="91425" lIns="91425" spcFirstLastPara="1" rIns="91425" wrap="square" tIns="91425">
+          <a:bodyPr spcFirstLastPara="1" wrap="square" lIns="91425" tIns="91425" rIns="91425" bIns="91425" anchor="ctr" anchorCtr="0">
             <a:normAutofit/>
           </a:bodyPr>
           <a:lstStyle>
@@ -2334,7 +2376,7 @@
             </a:lvl9pPr>
           </a:lstStyle>
           <a:p>
-            <a:pPr indent="0" lvl="0" marL="0" rtl="0" algn="r">
+            <a:pPr marL="0" lvl="0" indent="0" algn="r" rtl="0">
               <a:spcBef>
                 <a:spcPts val="0"/>
               </a:spcBef>
@@ -2360,18 +2402,19 @@
 </file>
 
 <file path=ppt/slideLayouts/slideLayout2.xml><?xml version="1.0" encoding="utf-8"?>
-<p:sldLayout xmlns:a="http://schemas.openxmlformats.org/drawingml/2006/main" xmlns:r="http://schemas.openxmlformats.org/officeDocument/2006/relationships" xmlns:mc="http://schemas.openxmlformats.org/markup-compatibility/2006" xmlns:mv="urn:schemas-microsoft-com:mac:vml" xmlns:p="http://schemas.openxmlformats.org/presentationml/2006/main" xmlns:c="http://schemas.openxmlformats.org/drawingml/2006/chart" xmlns:dgm="http://schemas.openxmlformats.org/drawingml/2006/diagram" xmlns:o="urn:schemas-microsoft-com:office:office" xmlns:v="urn:schemas-microsoft-com:vml" xmlns:pvml="urn:schemas-microsoft-com:office:powerpoint" xmlns:com="http://schemas.openxmlformats.org/drawingml/2006/compatibility" xmlns:p14="http://schemas.microsoft.com/office/powerpoint/2010/main" xmlns:p15="http://schemas.microsoft.com/office/powerpoint/2012/main" xmlns:ahyp="http://schemas.microsoft.com/office/drawing/2018/hyperlinkcolor" matchingName="Section header" type="secHead">
+<p:sldLayout xmlns:a="http://schemas.openxmlformats.org/drawingml/2006/main" xmlns:r="http://schemas.openxmlformats.org/officeDocument/2006/relationships" xmlns:p="http://schemas.openxmlformats.org/presentationml/2006/main" matchingName="Section header" type="secHead">
   <p:cSld name="SECTION_HEADER">
     <p:bg>
       <p:bgPr>
         <a:solidFill>
           <a:schemeClr val="dk1"/>
         </a:solidFill>
+        <a:effectLst/>
       </p:bgPr>
     </p:bg>
     <p:spTree>
       <p:nvGrpSpPr>
-        <p:cNvPr id="17" name="Shape 17"/>
+        <p:cNvPr id="1" name="Shape 17"/>
         <p:cNvGrpSpPr/>
         <p:nvPr/>
       </p:nvGrpSpPr>
@@ -2419,12 +2462,12 @@
             </a:ln>
           </p:spPr>
           <p:txBody>
-            <a:bodyPr anchorCtr="0" anchor="ctr" bIns="91425" lIns="91425" spcFirstLastPara="1" rIns="91425" wrap="square" tIns="91425">
+            <a:bodyPr spcFirstLastPara="1" wrap="square" lIns="91425" tIns="91425" rIns="91425" bIns="91425" anchor="ctr" anchorCtr="0">
               <a:noAutofit/>
             </a:bodyPr>
             <a:lstStyle/>
             <a:p>
-              <a:pPr indent="0" lvl="0" marL="0" rtl="0" algn="l">
+              <a:pPr marL="0" lvl="0" indent="0" algn="l" rtl="0">
                 <a:spcBef>
                   <a:spcPts val="0"/>
                 </a:spcBef>
@@ -2433,9 +2476,6 @@
                 </a:spcAft>
                 <a:buNone/>
               </a:pPr>
-              <a:r>
-                <a:t/>
-              </a:r>
               <a:endParaRPr/>
             </a:p>
           </p:txBody>
@@ -2462,12 +2502,12 @@
             </a:ln>
           </p:spPr>
           <p:txBody>
-            <a:bodyPr anchorCtr="0" anchor="ctr" bIns="91425" lIns="91425" spcFirstLastPara="1" rIns="91425" wrap="square" tIns="91425">
+            <a:bodyPr spcFirstLastPara="1" wrap="square" lIns="91425" tIns="91425" rIns="91425" bIns="91425" anchor="ctr" anchorCtr="0">
               <a:noAutofit/>
             </a:bodyPr>
             <a:lstStyle/>
             <a:p>
-              <a:pPr indent="0" lvl="0" marL="0" rtl="0" algn="l">
+              <a:pPr marL="0" lvl="0" indent="0" algn="l" rtl="0">
                 <a:spcBef>
                   <a:spcPts val="0"/>
                 </a:spcBef>
@@ -2476,9 +2516,6 @@
                 </a:spcAft>
                 <a:buNone/>
               </a:pPr>
-              <a:r>
-                <a:t/>
-              </a:r>
               <a:endParaRPr/>
             </a:p>
           </p:txBody>
@@ -2487,7 +2524,9 @@
       <p:sp>
         <p:nvSpPr>
           <p:cNvPr id="21" name="Google Shape;21;p3"/>
-          <p:cNvSpPr txBox="1"/>
+          <p:cNvSpPr txBox="1">
+            <a:spLocks noGrp="1"/>
+          </p:cNvSpPr>
           <p:nvPr>
             <p:ph type="title"/>
           </p:nvPr>
@@ -2502,7 +2541,7 @@
           </a:prstGeom>
         </p:spPr>
         <p:txBody>
-          <a:bodyPr anchorCtr="0" anchor="t" bIns="91425" lIns="91425" spcFirstLastPara="1" rIns="91425" wrap="square" tIns="91425">
+          <a:bodyPr spcFirstLastPara="1" wrap="square" lIns="91425" tIns="91425" rIns="91425" bIns="91425" anchor="t" anchorCtr="0">
             <a:normAutofit/>
           </a:bodyPr>
           <a:lstStyle>
@@ -2669,15 +2708,19 @@
               </a:defRPr>
             </a:lvl9pPr>
           </a:lstStyle>
-          <a:p/>
+          <a:p>
+            <a:endParaRPr/>
+          </a:p>
         </p:txBody>
       </p:sp>
       <p:sp>
         <p:nvSpPr>
           <p:cNvPr id="22" name="Google Shape;22;p3"/>
-          <p:cNvSpPr txBox="1"/>
+          <p:cNvSpPr txBox="1">
+            <a:spLocks noGrp="1"/>
+          </p:cNvSpPr>
           <p:nvPr>
-            <p:ph idx="12" type="sldNum"/>
+            <p:ph type="sldNum" idx="12"/>
           </p:nvPr>
         </p:nvSpPr>
         <p:spPr>
@@ -2690,7 +2733,7 @@
           </a:prstGeom>
         </p:spPr>
         <p:txBody>
-          <a:bodyPr anchorCtr="0" anchor="ctr" bIns="91425" lIns="91425" spcFirstLastPara="1" rIns="91425" wrap="square" tIns="91425">
+          <a:bodyPr spcFirstLastPara="1" wrap="square" lIns="91425" tIns="91425" rIns="91425" bIns="91425" anchor="ctr" anchorCtr="0">
             <a:normAutofit/>
           </a:bodyPr>
           <a:lstStyle>
@@ -2768,7 +2811,7 @@
             </a:lvl9pPr>
           </a:lstStyle>
           <a:p>
-            <a:pPr indent="0" lvl="0" marL="0" rtl="0" algn="r">
+            <a:pPr marL="0" lvl="0" indent="0" algn="r" rtl="0">
               <a:spcBef>
                 <a:spcPts val="0"/>
               </a:spcBef>
@@ -2794,11 +2837,11 @@
 </file>
 
 <file path=ppt/slideLayouts/slideLayout3.xml><?xml version="1.0" encoding="utf-8"?>
-<p:sldLayout xmlns:a="http://schemas.openxmlformats.org/drawingml/2006/main" xmlns:r="http://schemas.openxmlformats.org/officeDocument/2006/relationships" xmlns:mc="http://schemas.openxmlformats.org/markup-compatibility/2006" xmlns:mv="urn:schemas-microsoft-com:mac:vml" xmlns:p="http://schemas.openxmlformats.org/presentationml/2006/main" xmlns:c="http://schemas.openxmlformats.org/drawingml/2006/chart" xmlns:dgm="http://schemas.openxmlformats.org/drawingml/2006/diagram" xmlns:o="urn:schemas-microsoft-com:office:office" xmlns:v="urn:schemas-microsoft-com:vml" xmlns:pvml="urn:schemas-microsoft-com:office:powerpoint" xmlns:com="http://schemas.openxmlformats.org/drawingml/2006/compatibility" xmlns:p14="http://schemas.microsoft.com/office/powerpoint/2010/main" xmlns:p15="http://schemas.microsoft.com/office/powerpoint/2012/main" xmlns:ahyp="http://schemas.microsoft.com/office/drawing/2018/hyperlinkcolor" matchingName="Title and body" type="tx">
+<p:sldLayout xmlns:a="http://schemas.openxmlformats.org/drawingml/2006/main" xmlns:r="http://schemas.openxmlformats.org/officeDocument/2006/relationships" xmlns:p="http://schemas.openxmlformats.org/presentationml/2006/main" matchingName="Title and body" type="tx">
   <p:cSld name="TITLE_AND_BODY">
     <p:spTree>
       <p:nvGrpSpPr>
-        <p:cNvPr id="23" name="Shape 23"/>
+        <p:cNvPr id="1" name="Shape 23"/>
         <p:cNvGrpSpPr/>
         <p:nvPr/>
       </p:nvGrpSpPr>
@@ -2832,12 +2875,12 @@
           </a:ln>
         </p:spPr>
         <p:txBody>
-          <a:bodyPr anchorCtr="0" anchor="ctr" bIns="91425" lIns="91425" spcFirstLastPara="1" rIns="91425" wrap="square" tIns="91425">
+          <a:bodyPr spcFirstLastPara="1" wrap="square" lIns="91425" tIns="91425" rIns="91425" bIns="91425" anchor="ctr" anchorCtr="0">
             <a:noAutofit/>
           </a:bodyPr>
           <a:lstStyle/>
           <a:p>
-            <a:pPr indent="0" lvl="0" marL="0" rtl="0" algn="l">
+            <a:pPr marL="0" lvl="0" indent="0" algn="l" rtl="0">
               <a:spcBef>
                 <a:spcPts val="0"/>
               </a:spcBef>
@@ -2846,9 +2889,6 @@
               </a:spcAft>
               <a:buNone/>
             </a:pPr>
-            <a:r>
-              <a:t/>
-            </a:r>
             <a:endParaRPr/>
           </a:p>
         </p:txBody>
@@ -2889,12 +2929,12 @@
             </a:ln>
           </p:spPr>
           <p:txBody>
-            <a:bodyPr anchorCtr="0" anchor="ctr" bIns="91425" lIns="91425" spcFirstLastPara="1" rIns="91425" wrap="square" tIns="91425">
+            <a:bodyPr spcFirstLastPara="1" wrap="square" lIns="91425" tIns="91425" rIns="91425" bIns="91425" anchor="ctr" anchorCtr="0">
               <a:noAutofit/>
             </a:bodyPr>
             <a:lstStyle/>
             <a:p>
-              <a:pPr indent="0" lvl="0" marL="0" rtl="0" algn="l">
+              <a:pPr marL="0" lvl="0" indent="0" algn="l" rtl="0">
                 <a:spcBef>
                   <a:spcPts val="0"/>
                 </a:spcBef>
@@ -2903,9 +2943,6 @@
                 </a:spcAft>
                 <a:buNone/>
               </a:pPr>
-              <a:r>
-                <a:t/>
-              </a:r>
               <a:endParaRPr/>
             </a:p>
           </p:txBody>
@@ -2932,12 +2969,12 @@
             </a:ln>
           </p:spPr>
           <p:txBody>
-            <a:bodyPr anchorCtr="0" anchor="ctr" bIns="91425" lIns="91425" spcFirstLastPara="1" rIns="91425" wrap="square" tIns="91425">
+            <a:bodyPr spcFirstLastPara="1" wrap="square" lIns="91425" tIns="91425" rIns="91425" bIns="91425" anchor="ctr" anchorCtr="0">
               <a:noAutofit/>
             </a:bodyPr>
             <a:lstStyle/>
             <a:p>
-              <a:pPr indent="0" lvl="0" marL="0" rtl="0" algn="l">
+              <a:pPr marL="0" lvl="0" indent="0" algn="l" rtl="0">
                 <a:spcBef>
                   <a:spcPts val="0"/>
                 </a:spcBef>
@@ -2946,9 +2983,6 @@
                 </a:spcAft>
                 <a:buNone/>
               </a:pPr>
-              <a:r>
-                <a:t/>
-              </a:r>
               <a:endParaRPr/>
             </a:p>
           </p:txBody>
@@ -2957,7 +2991,9 @@
       <p:sp>
         <p:nvSpPr>
           <p:cNvPr id="28" name="Google Shape;28;p4"/>
-          <p:cNvSpPr txBox="1"/>
+          <p:cNvSpPr txBox="1">
+            <a:spLocks noGrp="1"/>
+          </p:cNvSpPr>
           <p:nvPr>
             <p:ph type="title"/>
           </p:nvPr>
@@ -2972,7 +3008,7 @@
           </a:prstGeom>
         </p:spPr>
         <p:txBody>
-          <a:bodyPr anchorCtr="0" anchor="t" bIns="91425" lIns="91425" spcFirstLastPara="1" rIns="91425" wrap="square" tIns="91425">
+          <a:bodyPr spcFirstLastPara="1" wrap="square" lIns="91425" tIns="91425" rIns="91425" bIns="91425" anchor="t" anchorCtr="0">
             <a:normAutofit/>
           </a:bodyPr>
           <a:lstStyle>
@@ -3076,15 +3112,19 @@
               <a:defRPr sz="2600"/>
             </a:lvl9pPr>
           </a:lstStyle>
-          <a:p/>
+          <a:p>
+            <a:endParaRPr/>
+          </a:p>
         </p:txBody>
       </p:sp>
       <p:sp>
         <p:nvSpPr>
           <p:cNvPr id="29" name="Google Shape;29;p4"/>
-          <p:cNvSpPr txBox="1"/>
+          <p:cNvSpPr txBox="1">
+            <a:spLocks noGrp="1"/>
+          </p:cNvSpPr>
           <p:nvPr>
-            <p:ph idx="1" type="body"/>
+            <p:ph type="body" idx="1"/>
           </p:nvPr>
         </p:nvSpPr>
         <p:spPr>
@@ -3097,11 +3137,11 @@
           </a:prstGeom>
         </p:spPr>
         <p:txBody>
-          <a:bodyPr anchorCtr="0" anchor="t" bIns="91425" lIns="91425" spcFirstLastPara="1" rIns="91425" wrap="square" tIns="91425">
+          <a:bodyPr spcFirstLastPara="1" wrap="square" lIns="91425" tIns="91425" rIns="91425" bIns="91425" anchor="t" anchorCtr="0">
             <a:normAutofit/>
           </a:bodyPr>
           <a:lstStyle>
-            <a:lvl1pPr indent="-311150" lvl="0" marL="457200">
+            <a:lvl1pPr marL="457200" lvl="0" indent="-311150">
               <a:spcBef>
                 <a:spcPts val="0"/>
               </a:spcBef>
@@ -3112,7 +3152,7 @@
               <a:buChar char="●"/>
               <a:defRPr/>
             </a:lvl1pPr>
-            <a:lvl2pPr indent="-298450" lvl="1" marL="914400">
+            <a:lvl2pPr marL="914400" lvl="1" indent="-298450">
               <a:spcBef>
                 <a:spcPts val="0"/>
               </a:spcBef>
@@ -3123,7 +3163,7 @@
               <a:buChar char="○"/>
               <a:defRPr/>
             </a:lvl2pPr>
-            <a:lvl3pPr indent="-298450" lvl="2" marL="1371600">
+            <a:lvl3pPr marL="1371600" lvl="2" indent="-298450">
               <a:spcBef>
                 <a:spcPts val="0"/>
               </a:spcBef>
@@ -3134,7 +3174,7 @@
               <a:buChar char="■"/>
               <a:defRPr/>
             </a:lvl3pPr>
-            <a:lvl4pPr indent="-298450" lvl="3" marL="1828800">
+            <a:lvl4pPr marL="1828800" lvl="3" indent="-298450">
               <a:spcBef>
                 <a:spcPts val="0"/>
               </a:spcBef>
@@ -3145,7 +3185,7 @@
               <a:buChar char="●"/>
               <a:defRPr/>
             </a:lvl4pPr>
-            <a:lvl5pPr indent="-298450" lvl="4" marL="2286000">
+            <a:lvl5pPr marL="2286000" lvl="4" indent="-298450">
               <a:spcBef>
                 <a:spcPts val="0"/>
               </a:spcBef>
@@ -3156,7 +3196,7 @@
               <a:buChar char="○"/>
               <a:defRPr/>
             </a:lvl5pPr>
-            <a:lvl6pPr indent="-298450" lvl="5" marL="2743200">
+            <a:lvl6pPr marL="2743200" lvl="5" indent="-298450">
               <a:spcBef>
                 <a:spcPts val="0"/>
               </a:spcBef>
@@ -3167,7 +3207,7 @@
               <a:buChar char="■"/>
               <a:defRPr/>
             </a:lvl6pPr>
-            <a:lvl7pPr indent="-298450" lvl="6" marL="3200400">
+            <a:lvl7pPr marL="3200400" lvl="6" indent="-298450">
               <a:spcBef>
                 <a:spcPts val="0"/>
               </a:spcBef>
@@ -3178,7 +3218,7 @@
               <a:buChar char="●"/>
               <a:defRPr/>
             </a:lvl7pPr>
-            <a:lvl8pPr indent="-298450" lvl="7" marL="3657600">
+            <a:lvl8pPr marL="3657600" lvl="7" indent="-298450">
               <a:spcBef>
                 <a:spcPts val="0"/>
               </a:spcBef>
@@ -3189,7 +3229,7 @@
               <a:buChar char="○"/>
               <a:defRPr/>
             </a:lvl8pPr>
-            <a:lvl9pPr indent="-298450" lvl="8" marL="4114800">
+            <a:lvl9pPr marL="4114800" lvl="8" indent="-298450">
               <a:spcBef>
                 <a:spcPts val="0"/>
               </a:spcBef>
@@ -3201,15 +3241,19 @@
               <a:defRPr/>
             </a:lvl9pPr>
           </a:lstStyle>
-          <a:p/>
+          <a:p>
+            <a:endParaRPr/>
+          </a:p>
         </p:txBody>
       </p:sp>
       <p:sp>
         <p:nvSpPr>
           <p:cNvPr id="30" name="Google Shape;30;p4"/>
-          <p:cNvSpPr txBox="1"/>
+          <p:cNvSpPr txBox="1">
+            <a:spLocks noGrp="1"/>
+          </p:cNvSpPr>
           <p:nvPr>
-            <p:ph idx="12" type="sldNum"/>
+            <p:ph type="sldNum" idx="12"/>
           </p:nvPr>
         </p:nvSpPr>
         <p:spPr>
@@ -3222,7 +3266,7 @@
           </a:prstGeom>
         </p:spPr>
         <p:txBody>
-          <a:bodyPr anchorCtr="0" anchor="ctr" bIns="91425" lIns="91425" spcFirstLastPara="1" rIns="91425" wrap="square" tIns="91425">
+          <a:bodyPr spcFirstLastPara="1" wrap="square" lIns="91425" tIns="91425" rIns="91425" bIns="91425" anchor="ctr" anchorCtr="0">
             <a:normAutofit/>
           </a:bodyPr>
           <a:lstStyle>
@@ -3264,7 +3308,7 @@
             </a:lvl9pPr>
           </a:lstStyle>
           <a:p>
-            <a:pPr indent="0" lvl="0" marL="0" rtl="0" algn="r">
+            <a:pPr marL="0" lvl="0" indent="0" algn="r" rtl="0">
               <a:spcBef>
                 <a:spcPts val="0"/>
               </a:spcBef>
@@ -3290,11 +3334,11 @@
 </file>
 
 <file path=ppt/slideLayouts/slideLayout4.xml><?xml version="1.0" encoding="utf-8"?>
-<p:sldLayout xmlns:a="http://schemas.openxmlformats.org/drawingml/2006/main" xmlns:r="http://schemas.openxmlformats.org/officeDocument/2006/relationships" xmlns:mc="http://schemas.openxmlformats.org/markup-compatibility/2006" xmlns:mv="urn:schemas-microsoft-com:mac:vml" xmlns:p="http://schemas.openxmlformats.org/presentationml/2006/main" xmlns:c="http://schemas.openxmlformats.org/drawingml/2006/chart" xmlns:dgm="http://schemas.openxmlformats.org/drawingml/2006/diagram" xmlns:o="urn:schemas-microsoft-com:office:office" xmlns:v="urn:schemas-microsoft-com:vml" xmlns:pvml="urn:schemas-microsoft-com:office:powerpoint" xmlns:com="http://schemas.openxmlformats.org/drawingml/2006/compatibility" xmlns:p14="http://schemas.microsoft.com/office/powerpoint/2010/main" xmlns:p15="http://schemas.microsoft.com/office/powerpoint/2012/main" xmlns:ahyp="http://schemas.microsoft.com/office/drawing/2018/hyperlinkcolor" matchingName="Title and two columns" type="twoColTx">
+<p:sldLayout xmlns:a="http://schemas.openxmlformats.org/drawingml/2006/main" xmlns:r="http://schemas.openxmlformats.org/officeDocument/2006/relationships" xmlns:p="http://schemas.openxmlformats.org/presentationml/2006/main" matchingName="Title and two columns" type="twoColTx">
   <p:cSld name="TITLE_AND_TWO_COLUMNS">
     <p:spTree>
       <p:nvGrpSpPr>
-        <p:cNvPr id="31" name="Shape 31"/>
+        <p:cNvPr id="1" name="Shape 31"/>
         <p:cNvGrpSpPr/>
         <p:nvPr/>
       </p:nvGrpSpPr>
@@ -3328,12 +3372,12 @@
           </a:ln>
         </p:spPr>
         <p:txBody>
-          <a:bodyPr anchorCtr="0" anchor="ctr" bIns="91425" lIns="91425" spcFirstLastPara="1" rIns="91425" wrap="square" tIns="91425">
+          <a:bodyPr spcFirstLastPara="1" wrap="square" lIns="91425" tIns="91425" rIns="91425" bIns="91425" anchor="ctr" anchorCtr="0">
             <a:noAutofit/>
           </a:bodyPr>
           <a:lstStyle/>
           <a:p>
-            <a:pPr indent="0" lvl="0" marL="0" rtl="0" algn="l">
+            <a:pPr marL="0" lvl="0" indent="0" algn="l" rtl="0">
               <a:spcBef>
                 <a:spcPts val="0"/>
               </a:spcBef>
@@ -3342,9 +3386,6 @@
               </a:spcAft>
               <a:buNone/>
             </a:pPr>
-            <a:r>
-              <a:t/>
-            </a:r>
             <a:endParaRPr/>
           </a:p>
         </p:txBody>
@@ -3385,12 +3426,12 @@
             </a:ln>
           </p:spPr>
           <p:txBody>
-            <a:bodyPr anchorCtr="0" anchor="ctr" bIns="91425" lIns="91425" spcFirstLastPara="1" rIns="91425" wrap="square" tIns="91425">
+            <a:bodyPr spcFirstLastPara="1" wrap="square" lIns="91425" tIns="91425" rIns="91425" bIns="91425" anchor="ctr" anchorCtr="0">
               <a:noAutofit/>
             </a:bodyPr>
             <a:lstStyle/>
             <a:p>
-              <a:pPr indent="0" lvl="0" marL="0" rtl="0" algn="l">
+              <a:pPr marL="0" lvl="0" indent="0" algn="l" rtl="0">
                 <a:spcBef>
                   <a:spcPts val="0"/>
                 </a:spcBef>
@@ -3399,9 +3440,6 @@
                 </a:spcAft>
                 <a:buNone/>
               </a:pPr>
-              <a:r>
-                <a:t/>
-              </a:r>
               <a:endParaRPr/>
             </a:p>
           </p:txBody>
@@ -3428,12 +3466,12 @@
             </a:ln>
           </p:spPr>
           <p:txBody>
-            <a:bodyPr anchorCtr="0" anchor="ctr" bIns="91425" lIns="91425" spcFirstLastPara="1" rIns="91425" wrap="square" tIns="91425">
+            <a:bodyPr spcFirstLastPara="1" wrap="square" lIns="91425" tIns="91425" rIns="91425" bIns="91425" anchor="ctr" anchorCtr="0">
               <a:noAutofit/>
             </a:bodyPr>
             <a:lstStyle/>
             <a:p>
-              <a:pPr indent="0" lvl="0" marL="0" rtl="0" algn="l">
+              <a:pPr marL="0" lvl="0" indent="0" algn="l" rtl="0">
                 <a:spcBef>
                   <a:spcPts val="0"/>
                 </a:spcBef>
@@ -3442,9 +3480,6 @@
                 </a:spcAft>
                 <a:buNone/>
               </a:pPr>
-              <a:r>
-                <a:t/>
-              </a:r>
               <a:endParaRPr/>
             </a:p>
           </p:txBody>
@@ -3453,7 +3488,9 @@
       <p:sp>
         <p:nvSpPr>
           <p:cNvPr id="36" name="Google Shape;36;p5"/>
-          <p:cNvSpPr txBox="1"/>
+          <p:cNvSpPr txBox="1">
+            <a:spLocks noGrp="1"/>
+          </p:cNvSpPr>
           <p:nvPr>
             <p:ph type="title"/>
           </p:nvPr>
@@ -3468,7 +3505,7 @@
           </a:prstGeom>
         </p:spPr>
         <p:txBody>
-          <a:bodyPr anchorCtr="0" anchor="t" bIns="91425" lIns="91425" spcFirstLastPara="1" rIns="91425" wrap="square" tIns="91425">
+          <a:bodyPr spcFirstLastPara="1" wrap="square" lIns="91425" tIns="91425" rIns="91425" bIns="91425" anchor="t" anchorCtr="0">
             <a:normAutofit/>
           </a:bodyPr>
           <a:lstStyle>
@@ -3572,15 +3609,19 @@
               <a:defRPr sz="2600"/>
             </a:lvl9pPr>
           </a:lstStyle>
-          <a:p/>
+          <a:p>
+            <a:endParaRPr/>
+          </a:p>
         </p:txBody>
       </p:sp>
       <p:sp>
         <p:nvSpPr>
           <p:cNvPr id="37" name="Google Shape;37;p5"/>
-          <p:cNvSpPr txBox="1"/>
+          <p:cNvSpPr txBox="1">
+            <a:spLocks noGrp="1"/>
+          </p:cNvSpPr>
           <p:nvPr>
-            <p:ph idx="1" type="body"/>
+            <p:ph type="body" idx="1"/>
           </p:nvPr>
         </p:nvSpPr>
         <p:spPr>
@@ -3593,11 +3634,11 @@
           </a:prstGeom>
         </p:spPr>
         <p:txBody>
-          <a:bodyPr anchorCtr="0" anchor="t" bIns="91425" lIns="91425" spcFirstLastPara="1" rIns="91425" wrap="square" tIns="91425">
+          <a:bodyPr spcFirstLastPara="1" wrap="square" lIns="91425" tIns="91425" rIns="91425" bIns="91425" anchor="t" anchorCtr="0">
             <a:normAutofit/>
           </a:bodyPr>
           <a:lstStyle>
-            <a:lvl1pPr indent="-311150" lvl="0" marL="457200">
+            <a:lvl1pPr marL="457200" lvl="0" indent="-311150">
               <a:spcBef>
                 <a:spcPts val="0"/>
               </a:spcBef>
@@ -3608,7 +3649,7 @@
               <a:buChar char="●"/>
               <a:defRPr/>
             </a:lvl1pPr>
-            <a:lvl2pPr indent="-298450" lvl="1" marL="914400">
+            <a:lvl2pPr marL="914400" lvl="1" indent="-298450">
               <a:spcBef>
                 <a:spcPts val="0"/>
               </a:spcBef>
@@ -3619,7 +3660,7 @@
               <a:buChar char="○"/>
               <a:defRPr/>
             </a:lvl2pPr>
-            <a:lvl3pPr indent="-298450" lvl="2" marL="1371600">
+            <a:lvl3pPr marL="1371600" lvl="2" indent="-298450">
               <a:spcBef>
                 <a:spcPts val="0"/>
               </a:spcBef>
@@ -3630,7 +3671,7 @@
               <a:buChar char="■"/>
               <a:defRPr/>
             </a:lvl3pPr>
-            <a:lvl4pPr indent="-298450" lvl="3" marL="1828800">
+            <a:lvl4pPr marL="1828800" lvl="3" indent="-298450">
               <a:spcBef>
                 <a:spcPts val="0"/>
               </a:spcBef>
@@ -3641,7 +3682,7 @@
               <a:buChar char="●"/>
               <a:defRPr/>
             </a:lvl4pPr>
-            <a:lvl5pPr indent="-298450" lvl="4" marL="2286000">
+            <a:lvl5pPr marL="2286000" lvl="4" indent="-298450">
               <a:spcBef>
                 <a:spcPts val="0"/>
               </a:spcBef>
@@ -3652,7 +3693,7 @@
               <a:buChar char="○"/>
               <a:defRPr/>
             </a:lvl5pPr>
-            <a:lvl6pPr indent="-298450" lvl="5" marL="2743200">
+            <a:lvl6pPr marL="2743200" lvl="5" indent="-298450">
               <a:spcBef>
                 <a:spcPts val="0"/>
               </a:spcBef>
@@ -3663,7 +3704,7 @@
               <a:buChar char="■"/>
               <a:defRPr/>
             </a:lvl6pPr>
-            <a:lvl7pPr indent="-298450" lvl="6" marL="3200400">
+            <a:lvl7pPr marL="3200400" lvl="6" indent="-298450">
               <a:spcBef>
                 <a:spcPts val="0"/>
               </a:spcBef>
@@ -3674,7 +3715,7 @@
               <a:buChar char="●"/>
               <a:defRPr/>
             </a:lvl7pPr>
-            <a:lvl8pPr indent="-298450" lvl="7" marL="3657600">
+            <a:lvl8pPr marL="3657600" lvl="7" indent="-298450">
               <a:spcBef>
                 <a:spcPts val="0"/>
               </a:spcBef>
@@ -3685,7 +3726,7 @@
               <a:buChar char="○"/>
               <a:defRPr/>
             </a:lvl8pPr>
-            <a:lvl9pPr indent="-298450" lvl="8" marL="4114800">
+            <a:lvl9pPr marL="4114800" lvl="8" indent="-298450">
               <a:spcBef>
                 <a:spcPts val="0"/>
               </a:spcBef>
@@ -3697,15 +3738,19 @@
               <a:defRPr/>
             </a:lvl9pPr>
           </a:lstStyle>
-          <a:p/>
+          <a:p>
+            <a:endParaRPr/>
+          </a:p>
         </p:txBody>
       </p:sp>
       <p:sp>
         <p:nvSpPr>
           <p:cNvPr id="38" name="Google Shape;38;p5"/>
-          <p:cNvSpPr txBox="1"/>
+          <p:cNvSpPr txBox="1">
+            <a:spLocks noGrp="1"/>
+          </p:cNvSpPr>
           <p:nvPr>
-            <p:ph idx="2" type="body"/>
+            <p:ph type="body" idx="2"/>
           </p:nvPr>
         </p:nvSpPr>
         <p:spPr>
@@ -3718,11 +3763,11 @@
           </a:prstGeom>
         </p:spPr>
         <p:txBody>
-          <a:bodyPr anchorCtr="0" anchor="t" bIns="91425" lIns="91425" spcFirstLastPara="1" rIns="91425" wrap="square" tIns="91425">
+          <a:bodyPr spcFirstLastPara="1" wrap="square" lIns="91425" tIns="91425" rIns="91425" bIns="91425" anchor="t" anchorCtr="0">
             <a:normAutofit/>
           </a:bodyPr>
           <a:lstStyle>
-            <a:lvl1pPr indent="-311150" lvl="0" marL="457200">
+            <a:lvl1pPr marL="457200" lvl="0" indent="-311150">
               <a:spcBef>
                 <a:spcPts val="0"/>
               </a:spcBef>
@@ -3733,7 +3778,7 @@
               <a:buChar char="●"/>
               <a:defRPr/>
             </a:lvl1pPr>
-            <a:lvl2pPr indent="-298450" lvl="1" marL="914400">
+            <a:lvl2pPr marL="914400" lvl="1" indent="-298450">
               <a:spcBef>
                 <a:spcPts val="0"/>
               </a:spcBef>
@@ -3744,7 +3789,7 @@
               <a:buChar char="○"/>
               <a:defRPr/>
             </a:lvl2pPr>
-            <a:lvl3pPr indent="-298450" lvl="2" marL="1371600">
+            <a:lvl3pPr marL="1371600" lvl="2" indent="-298450">
               <a:spcBef>
                 <a:spcPts val="0"/>
               </a:spcBef>
@@ -3755,7 +3800,7 @@
               <a:buChar char="■"/>
               <a:defRPr/>
             </a:lvl3pPr>
-            <a:lvl4pPr indent="-298450" lvl="3" marL="1828800">
+            <a:lvl4pPr marL="1828800" lvl="3" indent="-298450">
               <a:spcBef>
                 <a:spcPts val="0"/>
               </a:spcBef>
@@ -3766,7 +3811,7 @@
               <a:buChar char="●"/>
               <a:defRPr/>
             </a:lvl4pPr>
-            <a:lvl5pPr indent="-298450" lvl="4" marL="2286000">
+            <a:lvl5pPr marL="2286000" lvl="4" indent="-298450">
               <a:spcBef>
                 <a:spcPts val="0"/>
               </a:spcBef>
@@ -3777,7 +3822,7 @@
               <a:buChar char="○"/>
               <a:defRPr/>
             </a:lvl5pPr>
-            <a:lvl6pPr indent="-298450" lvl="5" marL="2743200">
+            <a:lvl6pPr marL="2743200" lvl="5" indent="-298450">
               <a:spcBef>
                 <a:spcPts val="0"/>
               </a:spcBef>
@@ -3788,7 +3833,7 @@
               <a:buChar char="■"/>
               <a:defRPr/>
             </a:lvl6pPr>
-            <a:lvl7pPr indent="-298450" lvl="6" marL="3200400">
+            <a:lvl7pPr marL="3200400" lvl="6" indent="-298450">
               <a:spcBef>
                 <a:spcPts val="0"/>
               </a:spcBef>
@@ -3799,7 +3844,7 @@
               <a:buChar char="●"/>
               <a:defRPr/>
             </a:lvl7pPr>
-            <a:lvl8pPr indent="-298450" lvl="7" marL="3657600">
+            <a:lvl8pPr marL="3657600" lvl="7" indent="-298450">
               <a:spcBef>
                 <a:spcPts val="0"/>
               </a:spcBef>
@@ -3810,7 +3855,7 @@
               <a:buChar char="○"/>
               <a:defRPr/>
             </a:lvl8pPr>
-            <a:lvl9pPr indent="-298450" lvl="8" marL="4114800">
+            <a:lvl9pPr marL="4114800" lvl="8" indent="-298450">
               <a:spcBef>
                 <a:spcPts val="0"/>
               </a:spcBef>
@@ -3822,15 +3867,19 @@
               <a:defRPr/>
             </a:lvl9pPr>
           </a:lstStyle>
-          <a:p/>
+          <a:p>
+            <a:endParaRPr/>
+          </a:p>
         </p:txBody>
       </p:sp>
       <p:sp>
         <p:nvSpPr>
           <p:cNvPr id="39" name="Google Shape;39;p5"/>
-          <p:cNvSpPr txBox="1"/>
+          <p:cNvSpPr txBox="1">
+            <a:spLocks noGrp="1"/>
+          </p:cNvSpPr>
           <p:nvPr>
-            <p:ph idx="12" type="sldNum"/>
+            <p:ph type="sldNum" idx="12"/>
           </p:nvPr>
         </p:nvSpPr>
         <p:spPr>
@@ -3843,7 +3892,7 @@
           </a:prstGeom>
         </p:spPr>
         <p:txBody>
-          <a:bodyPr anchorCtr="0" anchor="ctr" bIns="91425" lIns="91425" spcFirstLastPara="1" rIns="91425" wrap="square" tIns="91425">
+          <a:bodyPr spcFirstLastPara="1" wrap="square" lIns="91425" tIns="91425" rIns="91425" bIns="91425" anchor="ctr" anchorCtr="0">
             <a:normAutofit/>
           </a:bodyPr>
           <a:lstStyle>
@@ -3885,7 +3934,7 @@
             </a:lvl9pPr>
           </a:lstStyle>
           <a:p>
-            <a:pPr indent="0" lvl="0" marL="0" rtl="0" algn="r">
+            <a:pPr marL="0" lvl="0" indent="0" algn="r" rtl="0">
               <a:spcBef>
                 <a:spcPts val="0"/>
               </a:spcBef>
@@ -3911,11 +3960,11 @@
 </file>
 
 <file path=ppt/slideLayouts/slideLayout5.xml><?xml version="1.0" encoding="utf-8"?>
-<p:sldLayout xmlns:a="http://schemas.openxmlformats.org/drawingml/2006/main" xmlns:r="http://schemas.openxmlformats.org/officeDocument/2006/relationships" xmlns:mc="http://schemas.openxmlformats.org/markup-compatibility/2006" xmlns:mv="urn:schemas-microsoft-com:mac:vml" xmlns:p="http://schemas.openxmlformats.org/presentationml/2006/main" xmlns:c="http://schemas.openxmlformats.org/drawingml/2006/chart" xmlns:dgm="http://schemas.openxmlformats.org/drawingml/2006/diagram" xmlns:o="urn:schemas-microsoft-com:office:office" xmlns:v="urn:schemas-microsoft-com:vml" xmlns:pvml="urn:schemas-microsoft-com:office:powerpoint" xmlns:com="http://schemas.openxmlformats.org/drawingml/2006/compatibility" xmlns:p14="http://schemas.microsoft.com/office/powerpoint/2010/main" xmlns:p15="http://schemas.microsoft.com/office/powerpoint/2012/main" xmlns:ahyp="http://schemas.microsoft.com/office/drawing/2018/hyperlinkcolor" matchingName="Title only" type="titleOnly">
+<p:sldLayout xmlns:a="http://schemas.openxmlformats.org/drawingml/2006/main" xmlns:r="http://schemas.openxmlformats.org/officeDocument/2006/relationships" xmlns:p="http://schemas.openxmlformats.org/presentationml/2006/main" matchingName="Title only" type="titleOnly">
   <p:cSld name="TITLE_ONLY">
     <p:spTree>
       <p:nvGrpSpPr>
-        <p:cNvPr id="40" name="Shape 40"/>
+        <p:cNvPr id="1" name="Shape 40"/>
         <p:cNvGrpSpPr/>
         <p:nvPr/>
       </p:nvGrpSpPr>
@@ -3949,12 +3998,12 @@
           </a:ln>
         </p:spPr>
         <p:txBody>
-          <a:bodyPr anchorCtr="0" anchor="ctr" bIns="91425" lIns="91425" spcFirstLastPara="1" rIns="91425" wrap="square" tIns="91425">
+          <a:bodyPr spcFirstLastPara="1" wrap="square" lIns="91425" tIns="91425" rIns="91425" bIns="91425" anchor="ctr" anchorCtr="0">
             <a:noAutofit/>
           </a:bodyPr>
           <a:lstStyle/>
           <a:p>
-            <a:pPr indent="0" lvl="0" marL="0" rtl="0" algn="l">
+            <a:pPr marL="0" lvl="0" indent="0" algn="l" rtl="0">
               <a:spcBef>
                 <a:spcPts val="0"/>
               </a:spcBef>
@@ -3963,9 +4012,6 @@
               </a:spcAft>
               <a:buNone/>
             </a:pPr>
-            <a:r>
-              <a:t/>
-            </a:r>
             <a:endParaRPr/>
           </a:p>
         </p:txBody>
@@ -4006,12 +4052,12 @@
             </a:ln>
           </p:spPr>
           <p:txBody>
-            <a:bodyPr anchorCtr="0" anchor="ctr" bIns="91425" lIns="91425" spcFirstLastPara="1" rIns="91425" wrap="square" tIns="91425">
+            <a:bodyPr spcFirstLastPara="1" wrap="square" lIns="91425" tIns="91425" rIns="91425" bIns="91425" anchor="ctr" anchorCtr="0">
               <a:noAutofit/>
             </a:bodyPr>
             <a:lstStyle/>
             <a:p>
-              <a:pPr indent="0" lvl="0" marL="0" rtl="0" algn="l">
+              <a:pPr marL="0" lvl="0" indent="0" algn="l" rtl="0">
                 <a:spcBef>
                   <a:spcPts val="0"/>
                 </a:spcBef>
@@ -4020,9 +4066,6 @@
                 </a:spcAft>
                 <a:buNone/>
               </a:pPr>
-              <a:r>
-                <a:t/>
-              </a:r>
               <a:endParaRPr/>
             </a:p>
           </p:txBody>
@@ -4049,12 +4092,12 @@
             </a:ln>
           </p:spPr>
           <p:txBody>
-            <a:bodyPr anchorCtr="0" anchor="ctr" bIns="91425" lIns="91425" spcFirstLastPara="1" rIns="91425" wrap="square" tIns="91425">
+            <a:bodyPr spcFirstLastPara="1" wrap="square" lIns="91425" tIns="91425" rIns="91425" bIns="91425" anchor="ctr" anchorCtr="0">
               <a:noAutofit/>
             </a:bodyPr>
             <a:lstStyle/>
             <a:p>
-              <a:pPr indent="0" lvl="0" marL="0" rtl="0" algn="l">
+              <a:pPr marL="0" lvl="0" indent="0" algn="l" rtl="0">
                 <a:spcBef>
                   <a:spcPts val="0"/>
                 </a:spcBef>
@@ -4063,9 +4106,6 @@
                 </a:spcAft>
                 <a:buNone/>
               </a:pPr>
-              <a:r>
-                <a:t/>
-              </a:r>
               <a:endParaRPr/>
             </a:p>
           </p:txBody>
@@ -4074,7 +4114,9 @@
       <p:sp>
         <p:nvSpPr>
           <p:cNvPr id="45" name="Google Shape;45;p6"/>
-          <p:cNvSpPr txBox="1"/>
+          <p:cNvSpPr txBox="1">
+            <a:spLocks noGrp="1"/>
+          </p:cNvSpPr>
           <p:nvPr>
             <p:ph type="title"/>
           </p:nvPr>
@@ -4089,7 +4131,7 @@
           </a:prstGeom>
         </p:spPr>
         <p:txBody>
-          <a:bodyPr anchorCtr="0" anchor="t" bIns="91425" lIns="91425" spcFirstLastPara="1" rIns="91425" wrap="square" tIns="91425">
+          <a:bodyPr spcFirstLastPara="1" wrap="square" lIns="91425" tIns="91425" rIns="91425" bIns="91425" anchor="t" anchorCtr="0">
             <a:normAutofit/>
           </a:bodyPr>
           <a:lstStyle>
@@ -4193,15 +4235,19 @@
               <a:defRPr sz="2600"/>
             </a:lvl9pPr>
           </a:lstStyle>
-          <a:p/>
+          <a:p>
+            <a:endParaRPr/>
+          </a:p>
         </p:txBody>
       </p:sp>
       <p:sp>
         <p:nvSpPr>
           <p:cNvPr id="46" name="Google Shape;46;p6"/>
-          <p:cNvSpPr txBox="1"/>
+          <p:cNvSpPr txBox="1">
+            <a:spLocks noGrp="1"/>
+          </p:cNvSpPr>
           <p:nvPr>
-            <p:ph idx="12" type="sldNum"/>
+            <p:ph type="sldNum" idx="12"/>
           </p:nvPr>
         </p:nvSpPr>
         <p:spPr>
@@ -4214,7 +4260,7 @@
           </a:prstGeom>
         </p:spPr>
         <p:txBody>
-          <a:bodyPr anchorCtr="0" anchor="ctr" bIns="91425" lIns="91425" spcFirstLastPara="1" rIns="91425" wrap="square" tIns="91425">
+          <a:bodyPr spcFirstLastPara="1" wrap="square" lIns="91425" tIns="91425" rIns="91425" bIns="91425" anchor="ctr" anchorCtr="0">
             <a:normAutofit/>
           </a:bodyPr>
           <a:lstStyle>
@@ -4256,7 +4302,7 @@
             </a:lvl9pPr>
           </a:lstStyle>
           <a:p>
-            <a:pPr indent="0" lvl="0" marL="0" rtl="0" algn="r">
+            <a:pPr marL="0" lvl="0" indent="0" algn="r" rtl="0">
               <a:spcBef>
                 <a:spcPts val="0"/>
               </a:spcBef>
@@ -4282,11 +4328,11 @@
 </file>
 
 <file path=ppt/slideLayouts/slideLayout6.xml><?xml version="1.0" encoding="utf-8"?>
-<p:sldLayout xmlns:a="http://schemas.openxmlformats.org/drawingml/2006/main" xmlns:r="http://schemas.openxmlformats.org/officeDocument/2006/relationships" xmlns:mc="http://schemas.openxmlformats.org/markup-compatibility/2006" xmlns:mv="urn:schemas-microsoft-com:mac:vml" xmlns:p="http://schemas.openxmlformats.org/presentationml/2006/main" xmlns:c="http://schemas.openxmlformats.org/drawingml/2006/chart" xmlns:dgm="http://schemas.openxmlformats.org/drawingml/2006/diagram" xmlns:o="urn:schemas-microsoft-com:office:office" xmlns:v="urn:schemas-microsoft-com:vml" xmlns:pvml="urn:schemas-microsoft-com:office:powerpoint" xmlns:com="http://schemas.openxmlformats.org/drawingml/2006/compatibility" xmlns:p14="http://schemas.microsoft.com/office/powerpoint/2010/main" xmlns:p15="http://schemas.microsoft.com/office/powerpoint/2012/main" xmlns:ahyp="http://schemas.microsoft.com/office/drawing/2018/hyperlinkcolor" matchingName="One column text">
+<p:sldLayout xmlns:a="http://schemas.openxmlformats.org/drawingml/2006/main" xmlns:r="http://schemas.openxmlformats.org/officeDocument/2006/relationships" xmlns:p="http://schemas.openxmlformats.org/presentationml/2006/main" matchingName="One column text">
   <p:cSld name="ONE_COLUMN_TEXT">
     <p:spTree>
       <p:nvGrpSpPr>
-        <p:cNvPr id="47" name="Shape 47"/>
+        <p:cNvPr id="1" name="Shape 47"/>
         <p:cNvGrpSpPr/>
         <p:nvPr/>
       </p:nvGrpSpPr>
@@ -4320,12 +4366,12 @@
           </a:ln>
         </p:spPr>
         <p:txBody>
-          <a:bodyPr anchorCtr="0" anchor="ctr" bIns="91425" lIns="91425" spcFirstLastPara="1" rIns="91425" wrap="square" tIns="91425">
+          <a:bodyPr spcFirstLastPara="1" wrap="square" lIns="91425" tIns="91425" rIns="91425" bIns="91425" anchor="ctr" anchorCtr="0">
             <a:noAutofit/>
           </a:bodyPr>
           <a:lstStyle/>
           <a:p>
-            <a:pPr indent="0" lvl="0" marL="0" rtl="0" algn="l">
+            <a:pPr marL="0" lvl="0" indent="0" algn="l" rtl="0">
               <a:spcBef>
                 <a:spcPts val="0"/>
               </a:spcBef>
@@ -4334,9 +4380,6 @@
               </a:spcAft>
               <a:buNone/>
             </a:pPr>
-            <a:r>
-              <a:t/>
-            </a:r>
             <a:endParaRPr/>
           </a:p>
         </p:txBody>
@@ -4377,12 +4420,12 @@
             </a:ln>
           </p:spPr>
           <p:txBody>
-            <a:bodyPr anchorCtr="0" anchor="ctr" bIns="91425" lIns="91425" spcFirstLastPara="1" rIns="91425" wrap="square" tIns="91425">
+            <a:bodyPr spcFirstLastPara="1" wrap="square" lIns="91425" tIns="91425" rIns="91425" bIns="91425" anchor="ctr" anchorCtr="0">
               <a:noAutofit/>
             </a:bodyPr>
             <a:lstStyle/>
             <a:p>
-              <a:pPr indent="0" lvl="0" marL="0" rtl="0" algn="l">
+              <a:pPr marL="0" lvl="0" indent="0" algn="l" rtl="0">
                 <a:spcBef>
                   <a:spcPts val="0"/>
                 </a:spcBef>
@@ -4391,9 +4434,6 @@
                 </a:spcAft>
                 <a:buNone/>
               </a:pPr>
-              <a:r>
-                <a:t/>
-              </a:r>
               <a:endParaRPr/>
             </a:p>
           </p:txBody>
@@ -4420,12 +4460,12 @@
             </a:ln>
           </p:spPr>
           <p:txBody>
-            <a:bodyPr anchorCtr="0" anchor="ctr" bIns="91425" lIns="91425" spcFirstLastPara="1" rIns="91425" wrap="square" tIns="91425">
+            <a:bodyPr spcFirstLastPara="1" wrap="square" lIns="91425" tIns="91425" rIns="91425" bIns="91425" anchor="ctr" anchorCtr="0">
               <a:noAutofit/>
             </a:bodyPr>
             <a:lstStyle/>
             <a:p>
-              <a:pPr indent="0" lvl="0" marL="0" rtl="0" algn="l">
+              <a:pPr marL="0" lvl="0" indent="0" algn="l" rtl="0">
                 <a:spcBef>
                   <a:spcPts val="0"/>
                 </a:spcBef>
@@ -4434,9 +4474,6 @@
                 </a:spcAft>
                 <a:buNone/>
               </a:pPr>
-              <a:r>
-                <a:t/>
-              </a:r>
               <a:endParaRPr/>
             </a:p>
           </p:txBody>
@@ -4445,7 +4482,9 @@
       <p:sp>
         <p:nvSpPr>
           <p:cNvPr id="52" name="Google Shape;52;p7"/>
-          <p:cNvSpPr txBox="1"/>
+          <p:cNvSpPr txBox="1">
+            <a:spLocks noGrp="1"/>
+          </p:cNvSpPr>
           <p:nvPr>
             <p:ph type="title"/>
           </p:nvPr>
@@ -4460,7 +4499,7 @@
           </a:prstGeom>
         </p:spPr>
         <p:txBody>
-          <a:bodyPr anchorCtr="0" anchor="t" bIns="91425" lIns="91425" spcFirstLastPara="1" rIns="91425" wrap="square" tIns="91425">
+          <a:bodyPr spcFirstLastPara="1" wrap="square" lIns="91425" tIns="91425" rIns="91425" bIns="91425" anchor="t" anchorCtr="0">
             <a:normAutofit/>
           </a:bodyPr>
           <a:lstStyle>
@@ -4564,15 +4603,19 @@
               <a:defRPr sz="2600"/>
             </a:lvl9pPr>
           </a:lstStyle>
-          <a:p/>
+          <a:p>
+            <a:endParaRPr/>
+          </a:p>
         </p:txBody>
       </p:sp>
       <p:sp>
         <p:nvSpPr>
           <p:cNvPr id="53" name="Google Shape;53;p7"/>
-          <p:cNvSpPr txBox="1"/>
+          <p:cNvSpPr txBox="1">
+            <a:spLocks noGrp="1"/>
+          </p:cNvSpPr>
           <p:nvPr>
-            <p:ph idx="1" type="body"/>
+            <p:ph type="body" idx="1"/>
           </p:nvPr>
         </p:nvSpPr>
         <p:spPr>
@@ -4585,11 +4628,11 @@
           </a:prstGeom>
         </p:spPr>
         <p:txBody>
-          <a:bodyPr anchorCtr="0" anchor="t" bIns="91425" lIns="91425" spcFirstLastPara="1" rIns="91425" wrap="square" tIns="91425">
+          <a:bodyPr spcFirstLastPara="1" wrap="square" lIns="91425" tIns="91425" rIns="91425" bIns="91425" anchor="t" anchorCtr="0">
             <a:normAutofit/>
           </a:bodyPr>
           <a:lstStyle>
-            <a:lvl1pPr indent="-311150" lvl="0" marL="457200">
+            <a:lvl1pPr marL="457200" lvl="0" indent="-311150">
               <a:spcBef>
                 <a:spcPts val="0"/>
               </a:spcBef>
@@ -4600,7 +4643,7 @@
               <a:buChar char="●"/>
               <a:defRPr/>
             </a:lvl1pPr>
-            <a:lvl2pPr indent="-298450" lvl="1" marL="914400">
+            <a:lvl2pPr marL="914400" lvl="1" indent="-298450">
               <a:spcBef>
                 <a:spcPts val="0"/>
               </a:spcBef>
@@ -4611,7 +4654,7 @@
               <a:buChar char="○"/>
               <a:defRPr/>
             </a:lvl2pPr>
-            <a:lvl3pPr indent="-298450" lvl="2" marL="1371600">
+            <a:lvl3pPr marL="1371600" lvl="2" indent="-298450">
               <a:spcBef>
                 <a:spcPts val="0"/>
               </a:spcBef>
@@ -4622,7 +4665,7 @@
               <a:buChar char="■"/>
               <a:defRPr/>
             </a:lvl3pPr>
-            <a:lvl4pPr indent="-298450" lvl="3" marL="1828800">
+            <a:lvl4pPr marL="1828800" lvl="3" indent="-298450">
               <a:spcBef>
                 <a:spcPts val="0"/>
               </a:spcBef>
@@ -4633,7 +4676,7 @@
               <a:buChar char="●"/>
               <a:defRPr/>
             </a:lvl4pPr>
-            <a:lvl5pPr indent="-298450" lvl="4" marL="2286000">
+            <a:lvl5pPr marL="2286000" lvl="4" indent="-298450">
               <a:spcBef>
                 <a:spcPts val="0"/>
               </a:spcBef>
@@ -4644,7 +4687,7 @@
               <a:buChar char="○"/>
               <a:defRPr/>
             </a:lvl5pPr>
-            <a:lvl6pPr indent="-298450" lvl="5" marL="2743200">
+            <a:lvl6pPr marL="2743200" lvl="5" indent="-298450">
               <a:spcBef>
                 <a:spcPts val="0"/>
               </a:spcBef>
@@ -4655,7 +4698,7 @@
               <a:buChar char="■"/>
               <a:defRPr/>
             </a:lvl6pPr>
-            <a:lvl7pPr indent="-298450" lvl="6" marL="3200400">
+            <a:lvl7pPr marL="3200400" lvl="6" indent="-298450">
               <a:spcBef>
                 <a:spcPts val="0"/>
               </a:spcBef>
@@ -4666,7 +4709,7 @@
               <a:buChar char="●"/>
               <a:defRPr/>
             </a:lvl7pPr>
-            <a:lvl8pPr indent="-298450" lvl="7" marL="3657600">
+            <a:lvl8pPr marL="3657600" lvl="7" indent="-298450">
               <a:spcBef>
                 <a:spcPts val="0"/>
               </a:spcBef>
@@ -4677,7 +4720,7 @@
               <a:buChar char="○"/>
               <a:defRPr/>
             </a:lvl8pPr>
-            <a:lvl9pPr indent="-298450" lvl="8" marL="4114800">
+            <a:lvl9pPr marL="4114800" lvl="8" indent="-298450">
               <a:spcBef>
                 <a:spcPts val="0"/>
               </a:spcBef>
@@ -4689,15 +4732,19 @@
               <a:defRPr/>
             </a:lvl9pPr>
           </a:lstStyle>
-          <a:p/>
+          <a:p>
+            <a:endParaRPr/>
+          </a:p>
         </p:txBody>
       </p:sp>
       <p:sp>
         <p:nvSpPr>
           <p:cNvPr id="54" name="Google Shape;54;p7"/>
-          <p:cNvSpPr txBox="1"/>
+          <p:cNvSpPr txBox="1">
+            <a:spLocks noGrp="1"/>
+          </p:cNvSpPr>
           <p:nvPr>
-            <p:ph idx="12" type="sldNum"/>
+            <p:ph type="sldNum" idx="12"/>
           </p:nvPr>
         </p:nvSpPr>
         <p:spPr>
@@ -4710,7 +4757,7 @@
           </a:prstGeom>
         </p:spPr>
         <p:txBody>
-          <a:bodyPr anchorCtr="0" anchor="ctr" bIns="91425" lIns="91425" spcFirstLastPara="1" rIns="91425" wrap="square" tIns="91425">
+          <a:bodyPr spcFirstLastPara="1" wrap="square" lIns="91425" tIns="91425" rIns="91425" bIns="91425" anchor="ctr" anchorCtr="0">
             <a:normAutofit/>
           </a:bodyPr>
           <a:lstStyle>
@@ -4752,7 +4799,7 @@
             </a:lvl9pPr>
           </a:lstStyle>
           <a:p>
-            <a:pPr indent="0" lvl="0" marL="0" rtl="0" algn="r">
+            <a:pPr marL="0" lvl="0" indent="0" algn="r" rtl="0">
               <a:spcBef>
                 <a:spcPts val="0"/>
               </a:spcBef>
@@ -4778,18 +4825,19 @@
 </file>
 
 <file path=ppt/slideLayouts/slideLayout7.xml><?xml version="1.0" encoding="utf-8"?>
-<p:sldLayout xmlns:a="http://schemas.openxmlformats.org/drawingml/2006/main" xmlns:r="http://schemas.openxmlformats.org/officeDocument/2006/relationships" xmlns:mc="http://schemas.openxmlformats.org/markup-compatibility/2006" xmlns:mv="urn:schemas-microsoft-com:mac:vml" xmlns:p="http://schemas.openxmlformats.org/presentationml/2006/main" xmlns:c="http://schemas.openxmlformats.org/drawingml/2006/chart" xmlns:dgm="http://schemas.openxmlformats.org/drawingml/2006/diagram" xmlns:o="urn:schemas-microsoft-com:office:office" xmlns:v="urn:schemas-microsoft-com:vml" xmlns:pvml="urn:schemas-microsoft-com:office:powerpoint" xmlns:com="http://schemas.openxmlformats.org/drawingml/2006/compatibility" xmlns:p14="http://schemas.microsoft.com/office/powerpoint/2010/main" xmlns:p15="http://schemas.microsoft.com/office/powerpoint/2012/main" xmlns:ahyp="http://schemas.microsoft.com/office/drawing/2018/hyperlinkcolor" matchingName="Main point">
+<p:sldLayout xmlns:a="http://schemas.openxmlformats.org/drawingml/2006/main" xmlns:r="http://schemas.openxmlformats.org/officeDocument/2006/relationships" xmlns:p="http://schemas.openxmlformats.org/presentationml/2006/main" matchingName="Main point">
   <p:cSld name="MAIN_POINT">
     <p:bg>
       <p:bgPr>
         <a:solidFill>
           <a:schemeClr val="accent3"/>
         </a:solidFill>
+        <a:effectLst/>
       </p:bgPr>
     </p:bg>
     <p:spTree>
       <p:nvGrpSpPr>
-        <p:cNvPr id="55" name="Shape 55"/>
+        <p:cNvPr id="1" name="Shape 55"/>
         <p:cNvGrpSpPr/>
         <p:nvPr/>
       </p:nvGrpSpPr>
@@ -4837,12 +4885,12 @@
             </a:ln>
           </p:spPr>
           <p:txBody>
-            <a:bodyPr anchorCtr="0" anchor="ctr" bIns="91425" lIns="91425" spcFirstLastPara="1" rIns="91425" wrap="square" tIns="91425">
+            <a:bodyPr spcFirstLastPara="1" wrap="square" lIns="91425" tIns="91425" rIns="91425" bIns="91425" anchor="ctr" anchorCtr="0">
               <a:noAutofit/>
             </a:bodyPr>
             <a:lstStyle/>
             <a:p>
-              <a:pPr indent="0" lvl="0" marL="0" rtl="0" algn="l">
+              <a:pPr marL="0" lvl="0" indent="0" algn="l" rtl="0">
                 <a:spcBef>
                   <a:spcPts val="0"/>
                 </a:spcBef>
@@ -4851,9 +4899,6 @@
                 </a:spcAft>
                 <a:buNone/>
               </a:pPr>
-              <a:r>
-                <a:t/>
-              </a:r>
               <a:endParaRPr/>
             </a:p>
           </p:txBody>
@@ -4880,12 +4925,12 @@
             </a:ln>
           </p:spPr>
           <p:txBody>
-            <a:bodyPr anchorCtr="0" anchor="ctr" bIns="91425" lIns="91425" spcFirstLastPara="1" rIns="91425" wrap="square" tIns="91425">
+            <a:bodyPr spcFirstLastPara="1" wrap="square" lIns="91425" tIns="91425" rIns="91425" bIns="91425" anchor="ctr" anchorCtr="0">
               <a:noAutofit/>
             </a:bodyPr>
             <a:lstStyle/>
             <a:p>
-              <a:pPr indent="0" lvl="0" marL="0" rtl="0" algn="l">
+              <a:pPr marL="0" lvl="0" indent="0" algn="l" rtl="0">
                 <a:spcBef>
                   <a:spcPts val="0"/>
                 </a:spcBef>
@@ -4894,9 +4939,6 @@
                 </a:spcAft>
                 <a:buNone/>
               </a:pPr>
-              <a:r>
-                <a:t/>
-              </a:r>
               <a:endParaRPr/>
             </a:p>
           </p:txBody>
@@ -4905,7 +4947,9 @@
       <p:sp>
         <p:nvSpPr>
           <p:cNvPr id="59" name="Google Shape;59;p8"/>
-          <p:cNvSpPr txBox="1"/>
+          <p:cNvSpPr txBox="1">
+            <a:spLocks noGrp="1"/>
+          </p:cNvSpPr>
           <p:nvPr>
             <p:ph type="title"/>
           </p:nvPr>
@@ -4920,7 +4964,7 @@
           </a:prstGeom>
         </p:spPr>
         <p:txBody>
-          <a:bodyPr anchorCtr="0" anchor="ctr" bIns="91425" lIns="91425" spcFirstLastPara="1" rIns="91425" wrap="square" tIns="91425">
+          <a:bodyPr spcFirstLastPara="1" wrap="square" lIns="91425" tIns="91425" rIns="91425" bIns="91425" anchor="ctr" anchorCtr="0">
             <a:normAutofit/>
           </a:bodyPr>
           <a:lstStyle>
@@ -5087,15 +5131,19 @@
               </a:defRPr>
             </a:lvl9pPr>
           </a:lstStyle>
-          <a:p/>
+          <a:p>
+            <a:endParaRPr/>
+          </a:p>
         </p:txBody>
       </p:sp>
       <p:sp>
         <p:nvSpPr>
           <p:cNvPr id="60" name="Google Shape;60;p8"/>
-          <p:cNvSpPr txBox="1"/>
+          <p:cNvSpPr txBox="1">
+            <a:spLocks noGrp="1"/>
+          </p:cNvSpPr>
           <p:nvPr>
-            <p:ph idx="12" type="sldNum"/>
+            <p:ph type="sldNum" idx="12"/>
           </p:nvPr>
         </p:nvSpPr>
         <p:spPr>
@@ -5108,7 +5156,7 @@
           </a:prstGeom>
         </p:spPr>
         <p:txBody>
-          <a:bodyPr anchorCtr="0" anchor="ctr" bIns="91425" lIns="91425" spcFirstLastPara="1" rIns="91425" wrap="square" tIns="91425">
+          <a:bodyPr spcFirstLastPara="1" wrap="square" lIns="91425" tIns="91425" rIns="91425" bIns="91425" anchor="ctr" anchorCtr="0">
             <a:normAutofit/>
           </a:bodyPr>
           <a:lstStyle>
@@ -5186,7 +5234,7 @@
             </a:lvl9pPr>
           </a:lstStyle>
           <a:p>
-            <a:pPr indent="0" lvl="0" marL="0" rtl="0" algn="r">
+            <a:pPr marL="0" lvl="0" indent="0" algn="r" rtl="0">
               <a:spcBef>
                 <a:spcPts val="0"/>
               </a:spcBef>
@@ -5212,11 +5260,11 @@
 </file>
 
 <file path=ppt/slideLayouts/slideLayout8.xml><?xml version="1.0" encoding="utf-8"?>
-<p:sldLayout xmlns:a="http://schemas.openxmlformats.org/drawingml/2006/main" xmlns:r="http://schemas.openxmlformats.org/officeDocument/2006/relationships" xmlns:mc="http://schemas.openxmlformats.org/markup-compatibility/2006" xmlns:mv="urn:schemas-microsoft-com:mac:vml" xmlns:p="http://schemas.openxmlformats.org/presentationml/2006/main" xmlns:c="http://schemas.openxmlformats.org/drawingml/2006/chart" xmlns:dgm="http://schemas.openxmlformats.org/drawingml/2006/diagram" xmlns:o="urn:schemas-microsoft-com:office:office" xmlns:v="urn:schemas-microsoft-com:vml" xmlns:pvml="urn:schemas-microsoft-com:office:powerpoint" xmlns:com="http://schemas.openxmlformats.org/drawingml/2006/compatibility" xmlns:p14="http://schemas.microsoft.com/office/powerpoint/2010/main" xmlns:p15="http://schemas.microsoft.com/office/powerpoint/2012/main" xmlns:ahyp="http://schemas.microsoft.com/office/drawing/2018/hyperlinkcolor" matchingName="Section title and description">
+<p:sldLayout xmlns:a="http://schemas.openxmlformats.org/drawingml/2006/main" xmlns:r="http://schemas.openxmlformats.org/officeDocument/2006/relationships" xmlns:p="http://schemas.openxmlformats.org/presentationml/2006/main" matchingName="Section title and description">
   <p:cSld name="SECTION_TITLE_AND_DESCRIPTION">
     <p:spTree>
       <p:nvGrpSpPr>
-        <p:cNvPr id="61" name="Shape 61"/>
+        <p:cNvPr id="1" name="Shape 61"/>
         <p:cNvGrpSpPr/>
         <p:nvPr/>
       </p:nvGrpSpPr>
@@ -5250,12 +5298,12 @@
           </a:ln>
         </p:spPr>
         <p:txBody>
-          <a:bodyPr anchorCtr="0" anchor="ctr" bIns="91425" lIns="91425" spcFirstLastPara="1" rIns="91425" wrap="square" tIns="91425">
+          <a:bodyPr spcFirstLastPara="1" wrap="square" lIns="91425" tIns="91425" rIns="91425" bIns="91425" anchor="ctr" anchorCtr="0">
             <a:noAutofit/>
           </a:bodyPr>
           <a:lstStyle/>
           <a:p>
-            <a:pPr indent="0" lvl="0" marL="0" rtl="0" algn="l">
+            <a:pPr marL="0" lvl="0" indent="0" algn="l" rtl="0">
               <a:spcBef>
                 <a:spcPts val="0"/>
               </a:spcBef>
@@ -5264,9 +5312,6 @@
               </a:spcAft>
               <a:buNone/>
             </a:pPr>
-            <a:r>
-              <a:t/>
-            </a:r>
             <a:endParaRPr/>
           </a:p>
         </p:txBody>
@@ -5307,12 +5352,12 @@
             </a:ln>
           </p:spPr>
           <p:txBody>
-            <a:bodyPr anchorCtr="0" anchor="ctr" bIns="91425" lIns="91425" spcFirstLastPara="1" rIns="91425" wrap="square" tIns="91425">
+            <a:bodyPr spcFirstLastPara="1" wrap="square" lIns="91425" tIns="91425" rIns="91425" bIns="91425" anchor="ctr" anchorCtr="0">
               <a:noAutofit/>
             </a:bodyPr>
             <a:lstStyle/>
             <a:p>
-              <a:pPr indent="0" lvl="0" marL="0" rtl="0" algn="l">
+              <a:pPr marL="0" lvl="0" indent="0" algn="l" rtl="0">
                 <a:spcBef>
                   <a:spcPts val="0"/>
                 </a:spcBef>
@@ -5321,9 +5366,6 @@
                 </a:spcAft>
                 <a:buNone/>
               </a:pPr>
-              <a:r>
-                <a:t/>
-              </a:r>
               <a:endParaRPr/>
             </a:p>
           </p:txBody>
@@ -5350,12 +5392,12 @@
             </a:ln>
           </p:spPr>
           <p:txBody>
-            <a:bodyPr anchorCtr="0" anchor="ctr" bIns="91425" lIns="91425" spcFirstLastPara="1" rIns="91425" wrap="square" tIns="91425">
+            <a:bodyPr spcFirstLastPara="1" wrap="square" lIns="91425" tIns="91425" rIns="91425" bIns="91425" anchor="ctr" anchorCtr="0">
               <a:noAutofit/>
             </a:bodyPr>
             <a:lstStyle/>
             <a:p>
-              <a:pPr indent="0" lvl="0" marL="0" rtl="0" algn="l">
+              <a:pPr marL="0" lvl="0" indent="0" algn="l" rtl="0">
                 <a:spcBef>
                   <a:spcPts val="0"/>
                 </a:spcBef>
@@ -5364,9 +5406,6 @@
                 </a:spcAft>
                 <a:buNone/>
               </a:pPr>
-              <a:r>
-                <a:t/>
-              </a:r>
               <a:endParaRPr/>
             </a:p>
           </p:txBody>
@@ -5375,7 +5414,9 @@
       <p:sp>
         <p:nvSpPr>
           <p:cNvPr id="66" name="Google Shape;66;p9"/>
-          <p:cNvSpPr txBox="1"/>
+          <p:cNvSpPr txBox="1">
+            <a:spLocks noGrp="1"/>
+          </p:cNvSpPr>
           <p:nvPr>
             <p:ph type="title"/>
           </p:nvPr>
@@ -5390,7 +5431,7 @@
           </a:prstGeom>
         </p:spPr>
         <p:txBody>
-          <a:bodyPr anchorCtr="0" anchor="t" bIns="91425" lIns="91425" spcFirstLastPara="1" rIns="91425" wrap="square" tIns="91425">
+          <a:bodyPr spcFirstLastPara="1" wrap="square" lIns="91425" tIns="91425" rIns="91425" bIns="91425" anchor="t" anchorCtr="0">
             <a:normAutofit/>
           </a:bodyPr>
           <a:lstStyle>
@@ -5494,15 +5535,19 @@
               <a:defRPr sz="2600"/>
             </a:lvl9pPr>
           </a:lstStyle>
-          <a:p/>
+          <a:p>
+            <a:endParaRPr/>
+          </a:p>
         </p:txBody>
       </p:sp>
       <p:sp>
         <p:nvSpPr>
           <p:cNvPr id="67" name="Google Shape;67;p9"/>
-          <p:cNvSpPr txBox="1"/>
+          <p:cNvSpPr txBox="1">
+            <a:spLocks noGrp="1"/>
+          </p:cNvSpPr>
           <p:nvPr>
-            <p:ph idx="1" type="subTitle"/>
+            <p:ph type="subTitle" idx="1"/>
           </p:nvPr>
         </p:nvSpPr>
         <p:spPr>
@@ -5515,7 +5560,7 @@
           </a:prstGeom>
         </p:spPr>
         <p:txBody>
-          <a:bodyPr anchorCtr="0" anchor="t" bIns="91425" lIns="91425" spcFirstLastPara="1" rIns="91425" wrap="square" tIns="91425">
+          <a:bodyPr spcFirstLastPara="1" wrap="square" lIns="91425" tIns="91425" rIns="91425" bIns="91425" anchor="t" anchorCtr="0">
             <a:normAutofit/>
           </a:bodyPr>
           <a:lstStyle>
@@ -5646,15 +5691,19 @@
               <a:defRPr sz="1600"/>
             </a:lvl9pPr>
           </a:lstStyle>
-          <a:p/>
+          <a:p>
+            <a:endParaRPr/>
+          </a:p>
         </p:txBody>
       </p:sp>
       <p:sp>
         <p:nvSpPr>
           <p:cNvPr id="68" name="Google Shape;68;p9"/>
-          <p:cNvSpPr txBox="1"/>
+          <p:cNvSpPr txBox="1">
+            <a:spLocks noGrp="1"/>
+          </p:cNvSpPr>
           <p:nvPr>
-            <p:ph idx="2" type="body"/>
+            <p:ph type="body" idx="2"/>
           </p:nvPr>
         </p:nvSpPr>
         <p:spPr>
@@ -5667,11 +5716,11 @@
           </a:prstGeom>
         </p:spPr>
         <p:txBody>
-          <a:bodyPr anchorCtr="0" anchor="t" bIns="91425" lIns="91425" spcFirstLastPara="1" rIns="91425" wrap="square" tIns="91425">
+          <a:bodyPr spcFirstLastPara="1" wrap="square" lIns="91425" tIns="91425" rIns="91425" bIns="91425" anchor="t" anchorCtr="0">
             <a:normAutofit/>
           </a:bodyPr>
           <a:lstStyle>
-            <a:lvl1pPr indent="-311150" lvl="0" marL="457200">
+            <a:lvl1pPr marL="457200" lvl="0" indent="-311150">
               <a:spcBef>
                 <a:spcPts val="0"/>
               </a:spcBef>
@@ -5682,7 +5731,7 @@
               <a:buChar char="●"/>
               <a:defRPr/>
             </a:lvl1pPr>
-            <a:lvl2pPr indent="-298450" lvl="1" marL="914400">
+            <a:lvl2pPr marL="914400" lvl="1" indent="-298450">
               <a:spcBef>
                 <a:spcPts val="0"/>
               </a:spcBef>
@@ -5693,7 +5742,7 @@
               <a:buChar char="○"/>
               <a:defRPr/>
             </a:lvl2pPr>
-            <a:lvl3pPr indent="-298450" lvl="2" marL="1371600">
+            <a:lvl3pPr marL="1371600" lvl="2" indent="-298450">
               <a:spcBef>
                 <a:spcPts val="0"/>
               </a:spcBef>
@@ -5704,7 +5753,7 @@
               <a:buChar char="■"/>
               <a:defRPr/>
             </a:lvl3pPr>
-            <a:lvl4pPr indent="-298450" lvl="3" marL="1828800">
+            <a:lvl4pPr marL="1828800" lvl="3" indent="-298450">
               <a:spcBef>
                 <a:spcPts val="0"/>
               </a:spcBef>
@@ -5715,7 +5764,7 @@
               <a:buChar char="●"/>
               <a:defRPr/>
             </a:lvl4pPr>
-            <a:lvl5pPr indent="-298450" lvl="4" marL="2286000">
+            <a:lvl5pPr marL="2286000" lvl="4" indent="-298450">
               <a:spcBef>
                 <a:spcPts val="0"/>
               </a:spcBef>
@@ -5726,7 +5775,7 @@
               <a:buChar char="○"/>
               <a:defRPr/>
             </a:lvl5pPr>
-            <a:lvl6pPr indent="-298450" lvl="5" marL="2743200">
+            <a:lvl6pPr marL="2743200" lvl="5" indent="-298450">
               <a:spcBef>
                 <a:spcPts val="0"/>
               </a:spcBef>
@@ -5737,7 +5786,7 @@
               <a:buChar char="■"/>
               <a:defRPr/>
             </a:lvl6pPr>
-            <a:lvl7pPr indent="-298450" lvl="6" marL="3200400">
+            <a:lvl7pPr marL="3200400" lvl="6" indent="-298450">
               <a:spcBef>
                 <a:spcPts val="0"/>
               </a:spcBef>
@@ -5748,7 +5797,7 @@
               <a:buChar char="●"/>
               <a:defRPr/>
             </a:lvl7pPr>
-            <a:lvl8pPr indent="-298450" lvl="7" marL="3657600">
+            <a:lvl8pPr marL="3657600" lvl="7" indent="-298450">
               <a:spcBef>
                 <a:spcPts val="0"/>
               </a:spcBef>
@@ -5759,7 +5808,7 @@
               <a:buChar char="○"/>
               <a:defRPr/>
             </a:lvl8pPr>
-            <a:lvl9pPr indent="-298450" lvl="8" marL="4114800">
+            <a:lvl9pPr marL="4114800" lvl="8" indent="-298450">
               <a:spcBef>
                 <a:spcPts val="0"/>
               </a:spcBef>
@@ -5771,15 +5820,19 @@
               <a:defRPr/>
             </a:lvl9pPr>
           </a:lstStyle>
-          <a:p/>
+          <a:p>
+            <a:endParaRPr/>
+          </a:p>
         </p:txBody>
       </p:sp>
       <p:sp>
         <p:nvSpPr>
           <p:cNvPr id="69" name="Google Shape;69;p9"/>
-          <p:cNvSpPr txBox="1"/>
+          <p:cNvSpPr txBox="1">
+            <a:spLocks noGrp="1"/>
+          </p:cNvSpPr>
           <p:nvPr>
-            <p:ph idx="12" type="sldNum"/>
+            <p:ph type="sldNum" idx="12"/>
           </p:nvPr>
         </p:nvSpPr>
         <p:spPr>
@@ -5792,7 +5845,7 @@
           </a:prstGeom>
         </p:spPr>
         <p:txBody>
-          <a:bodyPr anchorCtr="0" anchor="ctr" bIns="91425" lIns="91425" spcFirstLastPara="1" rIns="91425" wrap="square" tIns="91425">
+          <a:bodyPr spcFirstLastPara="1" wrap="square" lIns="91425" tIns="91425" rIns="91425" bIns="91425" anchor="ctr" anchorCtr="0">
             <a:normAutofit/>
           </a:bodyPr>
           <a:lstStyle>
@@ -5834,7 +5887,7 @@
             </a:lvl9pPr>
           </a:lstStyle>
           <a:p>
-            <a:pPr indent="0" lvl="0" marL="0" rtl="0" algn="r">
+            <a:pPr marL="0" lvl="0" indent="0" algn="r" rtl="0">
               <a:spcBef>
                 <a:spcPts val="0"/>
               </a:spcBef>
@@ -5860,11 +5913,11 @@
 </file>
 
 <file path=ppt/slideLayouts/slideLayout9.xml><?xml version="1.0" encoding="utf-8"?>
-<p:sldLayout xmlns:a="http://schemas.openxmlformats.org/drawingml/2006/main" xmlns:r="http://schemas.openxmlformats.org/officeDocument/2006/relationships" xmlns:mc="http://schemas.openxmlformats.org/markup-compatibility/2006" xmlns:mv="urn:schemas-microsoft-com:mac:vml" xmlns:p="http://schemas.openxmlformats.org/presentationml/2006/main" xmlns:c="http://schemas.openxmlformats.org/drawingml/2006/chart" xmlns:dgm="http://schemas.openxmlformats.org/drawingml/2006/diagram" xmlns:o="urn:schemas-microsoft-com:office:office" xmlns:v="urn:schemas-microsoft-com:vml" xmlns:pvml="urn:schemas-microsoft-com:office:powerpoint" xmlns:com="http://schemas.openxmlformats.org/drawingml/2006/compatibility" xmlns:p14="http://schemas.microsoft.com/office/powerpoint/2010/main" xmlns:p15="http://schemas.microsoft.com/office/powerpoint/2012/main" xmlns:ahyp="http://schemas.microsoft.com/office/drawing/2018/hyperlinkcolor" matchingName="Caption">
+<p:sldLayout xmlns:a="http://schemas.openxmlformats.org/drawingml/2006/main" xmlns:r="http://schemas.openxmlformats.org/officeDocument/2006/relationships" xmlns:p="http://schemas.openxmlformats.org/presentationml/2006/main" matchingName="Caption">
   <p:cSld name="CAPTION_ONLY">
     <p:spTree>
       <p:nvGrpSpPr>
-        <p:cNvPr id="70" name="Shape 70"/>
+        <p:cNvPr id="1" name="Shape 70"/>
         <p:cNvGrpSpPr/>
         <p:nvPr/>
       </p:nvGrpSpPr>
@@ -5879,9 +5932,11 @@
       <p:sp>
         <p:nvSpPr>
           <p:cNvPr id="71" name="Google Shape;71;p10"/>
-          <p:cNvSpPr txBox="1"/>
+          <p:cNvSpPr txBox="1">
+            <a:spLocks noGrp="1"/>
+          </p:cNvSpPr>
           <p:nvPr>
-            <p:ph idx="1" type="body"/>
+            <p:ph type="body" idx="1"/>
           </p:nvPr>
         </p:nvSpPr>
         <p:spPr>
@@ -5894,11 +5949,11 @@
           </a:prstGeom>
         </p:spPr>
         <p:txBody>
-          <a:bodyPr anchorCtr="0" anchor="ctr" bIns="91425" lIns="91425" spcFirstLastPara="1" rIns="91425" wrap="square" tIns="91425">
+          <a:bodyPr spcFirstLastPara="1" wrap="square" lIns="91425" tIns="91425" rIns="91425" bIns="91425" anchor="ctr" anchorCtr="0">
             <a:normAutofit/>
           </a:bodyPr>
           <a:lstStyle>
-            <a:lvl1pPr indent="-228600" lvl="0" marL="457200">
+            <a:lvl1pPr marL="457200" lvl="0" indent="-228600">
               <a:lnSpc>
                 <a:spcPct val="100000"/>
               </a:lnSpc>
@@ -5913,15 +5968,19 @@
               <a:defRPr/>
             </a:lvl1pPr>
           </a:lstStyle>
-          <a:p/>
+          <a:p>
+            <a:endParaRPr/>
+          </a:p>
         </p:txBody>
       </p:sp>
       <p:sp>
         <p:nvSpPr>
           <p:cNvPr id="72" name="Google Shape;72;p10"/>
-          <p:cNvSpPr txBox="1"/>
+          <p:cNvSpPr txBox="1">
+            <a:spLocks noGrp="1"/>
+          </p:cNvSpPr>
           <p:nvPr>
-            <p:ph idx="12" type="sldNum"/>
+            <p:ph type="sldNum" idx="12"/>
           </p:nvPr>
         </p:nvSpPr>
         <p:spPr>
@@ -5934,7 +5993,7 @@
           </a:prstGeom>
         </p:spPr>
         <p:txBody>
-          <a:bodyPr anchorCtr="0" anchor="ctr" bIns="91425" lIns="91425" spcFirstLastPara="1" rIns="91425" wrap="square" tIns="91425">
+          <a:bodyPr spcFirstLastPara="1" wrap="square" lIns="91425" tIns="91425" rIns="91425" bIns="91425" anchor="ctr" anchorCtr="0">
             <a:normAutofit/>
           </a:bodyPr>
           <a:lstStyle>
@@ -5976,7 +6035,7 @@
             </a:lvl9pPr>
           </a:lstStyle>
           <a:p>
-            <a:pPr indent="0" lvl="0" marL="0" rtl="0" algn="r">
+            <a:pPr marL="0" lvl="0" indent="0" algn="r" rtl="0">
               <a:spcBef>
                 <a:spcPts val="0"/>
               </a:spcBef>
@@ -6002,18 +6061,19 @@
 </file>
 
 <file path=ppt/slideMasters/slideMaster1.xml><?xml version="1.0" encoding="utf-8"?>
-<p:sldMaster xmlns:a="http://schemas.openxmlformats.org/drawingml/2006/main" xmlns:r="http://schemas.openxmlformats.org/officeDocument/2006/relationships" xmlns:mc="http://schemas.openxmlformats.org/markup-compatibility/2006" xmlns:mv="urn:schemas-microsoft-com:mac:vml" xmlns:p="http://schemas.openxmlformats.org/presentationml/2006/main" xmlns:c="http://schemas.openxmlformats.org/drawingml/2006/chart" xmlns:dgm="http://schemas.openxmlformats.org/drawingml/2006/diagram" xmlns:o="urn:schemas-microsoft-com:office:office" xmlns:v="urn:schemas-microsoft-com:vml" xmlns:pvml="urn:schemas-microsoft-com:office:powerpoint" xmlns:com="http://schemas.openxmlformats.org/drawingml/2006/compatibility" xmlns:p14="http://schemas.microsoft.com/office/powerpoint/2010/main" xmlns:p15="http://schemas.microsoft.com/office/powerpoint/2012/main" xmlns:ahyp="http://schemas.microsoft.com/office/drawing/2018/hyperlinkcolor">
+<p:sldMaster xmlns:a="http://schemas.openxmlformats.org/drawingml/2006/main" xmlns:r="http://schemas.openxmlformats.org/officeDocument/2006/relationships" xmlns:p="http://schemas.openxmlformats.org/presentationml/2006/main">
   <p:cSld name="streamline">
     <p:bg>
       <p:bgPr>
         <a:solidFill>
           <a:schemeClr val="lt1"/>
         </a:solidFill>
+        <a:effectLst/>
       </p:bgPr>
     </p:bg>
     <p:spTree>
       <p:nvGrpSpPr>
-        <p:cNvPr id="5" name="Shape 5"/>
+        <p:cNvPr id="1" name="Shape 5"/>
         <p:cNvGrpSpPr/>
         <p:nvPr/>
       </p:nvGrpSpPr>
@@ -6028,7 +6088,9 @@
       <p:sp>
         <p:nvSpPr>
           <p:cNvPr id="6" name="Google Shape;6;p1"/>
-          <p:cNvSpPr txBox="1"/>
+          <p:cNvSpPr txBox="1">
+            <a:spLocks noGrp="1"/>
+          </p:cNvSpPr>
           <p:nvPr>
             <p:ph type="title"/>
           </p:nvPr>
@@ -6047,7 +6109,7 @@
           </a:ln>
         </p:spPr>
         <p:txBody>
-          <a:bodyPr anchorCtr="0" anchor="t" bIns="91425" lIns="91425" spcFirstLastPara="1" rIns="91425" wrap="square" tIns="91425">
+          <a:bodyPr spcFirstLastPara="1" wrap="square" lIns="91425" tIns="91425" rIns="91425" bIns="91425" anchor="t" anchorCtr="0">
             <a:normAutofit/>
           </a:bodyPr>
           <a:lstStyle>
@@ -6064,7 +6126,7 @@
               <a:buSzPts val="2800"/>
               <a:buFont typeface="Raleway"/>
               <a:buNone/>
-              <a:defRPr b="1" sz="2800">
+              <a:defRPr sz="2800" b="1">
                 <a:solidFill>
                   <a:schemeClr val="dk2"/>
                 </a:solidFill>
@@ -6087,7 +6149,7 @@
               <a:buSzPts val="2800"/>
               <a:buFont typeface="Raleway"/>
               <a:buNone/>
-              <a:defRPr b="1" sz="2800">
+              <a:defRPr sz="2800" b="1">
                 <a:solidFill>
                   <a:schemeClr val="dk2"/>
                 </a:solidFill>
@@ -6110,7 +6172,7 @@
               <a:buSzPts val="2800"/>
               <a:buFont typeface="Raleway"/>
               <a:buNone/>
-              <a:defRPr b="1" sz="2800">
+              <a:defRPr sz="2800" b="1">
                 <a:solidFill>
                   <a:schemeClr val="dk2"/>
                 </a:solidFill>
@@ -6133,7 +6195,7 @@
               <a:buSzPts val="2800"/>
               <a:buFont typeface="Raleway"/>
               <a:buNone/>
-              <a:defRPr b="1" sz="2800">
+              <a:defRPr sz="2800" b="1">
                 <a:solidFill>
                   <a:schemeClr val="dk2"/>
                 </a:solidFill>
@@ -6156,7 +6218,7 @@
               <a:buSzPts val="2800"/>
               <a:buFont typeface="Raleway"/>
               <a:buNone/>
-              <a:defRPr b="1" sz="2800">
+              <a:defRPr sz="2800" b="1">
                 <a:solidFill>
                   <a:schemeClr val="dk2"/>
                 </a:solidFill>
@@ -6179,7 +6241,7 @@
               <a:buSzPts val="2800"/>
               <a:buFont typeface="Raleway"/>
               <a:buNone/>
-              <a:defRPr b="1" sz="2800">
+              <a:defRPr sz="2800" b="1">
                 <a:solidFill>
                   <a:schemeClr val="dk2"/>
                 </a:solidFill>
@@ -6202,7 +6264,7 @@
               <a:buSzPts val="2800"/>
               <a:buFont typeface="Raleway"/>
               <a:buNone/>
-              <a:defRPr b="1" sz="2800">
+              <a:defRPr sz="2800" b="1">
                 <a:solidFill>
                   <a:schemeClr val="dk2"/>
                 </a:solidFill>
@@ -6225,7 +6287,7 @@
               <a:buSzPts val="2800"/>
               <a:buFont typeface="Raleway"/>
               <a:buNone/>
-              <a:defRPr b="1" sz="2800">
+              <a:defRPr sz="2800" b="1">
                 <a:solidFill>
                   <a:schemeClr val="dk2"/>
                 </a:solidFill>
@@ -6248,7 +6310,7 @@
               <a:buSzPts val="2800"/>
               <a:buFont typeface="Raleway"/>
               <a:buNone/>
-              <a:defRPr b="1" sz="2800">
+              <a:defRPr sz="2800" b="1">
                 <a:solidFill>
                   <a:schemeClr val="dk2"/>
                 </a:solidFill>
@@ -6259,15 +6321,19 @@
               </a:defRPr>
             </a:lvl9pPr>
           </a:lstStyle>
-          <a:p/>
+          <a:p>
+            <a:endParaRPr/>
+          </a:p>
         </p:txBody>
       </p:sp>
       <p:sp>
         <p:nvSpPr>
           <p:cNvPr id="7" name="Google Shape;7;p1"/>
-          <p:cNvSpPr txBox="1"/>
+          <p:cNvSpPr txBox="1">
+            <a:spLocks noGrp="1"/>
+          </p:cNvSpPr>
           <p:nvPr>
-            <p:ph idx="1" type="body"/>
+            <p:ph type="body" idx="1"/>
           </p:nvPr>
         </p:nvSpPr>
         <p:spPr>
@@ -6284,11 +6350,11 @@
           </a:ln>
         </p:spPr>
         <p:txBody>
-          <a:bodyPr anchorCtr="0" anchor="t" bIns="91425" lIns="91425" spcFirstLastPara="1" rIns="91425" wrap="square" tIns="91425">
+          <a:bodyPr spcFirstLastPara="1" wrap="square" lIns="91425" tIns="91425" rIns="91425" bIns="91425" anchor="t" anchorCtr="0">
             <a:normAutofit/>
           </a:bodyPr>
           <a:lstStyle>
-            <a:lvl1pPr indent="-311150" lvl="0" marL="457200">
+            <a:lvl1pPr marL="457200" lvl="0" indent="-311150">
               <a:lnSpc>
                 <a:spcPct val="115000"/>
               </a:lnSpc>
@@ -6314,7 +6380,7 @@
                 <a:sym typeface="Lato"/>
               </a:defRPr>
             </a:lvl1pPr>
-            <a:lvl2pPr indent="-298450" lvl="1" marL="914400">
+            <a:lvl2pPr marL="914400" lvl="1" indent="-298450">
               <a:lnSpc>
                 <a:spcPct val="115000"/>
               </a:lnSpc>
@@ -6340,7 +6406,7 @@
                 <a:sym typeface="Lato"/>
               </a:defRPr>
             </a:lvl2pPr>
-            <a:lvl3pPr indent="-298450" lvl="2" marL="1371600">
+            <a:lvl3pPr marL="1371600" lvl="2" indent="-298450">
               <a:lnSpc>
                 <a:spcPct val="115000"/>
               </a:lnSpc>
@@ -6366,7 +6432,7 @@
                 <a:sym typeface="Lato"/>
               </a:defRPr>
             </a:lvl3pPr>
-            <a:lvl4pPr indent="-298450" lvl="3" marL="1828800">
+            <a:lvl4pPr marL="1828800" lvl="3" indent="-298450">
               <a:lnSpc>
                 <a:spcPct val="115000"/>
               </a:lnSpc>
@@ -6392,7 +6458,7 @@
                 <a:sym typeface="Lato"/>
               </a:defRPr>
             </a:lvl4pPr>
-            <a:lvl5pPr indent="-298450" lvl="4" marL="2286000">
+            <a:lvl5pPr marL="2286000" lvl="4" indent="-298450">
               <a:lnSpc>
                 <a:spcPct val="115000"/>
               </a:lnSpc>
@@ -6418,7 +6484,7 @@
                 <a:sym typeface="Lato"/>
               </a:defRPr>
             </a:lvl5pPr>
-            <a:lvl6pPr indent="-298450" lvl="5" marL="2743200">
+            <a:lvl6pPr marL="2743200" lvl="5" indent="-298450">
               <a:lnSpc>
                 <a:spcPct val="115000"/>
               </a:lnSpc>
@@ -6444,7 +6510,7 @@
                 <a:sym typeface="Lato"/>
               </a:defRPr>
             </a:lvl6pPr>
-            <a:lvl7pPr indent="-298450" lvl="6" marL="3200400">
+            <a:lvl7pPr marL="3200400" lvl="6" indent="-298450">
               <a:lnSpc>
                 <a:spcPct val="115000"/>
               </a:lnSpc>
@@ -6470,7 +6536,7 @@
                 <a:sym typeface="Lato"/>
               </a:defRPr>
             </a:lvl7pPr>
-            <a:lvl8pPr indent="-298450" lvl="7" marL="3657600">
+            <a:lvl8pPr marL="3657600" lvl="7" indent="-298450">
               <a:lnSpc>
                 <a:spcPct val="115000"/>
               </a:lnSpc>
@@ -6496,7 +6562,7 @@
                 <a:sym typeface="Lato"/>
               </a:defRPr>
             </a:lvl8pPr>
-            <a:lvl9pPr indent="-298450" lvl="8" marL="4114800">
+            <a:lvl9pPr marL="4114800" lvl="8" indent="-298450">
               <a:lnSpc>
                 <a:spcPct val="115000"/>
               </a:lnSpc>
@@ -6523,15 +6589,19 @@
               </a:defRPr>
             </a:lvl9pPr>
           </a:lstStyle>
-          <a:p/>
+          <a:p>
+            <a:endParaRPr/>
+          </a:p>
         </p:txBody>
       </p:sp>
       <p:sp>
         <p:nvSpPr>
           <p:cNvPr id="8" name="Google Shape;8;p1"/>
-          <p:cNvSpPr txBox="1"/>
+          <p:cNvSpPr txBox="1">
+            <a:spLocks noGrp="1"/>
+          </p:cNvSpPr>
           <p:nvPr>
-            <p:ph idx="12" type="sldNum"/>
+            <p:ph type="sldNum" idx="12"/>
           </p:nvPr>
         </p:nvSpPr>
         <p:spPr>
@@ -6548,7 +6618,7 @@
           </a:ln>
         </p:spPr>
         <p:txBody>
-          <a:bodyPr anchorCtr="0" anchor="ctr" bIns="91425" lIns="91425" spcFirstLastPara="1" rIns="91425" wrap="square" tIns="91425">
+          <a:bodyPr spcFirstLastPara="1" wrap="square" lIns="91425" tIns="91425" rIns="91425" bIns="91425" anchor="ctr" anchorCtr="0">
             <a:normAutofit/>
           </a:bodyPr>
           <a:lstStyle>
@@ -6662,7 +6732,7 @@
             </a:lvl9pPr>
           </a:lstStyle>
           <a:p>
-            <a:pPr indent="0" lvl="0" marL="0" rtl="0" algn="r">
+            <a:pPr marL="0" lvl="0" indent="0" algn="r" rtl="0">
               <a:spcBef>
                 <a:spcPts val="0"/>
               </a:spcBef>
@@ -6681,7 +6751,7 @@
       </p:sp>
     </p:spTree>
   </p:cSld>
-  <p:clrMap accent1="accent1" accent2="accent2" accent3="accent3" accent4="accent4" accent5="accent5" accent6="accent6" bg1="lt1" bg2="dk2" tx1="dk1" tx2="lt2" folHlink="folHlink" hlink="hlink"/>
+  <p:clrMap bg1="lt1" tx1="dk1" bg2="dk2" tx2="lt2" accent1="accent1" accent2="accent2" accent3="accent3" accent4="accent4" accent5="accent5" accent6="accent6" hlink="hlink" folHlink="folHlink"/>
   <p:sldLayoutIdLst>
     <p:sldLayoutId id="2147483648" r:id="rId1"/>
     <p:sldLayoutId id="2147483649" r:id="rId2"/>
@@ -6695,10 +6765,10 @@
     <p:sldLayoutId id="2147483657" r:id="rId10"/>
     <p:sldLayoutId id="2147483658" r:id="rId11"/>
   </p:sldLayoutIdLst>
-  <p:hf dt="0" ftr="0" hdr="0" sldNum="0"/>
+  <p:hf sldNum="0" hdr="0" ftr="0" dt="0"/>
   <p:txStyles>
     <p:titleStyle>
-      <a:defPPr lvl="0" marR="0" rtl="0" algn="l">
+      <a:defPPr marR="0" lvl="0" algn="l" rtl="0">
         <a:lnSpc>
           <a:spcPct val="100000"/>
         </a:lnSpc>
@@ -6709,7 +6779,7 @@
           <a:spcPts val="0"/>
         </a:spcAft>
       </a:defPPr>
-      <a:lvl1pPr lvl="0" marR="0" rtl="0" algn="l">
+      <a:lvl1pPr marR="0" lvl="0" algn="l" rtl="0">
         <a:lnSpc>
           <a:spcPct val="100000"/>
         </a:lnSpc>
@@ -6723,7 +6793,7 @@
           <a:srgbClr val="000000"/>
         </a:buClr>
         <a:buFont typeface="Arial"/>
-        <a:defRPr b="0" i="0" sz="1400" u="none" cap="none" strike="noStrike">
+        <a:defRPr sz="1400" b="0" i="0" u="none" strike="noStrike" cap="none">
           <a:solidFill>
             <a:srgbClr val="000000"/>
           </a:solidFill>
@@ -6733,7 +6803,7 @@
           <a:sym typeface="Arial"/>
         </a:defRPr>
       </a:lvl1pPr>
-      <a:lvl2pPr lvl="1" marR="0" rtl="0" algn="l">
+      <a:lvl2pPr marR="0" lvl="1" algn="l" rtl="0">
         <a:lnSpc>
           <a:spcPct val="100000"/>
         </a:lnSpc>
@@ -6747,7 +6817,7 @@
           <a:srgbClr val="000000"/>
         </a:buClr>
         <a:buFont typeface="Arial"/>
-        <a:defRPr b="0" i="0" sz="1400" u="none" cap="none" strike="noStrike">
+        <a:defRPr sz="1400" b="0" i="0" u="none" strike="noStrike" cap="none">
           <a:solidFill>
             <a:srgbClr val="000000"/>
           </a:solidFill>
@@ -6757,7 +6827,7 @@
           <a:sym typeface="Arial"/>
         </a:defRPr>
       </a:lvl2pPr>
-      <a:lvl3pPr lvl="2" marR="0" rtl="0" algn="l">
+      <a:lvl3pPr marR="0" lvl="2" algn="l" rtl="0">
         <a:lnSpc>
           <a:spcPct val="100000"/>
         </a:lnSpc>
@@ -6771,7 +6841,7 @@
           <a:srgbClr val="000000"/>
         </a:buClr>
         <a:buFont typeface="Arial"/>
-        <a:defRPr b="0" i="0" sz="1400" u="none" cap="none" strike="noStrike">
+        <a:defRPr sz="1400" b="0" i="0" u="none" strike="noStrike" cap="none">
           <a:solidFill>
             <a:srgbClr val="000000"/>
           </a:solidFill>
@@ -6781,7 +6851,7 @@
           <a:sym typeface="Arial"/>
         </a:defRPr>
       </a:lvl3pPr>
-      <a:lvl4pPr lvl="3" marR="0" rtl="0" algn="l">
+      <a:lvl4pPr marR="0" lvl="3" algn="l" rtl="0">
         <a:lnSpc>
           <a:spcPct val="100000"/>
         </a:lnSpc>
@@ -6795,7 +6865,7 @@
           <a:srgbClr val="000000"/>
         </a:buClr>
         <a:buFont typeface="Arial"/>
-        <a:defRPr b="0" i="0" sz="1400" u="none" cap="none" strike="noStrike">
+        <a:defRPr sz="1400" b="0" i="0" u="none" strike="noStrike" cap="none">
           <a:solidFill>
             <a:srgbClr val="000000"/>
           </a:solidFill>
@@ -6805,7 +6875,7 @@
           <a:sym typeface="Arial"/>
         </a:defRPr>
       </a:lvl4pPr>
-      <a:lvl5pPr lvl="4" marR="0" rtl="0" algn="l">
+      <a:lvl5pPr marR="0" lvl="4" algn="l" rtl="0">
         <a:lnSpc>
           <a:spcPct val="100000"/>
         </a:lnSpc>
@@ -6819,7 +6889,7 @@
           <a:srgbClr val="000000"/>
         </a:buClr>
         <a:buFont typeface="Arial"/>
-        <a:defRPr b="0" i="0" sz="1400" u="none" cap="none" strike="noStrike">
+        <a:defRPr sz="1400" b="0" i="0" u="none" strike="noStrike" cap="none">
           <a:solidFill>
             <a:srgbClr val="000000"/>
           </a:solidFill>
@@ -6829,7 +6899,7 @@
           <a:sym typeface="Arial"/>
         </a:defRPr>
       </a:lvl5pPr>
-      <a:lvl6pPr lvl="5" marR="0" rtl="0" algn="l">
+      <a:lvl6pPr marR="0" lvl="5" algn="l" rtl="0">
         <a:lnSpc>
           <a:spcPct val="100000"/>
         </a:lnSpc>
@@ -6843,7 +6913,7 @@
           <a:srgbClr val="000000"/>
         </a:buClr>
         <a:buFont typeface="Arial"/>
-        <a:defRPr b="0" i="0" sz="1400" u="none" cap="none" strike="noStrike">
+        <a:defRPr sz="1400" b="0" i="0" u="none" strike="noStrike" cap="none">
           <a:solidFill>
             <a:srgbClr val="000000"/>
           </a:solidFill>
@@ -6853,7 +6923,7 @@
           <a:sym typeface="Arial"/>
         </a:defRPr>
       </a:lvl6pPr>
-      <a:lvl7pPr lvl="6" marR="0" rtl="0" algn="l">
+      <a:lvl7pPr marR="0" lvl="6" algn="l" rtl="0">
         <a:lnSpc>
           <a:spcPct val="100000"/>
         </a:lnSpc>
@@ -6867,7 +6937,7 @@
           <a:srgbClr val="000000"/>
         </a:buClr>
         <a:buFont typeface="Arial"/>
-        <a:defRPr b="0" i="0" sz="1400" u="none" cap="none" strike="noStrike">
+        <a:defRPr sz="1400" b="0" i="0" u="none" strike="noStrike" cap="none">
           <a:solidFill>
             <a:srgbClr val="000000"/>
           </a:solidFill>
@@ -6877,7 +6947,7 @@
           <a:sym typeface="Arial"/>
         </a:defRPr>
       </a:lvl7pPr>
-      <a:lvl8pPr lvl="7" marR="0" rtl="0" algn="l">
+      <a:lvl8pPr marR="0" lvl="7" algn="l" rtl="0">
         <a:lnSpc>
           <a:spcPct val="100000"/>
         </a:lnSpc>
@@ -6891,7 +6961,7 @@
           <a:srgbClr val="000000"/>
         </a:buClr>
         <a:buFont typeface="Arial"/>
-        <a:defRPr b="0" i="0" sz="1400" u="none" cap="none" strike="noStrike">
+        <a:defRPr sz="1400" b="0" i="0" u="none" strike="noStrike" cap="none">
           <a:solidFill>
             <a:srgbClr val="000000"/>
           </a:solidFill>
@@ -6901,7 +6971,7 @@
           <a:sym typeface="Arial"/>
         </a:defRPr>
       </a:lvl8pPr>
-      <a:lvl9pPr lvl="8" marR="0" rtl="0" algn="l">
+      <a:lvl9pPr marR="0" lvl="8" algn="l" rtl="0">
         <a:lnSpc>
           <a:spcPct val="100000"/>
         </a:lnSpc>
@@ -6915,7 +6985,7 @@
           <a:srgbClr val="000000"/>
         </a:buClr>
         <a:buFont typeface="Arial"/>
-        <a:defRPr b="0" i="0" sz="1400" u="none" cap="none" strike="noStrike">
+        <a:defRPr sz="1400" b="0" i="0" u="none" strike="noStrike" cap="none">
           <a:solidFill>
             <a:srgbClr val="000000"/>
           </a:solidFill>
@@ -6927,7 +6997,7 @@
       </a:lvl9pPr>
     </p:titleStyle>
     <p:bodyStyle>
-      <a:defPPr lvl="0" marR="0" rtl="0" algn="l">
+      <a:defPPr marR="0" lvl="0" algn="l" rtl="0">
         <a:lnSpc>
           <a:spcPct val="100000"/>
         </a:lnSpc>
@@ -6938,7 +7008,7 @@
           <a:spcPts val="0"/>
         </a:spcAft>
       </a:defPPr>
-      <a:lvl1pPr lvl="0" marR="0" rtl="0" algn="l">
+      <a:lvl1pPr marR="0" lvl="0" algn="l" rtl="0">
         <a:lnSpc>
           <a:spcPct val="100000"/>
         </a:lnSpc>
@@ -6952,7 +7022,7 @@
           <a:srgbClr val="000000"/>
         </a:buClr>
         <a:buFont typeface="Arial"/>
-        <a:defRPr b="0" i="0" sz="1400" u="none" cap="none" strike="noStrike">
+        <a:defRPr sz="1400" b="0" i="0" u="none" strike="noStrike" cap="none">
           <a:solidFill>
             <a:srgbClr val="000000"/>
           </a:solidFill>
@@ -6962,7 +7032,7 @@
           <a:sym typeface="Arial"/>
         </a:defRPr>
       </a:lvl1pPr>
-      <a:lvl2pPr lvl="1" marR="0" rtl="0" algn="l">
+      <a:lvl2pPr marR="0" lvl="1" algn="l" rtl="0">
         <a:lnSpc>
           <a:spcPct val="100000"/>
         </a:lnSpc>
@@ -6976,7 +7046,7 @@
           <a:srgbClr val="000000"/>
         </a:buClr>
         <a:buFont typeface="Arial"/>
-        <a:defRPr b="0" i="0" sz="1400" u="none" cap="none" strike="noStrike">
+        <a:defRPr sz="1400" b="0" i="0" u="none" strike="noStrike" cap="none">
           <a:solidFill>
             <a:srgbClr val="000000"/>
           </a:solidFill>
@@ -6986,7 +7056,7 @@
           <a:sym typeface="Arial"/>
         </a:defRPr>
       </a:lvl2pPr>
-      <a:lvl3pPr lvl="2" marR="0" rtl="0" algn="l">
+      <a:lvl3pPr marR="0" lvl="2" algn="l" rtl="0">
         <a:lnSpc>
           <a:spcPct val="100000"/>
         </a:lnSpc>
@@ -7000,7 +7070,7 @@
           <a:srgbClr val="000000"/>
         </a:buClr>
         <a:buFont typeface="Arial"/>
-        <a:defRPr b="0" i="0" sz="1400" u="none" cap="none" strike="noStrike">
+        <a:defRPr sz="1400" b="0" i="0" u="none" strike="noStrike" cap="none">
           <a:solidFill>
             <a:srgbClr val="000000"/>
           </a:solidFill>
@@ -7010,7 +7080,7 @@
           <a:sym typeface="Arial"/>
         </a:defRPr>
       </a:lvl3pPr>
-      <a:lvl4pPr lvl="3" marR="0" rtl="0" algn="l">
+      <a:lvl4pPr marR="0" lvl="3" algn="l" rtl="0">
         <a:lnSpc>
           <a:spcPct val="100000"/>
         </a:lnSpc>
@@ -7024,7 +7094,7 @@
           <a:srgbClr val="000000"/>
         </a:buClr>
         <a:buFont typeface="Arial"/>
-        <a:defRPr b="0" i="0" sz="1400" u="none" cap="none" strike="noStrike">
+        <a:defRPr sz="1400" b="0" i="0" u="none" strike="noStrike" cap="none">
           <a:solidFill>
             <a:srgbClr val="000000"/>
           </a:solidFill>
@@ -7034,7 +7104,7 @@
           <a:sym typeface="Arial"/>
         </a:defRPr>
       </a:lvl4pPr>
-      <a:lvl5pPr lvl="4" marR="0" rtl="0" algn="l">
+      <a:lvl5pPr marR="0" lvl="4" algn="l" rtl="0">
         <a:lnSpc>
           <a:spcPct val="100000"/>
         </a:lnSpc>
@@ -7048,7 +7118,7 @@
           <a:srgbClr val="000000"/>
         </a:buClr>
         <a:buFont typeface="Arial"/>
-        <a:defRPr b="0" i="0" sz="1400" u="none" cap="none" strike="noStrike">
+        <a:defRPr sz="1400" b="0" i="0" u="none" strike="noStrike" cap="none">
           <a:solidFill>
             <a:srgbClr val="000000"/>
           </a:solidFill>
@@ -7058,7 +7128,7 @@
           <a:sym typeface="Arial"/>
         </a:defRPr>
       </a:lvl5pPr>
-      <a:lvl6pPr lvl="5" marR="0" rtl="0" algn="l">
+      <a:lvl6pPr marR="0" lvl="5" algn="l" rtl="0">
         <a:lnSpc>
           <a:spcPct val="100000"/>
         </a:lnSpc>
@@ -7072,7 +7142,7 @@
           <a:srgbClr val="000000"/>
         </a:buClr>
         <a:buFont typeface="Arial"/>
-        <a:defRPr b="0" i="0" sz="1400" u="none" cap="none" strike="noStrike">
+        <a:defRPr sz="1400" b="0" i="0" u="none" strike="noStrike" cap="none">
           <a:solidFill>
             <a:srgbClr val="000000"/>
           </a:solidFill>
@@ -7082,7 +7152,7 @@
           <a:sym typeface="Arial"/>
         </a:defRPr>
       </a:lvl6pPr>
-      <a:lvl7pPr lvl="6" marR="0" rtl="0" algn="l">
+      <a:lvl7pPr marR="0" lvl="6" algn="l" rtl="0">
         <a:lnSpc>
           <a:spcPct val="100000"/>
         </a:lnSpc>
@@ -7096,7 +7166,7 @@
           <a:srgbClr val="000000"/>
         </a:buClr>
         <a:buFont typeface="Arial"/>
-        <a:defRPr b="0" i="0" sz="1400" u="none" cap="none" strike="noStrike">
+        <a:defRPr sz="1400" b="0" i="0" u="none" strike="noStrike" cap="none">
           <a:solidFill>
             <a:srgbClr val="000000"/>
           </a:solidFill>
@@ -7106,7 +7176,7 @@
           <a:sym typeface="Arial"/>
         </a:defRPr>
       </a:lvl7pPr>
-      <a:lvl8pPr lvl="7" marR="0" rtl="0" algn="l">
+      <a:lvl8pPr marR="0" lvl="7" algn="l" rtl="0">
         <a:lnSpc>
           <a:spcPct val="100000"/>
         </a:lnSpc>
@@ -7120,7 +7190,7 @@
           <a:srgbClr val="000000"/>
         </a:buClr>
         <a:buFont typeface="Arial"/>
-        <a:defRPr b="0" i="0" sz="1400" u="none" cap="none" strike="noStrike">
+        <a:defRPr sz="1400" b="0" i="0" u="none" strike="noStrike" cap="none">
           <a:solidFill>
             <a:srgbClr val="000000"/>
           </a:solidFill>
@@ -7130,7 +7200,7 @@
           <a:sym typeface="Arial"/>
         </a:defRPr>
       </a:lvl8pPr>
-      <a:lvl9pPr lvl="8" marR="0" rtl="0" algn="l">
+      <a:lvl9pPr marR="0" lvl="8" algn="l" rtl="0">
         <a:lnSpc>
           <a:spcPct val="100000"/>
         </a:lnSpc>
@@ -7144,7 +7214,7 @@
           <a:srgbClr val="000000"/>
         </a:buClr>
         <a:buFont typeface="Arial"/>
-        <a:defRPr b="0" i="0" sz="1400" u="none" cap="none" strike="noStrike">
+        <a:defRPr sz="1400" b="0" i="0" u="none" strike="noStrike" cap="none">
           <a:solidFill>
             <a:srgbClr val="000000"/>
           </a:solidFill>
@@ -7156,7 +7226,7 @@
       </a:lvl9pPr>
     </p:bodyStyle>
     <p:otherStyle>
-      <a:defPPr lvl="0" marR="0" rtl="0" algn="l">
+      <a:defPPr marR="0" lvl="0" algn="l" rtl="0">
         <a:lnSpc>
           <a:spcPct val="100000"/>
         </a:lnSpc>
@@ -7167,7 +7237,7 @@
           <a:spcPts val="0"/>
         </a:spcAft>
       </a:defPPr>
-      <a:lvl1pPr lvl="0" marR="0" rtl="0" algn="l">
+      <a:lvl1pPr marR="0" lvl="0" algn="l" rtl="0">
         <a:lnSpc>
           <a:spcPct val="100000"/>
         </a:lnSpc>
@@ -7181,7 +7251,7 @@
           <a:srgbClr val="000000"/>
         </a:buClr>
         <a:buFont typeface="Arial"/>
-        <a:defRPr b="0" i="0" sz="1400" u="none" cap="none" strike="noStrike">
+        <a:defRPr sz="1400" b="0" i="0" u="none" strike="noStrike" cap="none">
           <a:solidFill>
             <a:srgbClr val="000000"/>
           </a:solidFill>
@@ -7191,7 +7261,7 @@
           <a:sym typeface="Arial"/>
         </a:defRPr>
       </a:lvl1pPr>
-      <a:lvl2pPr lvl="1" marR="0" rtl="0" algn="l">
+      <a:lvl2pPr marR="0" lvl="1" algn="l" rtl="0">
         <a:lnSpc>
           <a:spcPct val="100000"/>
         </a:lnSpc>
@@ -7205,7 +7275,7 @@
           <a:srgbClr val="000000"/>
         </a:buClr>
         <a:buFont typeface="Arial"/>
-        <a:defRPr b="0" i="0" sz="1400" u="none" cap="none" strike="noStrike">
+        <a:defRPr sz="1400" b="0" i="0" u="none" strike="noStrike" cap="none">
           <a:solidFill>
             <a:srgbClr val="000000"/>
           </a:solidFill>
@@ -7215,7 +7285,7 @@
           <a:sym typeface="Arial"/>
         </a:defRPr>
       </a:lvl2pPr>
-      <a:lvl3pPr lvl="2" marR="0" rtl="0" algn="l">
+      <a:lvl3pPr marR="0" lvl="2" algn="l" rtl="0">
         <a:lnSpc>
           <a:spcPct val="100000"/>
         </a:lnSpc>
@@ -7229,7 +7299,7 @@
           <a:srgbClr val="000000"/>
         </a:buClr>
         <a:buFont typeface="Arial"/>
-        <a:defRPr b="0" i="0" sz="1400" u="none" cap="none" strike="noStrike">
+        <a:defRPr sz="1400" b="0" i="0" u="none" strike="noStrike" cap="none">
           <a:solidFill>
             <a:srgbClr val="000000"/>
           </a:solidFill>
@@ -7239,7 +7309,7 @@
           <a:sym typeface="Arial"/>
         </a:defRPr>
       </a:lvl3pPr>
-      <a:lvl4pPr lvl="3" marR="0" rtl="0" algn="l">
+      <a:lvl4pPr marR="0" lvl="3" algn="l" rtl="0">
         <a:lnSpc>
           <a:spcPct val="100000"/>
         </a:lnSpc>
@@ -7253,7 +7323,7 @@
           <a:srgbClr val="000000"/>
         </a:buClr>
         <a:buFont typeface="Arial"/>
-        <a:defRPr b="0" i="0" sz="1400" u="none" cap="none" strike="noStrike">
+        <a:defRPr sz="1400" b="0" i="0" u="none" strike="noStrike" cap="none">
           <a:solidFill>
             <a:srgbClr val="000000"/>
           </a:solidFill>
@@ -7263,7 +7333,7 @@
           <a:sym typeface="Arial"/>
         </a:defRPr>
       </a:lvl4pPr>
-      <a:lvl5pPr lvl="4" marR="0" rtl="0" algn="l">
+      <a:lvl5pPr marR="0" lvl="4" algn="l" rtl="0">
         <a:lnSpc>
           <a:spcPct val="100000"/>
         </a:lnSpc>
@@ -7277,7 +7347,7 @@
           <a:srgbClr val="000000"/>
         </a:buClr>
         <a:buFont typeface="Arial"/>
-        <a:defRPr b="0" i="0" sz="1400" u="none" cap="none" strike="noStrike">
+        <a:defRPr sz="1400" b="0" i="0" u="none" strike="noStrike" cap="none">
           <a:solidFill>
             <a:srgbClr val="000000"/>
           </a:solidFill>
@@ -7287,7 +7357,7 @@
           <a:sym typeface="Arial"/>
         </a:defRPr>
       </a:lvl5pPr>
-      <a:lvl6pPr lvl="5" marR="0" rtl="0" algn="l">
+      <a:lvl6pPr marR="0" lvl="5" algn="l" rtl="0">
         <a:lnSpc>
           <a:spcPct val="100000"/>
         </a:lnSpc>
@@ -7301,7 +7371,7 @@
           <a:srgbClr val="000000"/>
         </a:buClr>
         <a:buFont typeface="Arial"/>
-        <a:defRPr b="0" i="0" sz="1400" u="none" cap="none" strike="noStrike">
+        <a:defRPr sz="1400" b="0" i="0" u="none" strike="noStrike" cap="none">
           <a:solidFill>
             <a:srgbClr val="000000"/>
           </a:solidFill>
@@ -7311,7 +7381,7 @@
           <a:sym typeface="Arial"/>
         </a:defRPr>
       </a:lvl6pPr>
-      <a:lvl7pPr lvl="6" marR="0" rtl="0" algn="l">
+      <a:lvl7pPr marR="0" lvl="6" algn="l" rtl="0">
         <a:lnSpc>
           <a:spcPct val="100000"/>
         </a:lnSpc>
@@ -7325,7 +7395,7 @@
           <a:srgbClr val="000000"/>
         </a:buClr>
         <a:buFont typeface="Arial"/>
-        <a:defRPr b="0" i="0" sz="1400" u="none" cap="none" strike="noStrike">
+        <a:defRPr sz="1400" b="0" i="0" u="none" strike="noStrike" cap="none">
           <a:solidFill>
             <a:srgbClr val="000000"/>
           </a:solidFill>
@@ -7335,7 +7405,7 @@
           <a:sym typeface="Arial"/>
         </a:defRPr>
       </a:lvl7pPr>
-      <a:lvl8pPr lvl="7" marR="0" rtl="0" algn="l">
+      <a:lvl8pPr marR="0" lvl="7" algn="l" rtl="0">
         <a:lnSpc>
           <a:spcPct val="100000"/>
         </a:lnSpc>
@@ -7349,7 +7419,7 @@
           <a:srgbClr val="000000"/>
         </a:buClr>
         <a:buFont typeface="Arial"/>
-        <a:defRPr b="0" i="0" sz="1400" u="none" cap="none" strike="noStrike">
+        <a:defRPr sz="1400" b="0" i="0" u="none" strike="noStrike" cap="none">
           <a:solidFill>
             <a:srgbClr val="000000"/>
           </a:solidFill>
@@ -7359,7 +7429,7 @@
           <a:sym typeface="Arial"/>
         </a:defRPr>
       </a:lvl8pPr>
-      <a:lvl9pPr lvl="8" marR="0" rtl="0" algn="l">
+      <a:lvl9pPr marR="0" lvl="8" algn="l" rtl="0">
         <a:lnSpc>
           <a:spcPct val="100000"/>
         </a:lnSpc>
@@ -7373,7 +7443,7 @@
           <a:srgbClr val="000000"/>
         </a:buClr>
         <a:buFont typeface="Arial"/>
-        <a:defRPr b="0" i="0" sz="1400" u="none" cap="none" strike="noStrike">
+        <a:defRPr sz="1400" b="0" i="0" u="none" strike="noStrike" cap="none">
           <a:solidFill>
             <a:srgbClr val="000000"/>
           </a:solidFill>
@@ -7389,11 +7459,11 @@
 </file>
 
 <file path=ppt/slides/slide1.xml><?xml version="1.0" encoding="utf-8"?>
-<p:sld xmlns:a="http://schemas.openxmlformats.org/drawingml/2006/main" xmlns:r="http://schemas.openxmlformats.org/officeDocument/2006/relationships" xmlns:mc="http://schemas.openxmlformats.org/markup-compatibility/2006" xmlns:mv="urn:schemas-microsoft-com:mac:vml" xmlns:p="http://schemas.openxmlformats.org/presentationml/2006/main" xmlns:c="http://schemas.openxmlformats.org/drawingml/2006/chart" xmlns:dgm="http://schemas.openxmlformats.org/drawingml/2006/diagram" xmlns:o="urn:schemas-microsoft-com:office:office" xmlns:v="urn:schemas-microsoft-com:vml" xmlns:pvml="urn:schemas-microsoft-com:office:powerpoint" xmlns:com="http://schemas.openxmlformats.org/drawingml/2006/compatibility" xmlns:p14="http://schemas.microsoft.com/office/powerpoint/2010/main" xmlns:p15="http://schemas.microsoft.com/office/powerpoint/2012/main" xmlns:ahyp="http://schemas.microsoft.com/office/drawing/2018/hyperlinkcolor">
+<p:sld xmlns:a="http://schemas.openxmlformats.org/drawingml/2006/main" xmlns:r="http://schemas.openxmlformats.org/officeDocument/2006/relationships" xmlns:p="http://schemas.openxmlformats.org/presentationml/2006/main">
   <p:cSld>
     <p:spTree>
       <p:nvGrpSpPr>
-        <p:cNvPr id="85" name="Shape 85"/>
+        <p:cNvPr id="1" name="Shape 85"/>
         <p:cNvGrpSpPr/>
         <p:nvPr/>
       </p:nvGrpSpPr>
@@ -7408,7 +7478,9 @@
       <p:sp>
         <p:nvSpPr>
           <p:cNvPr id="86" name="Google Shape;86;p13"/>
-          <p:cNvSpPr txBox="1"/>
+          <p:cNvSpPr txBox="1">
+            <a:spLocks noGrp="1"/>
+          </p:cNvSpPr>
           <p:nvPr>
             <p:ph type="ctrTitle"/>
           </p:nvPr>
@@ -7423,12 +7495,12 @@
           </a:prstGeom>
         </p:spPr>
         <p:txBody>
-          <a:bodyPr anchorCtr="0" anchor="t" bIns="91425" lIns="91425" spcFirstLastPara="1" rIns="91425" wrap="square" tIns="91425">
+          <a:bodyPr spcFirstLastPara="1" wrap="square" lIns="91425" tIns="91425" rIns="91425" bIns="91425" anchor="t" anchorCtr="0">
             <a:normAutofit fontScale="90000"/>
           </a:bodyPr>
           <a:lstStyle/>
           <a:p>
-            <a:pPr indent="0" lvl="0" marL="0" rtl="0" algn="l">
+            <a:pPr marL="0" lvl="0" indent="0" algn="l" rtl="0">
               <a:spcBef>
                 <a:spcPts val="0"/>
               </a:spcBef>
@@ -7444,7 +7516,7 @@
             <a:endParaRPr/>
           </a:p>
           <a:p>
-            <a:pPr indent="0" lvl="0" marL="0" rtl="0" algn="l">
+            <a:pPr marL="0" lvl="0" indent="0" algn="l" rtl="0">
               <a:spcBef>
                 <a:spcPts val="0"/>
               </a:spcBef>
@@ -7464,9 +7536,11 @@
       <p:sp>
         <p:nvSpPr>
           <p:cNvPr id="87" name="Google Shape;87;p13"/>
-          <p:cNvSpPr txBox="1"/>
+          <p:cNvSpPr txBox="1">
+            <a:spLocks noGrp="1"/>
+          </p:cNvSpPr>
           <p:nvPr>
-            <p:ph idx="1" type="subTitle"/>
+            <p:ph type="subTitle" idx="1"/>
           </p:nvPr>
         </p:nvSpPr>
         <p:spPr>
@@ -7479,12 +7553,12 @@
           </a:prstGeom>
         </p:spPr>
         <p:txBody>
-          <a:bodyPr anchorCtr="0" anchor="t" bIns="91425" lIns="91425" spcFirstLastPara="1" rIns="91425" wrap="square" tIns="91425">
+          <a:bodyPr spcFirstLastPara="1" wrap="square" lIns="91425" tIns="91425" rIns="91425" bIns="91425" anchor="t" anchorCtr="0">
             <a:normAutofit/>
           </a:bodyPr>
           <a:lstStyle/>
           <a:p>
-            <a:pPr indent="0" lvl="0" marL="0" rtl="0" algn="l">
+            <a:pPr marL="0" lvl="0" indent="0" algn="l" rtl="0">
               <a:spcBef>
                 <a:spcPts val="0"/>
               </a:spcBef>
@@ -7500,7 +7574,7 @@
             <a:endParaRPr/>
           </a:p>
           <a:p>
-            <a:pPr indent="0" lvl="0" marL="0" rtl="0" algn="l">
+            <a:pPr marL="0" lvl="0" indent="0" algn="l" rtl="0">
               <a:spcBef>
                 <a:spcPts val="0"/>
               </a:spcBef>
@@ -7526,11 +7600,11 @@
 </file>
 
 <file path=ppt/slides/slide2.xml><?xml version="1.0" encoding="utf-8"?>
-<p:sld xmlns:a="http://schemas.openxmlformats.org/drawingml/2006/main" xmlns:r="http://schemas.openxmlformats.org/officeDocument/2006/relationships" xmlns:mc="http://schemas.openxmlformats.org/markup-compatibility/2006" xmlns:mv="urn:schemas-microsoft-com:mac:vml" xmlns:p="http://schemas.openxmlformats.org/presentationml/2006/main" xmlns:c="http://schemas.openxmlformats.org/drawingml/2006/chart" xmlns:dgm="http://schemas.openxmlformats.org/drawingml/2006/diagram" xmlns:o="urn:schemas-microsoft-com:office:office" xmlns:v="urn:schemas-microsoft-com:vml" xmlns:pvml="urn:schemas-microsoft-com:office:powerpoint" xmlns:com="http://schemas.openxmlformats.org/drawingml/2006/compatibility" xmlns:p14="http://schemas.microsoft.com/office/powerpoint/2010/main" xmlns:p15="http://schemas.microsoft.com/office/powerpoint/2012/main" xmlns:ahyp="http://schemas.microsoft.com/office/drawing/2018/hyperlinkcolor">
+<p:sld xmlns:a="http://schemas.openxmlformats.org/drawingml/2006/main" xmlns:r="http://schemas.openxmlformats.org/officeDocument/2006/relationships" xmlns:p="http://schemas.openxmlformats.org/presentationml/2006/main">
   <p:cSld>
     <p:spTree>
       <p:nvGrpSpPr>
-        <p:cNvPr id="91" name="Shape 91"/>
+        <p:cNvPr id="1" name="Shape 91"/>
         <p:cNvGrpSpPr/>
         <p:nvPr/>
       </p:nvGrpSpPr>
@@ -7545,9 +7619,11 @@
       <p:sp>
         <p:nvSpPr>
           <p:cNvPr id="92" name="Google Shape;92;p14"/>
-          <p:cNvSpPr txBox="1"/>
+          <p:cNvSpPr txBox="1">
+            <a:spLocks noGrp="1"/>
+          </p:cNvSpPr>
           <p:nvPr>
-            <p:ph idx="4294967295" type="title"/>
+            <p:ph type="title" idx="4294967295"/>
           </p:nvPr>
         </p:nvSpPr>
         <p:spPr>
@@ -7560,12 +7636,12 @@
           </a:prstGeom>
         </p:spPr>
         <p:txBody>
-          <a:bodyPr anchorCtr="0" anchor="t" bIns="91425" lIns="91425" spcFirstLastPara="1" rIns="91425" wrap="square" tIns="91425">
+          <a:bodyPr spcFirstLastPara="1" wrap="square" lIns="91425" tIns="91425" rIns="91425" bIns="91425" anchor="t" anchorCtr="0">
             <a:normAutofit fontScale="90000"/>
           </a:bodyPr>
           <a:lstStyle/>
           <a:p>
-            <a:pPr indent="0" lvl="0" marL="0" rtl="0" algn="l">
+            <a:pPr marL="0" lvl="0" indent="0" algn="l" rtl="0">
               <a:spcBef>
                 <a:spcPts val="0"/>
               </a:spcBef>
@@ -7605,14 +7681,14 @@
             <a:avLst/>
           </a:prstGeom>
           <a:noFill/>
-          <a:ln cap="flat" cmpd="sng" w="9525">
+          <a:ln w="9525" cap="flat" cmpd="sng">
             <a:solidFill>
               <a:srgbClr val="FF0000"/>
             </a:solidFill>
             <a:prstDash val="dot"/>
             <a:round/>
-            <a:headEnd len="sm" w="sm" type="none"/>
-            <a:tailEnd len="sm" w="sm" type="none"/>
+            <a:headEnd type="none" w="sm" len="sm"/>
+            <a:tailEnd type="none" w="sm" len="sm"/>
           </a:ln>
         </p:spPr>
       </p:pic>
@@ -7631,23 +7707,23 @@
             <a:avLst/>
           </a:prstGeom>
           <a:noFill/>
-          <a:ln cap="flat" cmpd="sng" w="38100">
+          <a:ln w="38100" cap="flat" cmpd="sng">
             <a:solidFill>
               <a:schemeClr val="lt1"/>
             </a:solidFill>
             <a:prstDash val="solid"/>
             <a:round/>
-            <a:headEnd len="sm" w="sm" type="none"/>
-            <a:tailEnd len="sm" w="sm" type="none"/>
+            <a:headEnd type="none" w="sm" len="sm"/>
+            <a:tailEnd type="none" w="sm" len="sm"/>
           </a:ln>
         </p:spPr>
         <p:txBody>
-          <a:bodyPr anchorCtr="0" anchor="ctr" bIns="91425" lIns="91425" spcFirstLastPara="1" rIns="91425" wrap="square" tIns="91425">
+          <a:bodyPr spcFirstLastPara="1" wrap="square" lIns="91425" tIns="91425" rIns="91425" bIns="91425" anchor="ctr" anchorCtr="0">
             <a:noAutofit/>
           </a:bodyPr>
           <a:lstStyle/>
           <a:p>
-            <a:pPr indent="0" lvl="0" marL="0" rtl="0" algn="l">
+            <a:pPr marL="0" lvl="0" indent="0" algn="l" rtl="0">
               <a:spcBef>
                 <a:spcPts val="0"/>
               </a:spcBef>
@@ -7656,9 +7732,6 @@
               </a:spcAft>
               <a:buNone/>
             </a:pPr>
-            <a:r>
-              <a:t/>
-            </a:r>
             <a:endParaRPr/>
           </a:p>
         </p:txBody>
@@ -7678,23 +7751,23 @@
             <a:avLst/>
           </a:prstGeom>
           <a:noFill/>
-          <a:ln cap="flat" cmpd="sng" w="38100">
+          <a:ln w="38100" cap="flat" cmpd="sng">
             <a:solidFill>
               <a:schemeClr val="dk2"/>
             </a:solidFill>
             <a:prstDash val="solid"/>
             <a:round/>
-            <a:headEnd len="sm" w="sm" type="none"/>
-            <a:tailEnd len="sm" w="sm" type="none"/>
+            <a:headEnd type="none" w="sm" len="sm"/>
+            <a:tailEnd type="none" w="sm" len="sm"/>
           </a:ln>
         </p:spPr>
         <p:txBody>
-          <a:bodyPr anchorCtr="0" anchor="ctr" bIns="91425" lIns="91425" spcFirstLastPara="1" rIns="91425" wrap="square" tIns="91425">
+          <a:bodyPr spcFirstLastPara="1" wrap="square" lIns="91425" tIns="91425" rIns="91425" bIns="91425" anchor="ctr" anchorCtr="0">
             <a:noAutofit/>
           </a:bodyPr>
           <a:lstStyle/>
           <a:p>
-            <a:pPr indent="0" lvl="0" marL="0" rtl="0" algn="l">
+            <a:pPr marL="0" lvl="0" indent="0" algn="l" rtl="0">
               <a:spcBef>
                 <a:spcPts val="0"/>
               </a:spcBef>
@@ -7703,9 +7776,6 @@
               </a:spcAft>
               <a:buNone/>
             </a:pPr>
-            <a:r>
-              <a:t/>
-            </a:r>
             <a:endParaRPr/>
           </a:p>
         </p:txBody>
@@ -7725,23 +7795,23 @@
             <a:avLst/>
           </a:prstGeom>
           <a:noFill/>
-          <a:ln cap="flat" cmpd="sng" w="38100">
+          <a:ln w="38100" cap="flat" cmpd="sng">
             <a:solidFill>
               <a:srgbClr val="FF0000"/>
             </a:solidFill>
             <a:prstDash val="solid"/>
             <a:round/>
-            <a:headEnd len="sm" w="sm" type="none"/>
-            <a:tailEnd len="sm" w="sm" type="none"/>
+            <a:headEnd type="none" w="sm" len="sm"/>
+            <a:tailEnd type="none" w="sm" len="sm"/>
           </a:ln>
         </p:spPr>
         <p:txBody>
-          <a:bodyPr anchorCtr="0" anchor="ctr" bIns="91425" lIns="91425" spcFirstLastPara="1" rIns="91425" wrap="square" tIns="91425">
+          <a:bodyPr spcFirstLastPara="1" wrap="square" lIns="91425" tIns="91425" rIns="91425" bIns="91425" anchor="ctr" anchorCtr="0">
             <a:noAutofit/>
           </a:bodyPr>
           <a:lstStyle/>
           <a:p>
-            <a:pPr indent="0" lvl="0" marL="0" rtl="0" algn="l">
+            <a:pPr marL="0" lvl="0" indent="0" algn="l" rtl="0">
               <a:spcBef>
                 <a:spcPts val="0"/>
               </a:spcBef>
@@ -7750,9 +7820,6 @@
               </a:spcAft>
               <a:buNone/>
             </a:pPr>
-            <a:r>
-              <a:t/>
-            </a:r>
             <a:endParaRPr/>
           </a:p>
         </p:txBody>
@@ -7772,23 +7839,23 @@
             <a:avLst/>
           </a:prstGeom>
           <a:noFill/>
-          <a:ln cap="flat" cmpd="sng" w="38100">
+          <a:ln w="38100" cap="flat" cmpd="sng">
             <a:solidFill>
               <a:srgbClr val="FF0000"/>
             </a:solidFill>
             <a:prstDash val="solid"/>
             <a:round/>
-            <a:headEnd len="sm" w="sm" type="none"/>
-            <a:tailEnd len="sm" w="sm" type="none"/>
+            <a:headEnd type="none" w="sm" len="sm"/>
+            <a:tailEnd type="none" w="sm" len="sm"/>
           </a:ln>
         </p:spPr>
         <p:txBody>
-          <a:bodyPr anchorCtr="0" anchor="ctr" bIns="91425" lIns="91425" spcFirstLastPara="1" rIns="91425" wrap="square" tIns="91425">
+          <a:bodyPr spcFirstLastPara="1" wrap="square" lIns="91425" tIns="91425" rIns="91425" bIns="91425" anchor="ctr" anchorCtr="0">
             <a:noAutofit/>
           </a:bodyPr>
           <a:lstStyle/>
           <a:p>
-            <a:pPr indent="0" lvl="0" marL="0" rtl="0" algn="l">
+            <a:pPr marL="0" lvl="0" indent="0" algn="l" rtl="0">
               <a:spcBef>
                 <a:spcPts val="0"/>
               </a:spcBef>
@@ -7797,9 +7864,6 @@
               </a:spcAft>
               <a:buNone/>
             </a:pPr>
-            <a:r>
-              <a:t/>
-            </a:r>
             <a:endParaRPr/>
           </a:p>
         </p:txBody>
@@ -7813,11 +7877,11 @@
 </file>
 
 <file path=ppt/slides/slide3.xml><?xml version="1.0" encoding="utf-8"?>
-<p:sld xmlns:a="http://schemas.openxmlformats.org/drawingml/2006/main" xmlns:r="http://schemas.openxmlformats.org/officeDocument/2006/relationships" xmlns:mc="http://schemas.openxmlformats.org/markup-compatibility/2006" xmlns:mv="urn:schemas-microsoft-com:mac:vml" xmlns:p="http://schemas.openxmlformats.org/presentationml/2006/main" xmlns:c="http://schemas.openxmlformats.org/drawingml/2006/chart" xmlns:dgm="http://schemas.openxmlformats.org/drawingml/2006/diagram" xmlns:o="urn:schemas-microsoft-com:office:office" xmlns:v="urn:schemas-microsoft-com:vml" xmlns:pvml="urn:schemas-microsoft-com:office:powerpoint" xmlns:com="http://schemas.openxmlformats.org/drawingml/2006/compatibility" xmlns:p14="http://schemas.microsoft.com/office/powerpoint/2010/main" xmlns:p15="http://schemas.microsoft.com/office/powerpoint/2012/main" xmlns:ahyp="http://schemas.microsoft.com/office/drawing/2018/hyperlinkcolor">
+<p:sld xmlns:a="http://schemas.openxmlformats.org/drawingml/2006/main" xmlns:r="http://schemas.openxmlformats.org/officeDocument/2006/relationships" xmlns:p="http://schemas.openxmlformats.org/presentationml/2006/main">
   <p:cSld>
     <p:spTree>
       <p:nvGrpSpPr>
-        <p:cNvPr id="101" name="Shape 101"/>
+        <p:cNvPr id="1" name="Shape 101"/>
         <p:cNvGrpSpPr/>
         <p:nvPr/>
       </p:nvGrpSpPr>
@@ -7832,9 +7896,11 @@
       <p:sp>
         <p:nvSpPr>
           <p:cNvPr id="102" name="Google Shape;102;p15"/>
-          <p:cNvSpPr txBox="1"/>
+          <p:cNvSpPr txBox="1">
+            <a:spLocks noGrp="1"/>
+          </p:cNvSpPr>
           <p:nvPr>
-            <p:ph idx="4294967295" type="title"/>
+            <p:ph type="title" idx="4294967295"/>
           </p:nvPr>
         </p:nvSpPr>
         <p:spPr>
@@ -7847,12 +7913,12 @@
           </a:prstGeom>
         </p:spPr>
         <p:txBody>
-          <a:bodyPr anchorCtr="0" anchor="t" bIns="91425" lIns="91425" spcFirstLastPara="1" rIns="91425" wrap="square" tIns="91425">
+          <a:bodyPr spcFirstLastPara="1" wrap="square" lIns="91425" tIns="91425" rIns="91425" bIns="91425" anchor="t" anchorCtr="0">
             <a:normAutofit fontScale="90000"/>
           </a:bodyPr>
           <a:lstStyle/>
           <a:p>
-            <a:pPr indent="0" lvl="0" marL="0" rtl="0" algn="l">
+            <a:pPr marL="0" lvl="0" indent="0" algn="l" rtl="0">
               <a:spcBef>
                 <a:spcPts val="0"/>
               </a:spcBef>
@@ -7863,11 +7929,7 @@
             </a:pPr>
             <a:r>
               <a:rPr lang="en"/>
-              <a:t>Tesla</a:t>
-            </a:r>
-            <a:r>
-              <a:rPr lang="en"/>
-              <a:t>: Principio de figura-fondo, proximidad, continuación</a:t>
+              <a:t>Tesla: Principio de figura-fondo, proximidad, continuación</a:t>
             </a:r>
             <a:endParaRPr/>
           </a:p>
@@ -7888,23 +7950,23 @@
             <a:avLst/>
           </a:prstGeom>
           <a:noFill/>
-          <a:ln cap="flat" cmpd="sng" w="38100">
+          <a:ln w="38100" cap="flat" cmpd="sng">
             <a:solidFill>
               <a:schemeClr val="lt1"/>
             </a:solidFill>
             <a:prstDash val="solid"/>
             <a:round/>
-            <a:headEnd len="sm" w="sm" type="none"/>
-            <a:tailEnd len="sm" w="sm" type="none"/>
+            <a:headEnd type="none" w="sm" len="sm"/>
+            <a:tailEnd type="none" w="sm" len="sm"/>
           </a:ln>
         </p:spPr>
         <p:txBody>
-          <a:bodyPr anchorCtr="0" anchor="ctr" bIns="91425" lIns="91425" spcFirstLastPara="1" rIns="91425" wrap="square" tIns="91425">
+          <a:bodyPr spcFirstLastPara="1" wrap="square" lIns="91425" tIns="91425" rIns="91425" bIns="91425" anchor="ctr" anchorCtr="0">
             <a:noAutofit/>
           </a:bodyPr>
           <a:lstStyle/>
           <a:p>
-            <a:pPr indent="0" lvl="0" marL="0" rtl="0" algn="l">
+            <a:pPr marL="0" lvl="0" indent="0" algn="l" rtl="0">
               <a:spcBef>
                 <a:spcPts val="0"/>
               </a:spcBef>
@@ -7913,9 +7975,6 @@
               </a:spcAft>
               <a:buNone/>
             </a:pPr>
-            <a:r>
-              <a:t/>
-            </a:r>
             <a:endParaRPr/>
           </a:p>
         </p:txBody>
@@ -7963,23 +8022,23 @@
             <a:avLst/>
           </a:prstGeom>
           <a:noFill/>
-          <a:ln cap="flat" cmpd="sng" w="38100">
+          <a:ln w="38100" cap="flat" cmpd="sng">
             <a:solidFill>
               <a:srgbClr val="FF0000"/>
             </a:solidFill>
             <a:prstDash val="solid"/>
             <a:round/>
-            <a:headEnd len="sm" w="sm" type="none"/>
-            <a:tailEnd len="sm" w="sm" type="none"/>
+            <a:headEnd type="none" w="sm" len="sm"/>
+            <a:tailEnd type="none" w="sm" len="sm"/>
           </a:ln>
         </p:spPr>
         <p:txBody>
-          <a:bodyPr anchorCtr="0" anchor="ctr" bIns="91425" lIns="91425" spcFirstLastPara="1" rIns="91425" wrap="square" tIns="91425">
+          <a:bodyPr spcFirstLastPara="1" wrap="square" lIns="91425" tIns="91425" rIns="91425" bIns="91425" anchor="ctr" anchorCtr="0">
             <a:noAutofit/>
           </a:bodyPr>
           <a:lstStyle/>
           <a:p>
-            <a:pPr indent="0" lvl="0" marL="0" rtl="0" algn="l">
+            <a:pPr marL="0" lvl="0" indent="0" algn="l" rtl="0">
               <a:spcBef>
                 <a:spcPts val="0"/>
               </a:spcBef>
@@ -7988,9 +8047,6 @@
               </a:spcAft>
               <a:buNone/>
             </a:pPr>
-            <a:r>
-              <a:t/>
-            </a:r>
             <a:endParaRPr/>
           </a:p>
         </p:txBody>
@@ -8010,23 +8066,23 @@
             <a:avLst/>
           </a:prstGeom>
           <a:noFill/>
-          <a:ln cap="flat" cmpd="sng" w="38100">
+          <a:ln w="38100" cap="flat" cmpd="sng">
             <a:solidFill>
               <a:srgbClr val="FF0000"/>
             </a:solidFill>
             <a:prstDash val="solid"/>
             <a:round/>
-            <a:headEnd len="sm" w="sm" type="none"/>
-            <a:tailEnd len="sm" w="sm" type="none"/>
+            <a:headEnd type="none" w="sm" len="sm"/>
+            <a:tailEnd type="none" w="sm" len="sm"/>
           </a:ln>
         </p:spPr>
         <p:txBody>
-          <a:bodyPr anchorCtr="0" anchor="ctr" bIns="91425" lIns="91425" spcFirstLastPara="1" rIns="91425" wrap="square" tIns="91425">
+          <a:bodyPr spcFirstLastPara="1" wrap="square" lIns="91425" tIns="91425" rIns="91425" bIns="91425" anchor="ctr" anchorCtr="0">
             <a:noAutofit/>
           </a:bodyPr>
           <a:lstStyle/>
           <a:p>
-            <a:pPr indent="0" lvl="0" marL="0" rtl="0" algn="l">
+            <a:pPr marL="0" lvl="0" indent="0" algn="l" rtl="0">
               <a:spcBef>
                 <a:spcPts val="0"/>
               </a:spcBef>
@@ -8035,9 +8091,6 @@
               </a:spcAft>
               <a:buNone/>
             </a:pPr>
-            <a:r>
-              <a:t/>
-            </a:r>
             <a:endParaRPr/>
           </a:p>
         </p:txBody>
@@ -8057,23 +8110,23 @@
             <a:avLst/>
           </a:prstGeom>
           <a:noFill/>
-          <a:ln cap="flat" cmpd="sng" w="38100">
+          <a:ln w="38100" cap="flat" cmpd="sng">
             <a:solidFill>
               <a:srgbClr val="FF0000"/>
             </a:solidFill>
             <a:prstDash val="solid"/>
             <a:round/>
-            <a:headEnd len="sm" w="sm" type="none"/>
-            <a:tailEnd len="sm" w="sm" type="none"/>
+            <a:headEnd type="none" w="sm" len="sm"/>
+            <a:tailEnd type="none" w="sm" len="sm"/>
           </a:ln>
         </p:spPr>
         <p:txBody>
-          <a:bodyPr anchorCtr="0" anchor="ctr" bIns="91425" lIns="91425" spcFirstLastPara="1" rIns="91425" wrap="square" tIns="91425">
+          <a:bodyPr spcFirstLastPara="1" wrap="square" lIns="91425" tIns="91425" rIns="91425" bIns="91425" anchor="ctr" anchorCtr="0">
             <a:noAutofit/>
           </a:bodyPr>
           <a:lstStyle/>
           <a:p>
-            <a:pPr indent="0" lvl="0" marL="0" rtl="0" algn="l">
+            <a:pPr marL="0" lvl="0" indent="0" algn="l" rtl="0">
               <a:spcBef>
                 <a:spcPts val="0"/>
               </a:spcBef>
@@ -8082,9 +8135,6 @@
               </a:spcAft>
               <a:buNone/>
             </a:pPr>
-            <a:r>
-              <a:t/>
-            </a:r>
             <a:endParaRPr/>
           </a:p>
         </p:txBody>
@@ -8104,23 +8154,23 @@
             <a:avLst/>
           </a:prstGeom>
           <a:noFill/>
-          <a:ln cap="flat" cmpd="sng" w="38100">
+          <a:ln w="38100" cap="flat" cmpd="sng">
             <a:solidFill>
               <a:srgbClr val="FF0000"/>
             </a:solidFill>
             <a:prstDash val="solid"/>
             <a:round/>
-            <a:headEnd len="sm" w="sm" type="none"/>
-            <a:tailEnd len="sm" w="sm" type="none"/>
+            <a:headEnd type="none" w="sm" len="sm"/>
+            <a:tailEnd type="none" w="sm" len="sm"/>
           </a:ln>
         </p:spPr>
         <p:txBody>
-          <a:bodyPr anchorCtr="0" anchor="ctr" bIns="91425" lIns="91425" spcFirstLastPara="1" rIns="91425" wrap="square" tIns="91425">
+          <a:bodyPr spcFirstLastPara="1" wrap="square" lIns="91425" tIns="91425" rIns="91425" bIns="91425" anchor="ctr" anchorCtr="0">
             <a:noAutofit/>
           </a:bodyPr>
           <a:lstStyle/>
           <a:p>
-            <a:pPr indent="0" lvl="0" marL="0" rtl="0" algn="l">
+            <a:pPr marL="0" lvl="0" indent="0" algn="l" rtl="0">
               <a:spcBef>
                 <a:spcPts val="0"/>
               </a:spcBef>
@@ -8129,9 +8179,6 @@
               </a:spcAft>
               <a:buNone/>
             </a:pPr>
-            <a:r>
-              <a:t/>
-            </a:r>
             <a:endParaRPr/>
           </a:p>
         </p:txBody>
@@ -8145,11 +8192,11 @@
 </file>
 
 <file path=ppt/slides/slide4.xml><?xml version="1.0" encoding="utf-8"?>
-<p:sld xmlns:a="http://schemas.openxmlformats.org/drawingml/2006/main" xmlns:r="http://schemas.openxmlformats.org/officeDocument/2006/relationships" xmlns:mc="http://schemas.openxmlformats.org/markup-compatibility/2006" xmlns:mv="urn:schemas-microsoft-com:mac:vml" xmlns:p="http://schemas.openxmlformats.org/presentationml/2006/main" xmlns:c="http://schemas.openxmlformats.org/drawingml/2006/chart" xmlns:dgm="http://schemas.openxmlformats.org/drawingml/2006/diagram" xmlns:o="urn:schemas-microsoft-com:office:office" xmlns:v="urn:schemas-microsoft-com:vml" xmlns:pvml="urn:schemas-microsoft-com:office:powerpoint" xmlns:com="http://schemas.openxmlformats.org/drawingml/2006/compatibility" xmlns:p14="http://schemas.microsoft.com/office/powerpoint/2010/main" xmlns:p15="http://schemas.microsoft.com/office/powerpoint/2012/main" xmlns:ahyp="http://schemas.microsoft.com/office/drawing/2018/hyperlinkcolor">
+<p:sld xmlns:a="http://schemas.openxmlformats.org/drawingml/2006/main" xmlns:r="http://schemas.openxmlformats.org/officeDocument/2006/relationships" xmlns:p="http://schemas.openxmlformats.org/presentationml/2006/main">
   <p:cSld>
     <p:spTree>
       <p:nvGrpSpPr>
-        <p:cNvPr id="112" name="Shape 112"/>
+        <p:cNvPr id="1" name="Shape 112"/>
         <p:cNvGrpSpPr/>
         <p:nvPr/>
       </p:nvGrpSpPr>
@@ -8164,9 +8211,11 @@
       <p:sp>
         <p:nvSpPr>
           <p:cNvPr id="113" name="Google Shape;113;p16"/>
-          <p:cNvSpPr txBox="1"/>
+          <p:cNvSpPr txBox="1">
+            <a:spLocks noGrp="1"/>
+          </p:cNvSpPr>
           <p:nvPr>
-            <p:ph idx="4294967295" type="title"/>
+            <p:ph type="title" idx="4294967295"/>
           </p:nvPr>
         </p:nvSpPr>
         <p:spPr>
@@ -8179,12 +8228,12 @@
           </a:prstGeom>
         </p:spPr>
         <p:txBody>
-          <a:bodyPr anchorCtr="0" anchor="t" bIns="91425" lIns="91425" spcFirstLastPara="1" rIns="91425" wrap="square" tIns="91425">
+          <a:bodyPr spcFirstLastPara="1" wrap="square" lIns="91425" tIns="91425" rIns="91425" bIns="91425" anchor="t" anchorCtr="0">
             <a:normAutofit fontScale="90000"/>
           </a:bodyPr>
           <a:lstStyle/>
           <a:p>
-            <a:pPr indent="0" lvl="0" marL="0" rtl="0" algn="l">
+            <a:pPr marL="0" lvl="0" indent="0" algn="l" rtl="0">
               <a:spcBef>
                 <a:spcPts val="0"/>
               </a:spcBef>
@@ -8195,11 +8244,7 @@
             </a:pPr>
             <a:r>
               <a:rPr lang="en"/>
-              <a:t>Spotify</a:t>
-            </a:r>
-            <a:r>
-              <a:rPr lang="en"/>
-              <a:t>: Principio de cierre, principio de similitud, simetría</a:t>
+              <a:t>Spotify: Principio de cierre, principio de similitud, simetría</a:t>
             </a:r>
             <a:endParaRPr/>
           </a:p>
@@ -8220,23 +8265,23 @@
             <a:avLst/>
           </a:prstGeom>
           <a:noFill/>
-          <a:ln cap="flat" cmpd="sng" w="38100">
+          <a:ln w="38100" cap="flat" cmpd="sng">
             <a:solidFill>
               <a:schemeClr val="lt1"/>
             </a:solidFill>
             <a:prstDash val="solid"/>
             <a:round/>
-            <a:headEnd len="sm" w="sm" type="none"/>
-            <a:tailEnd len="sm" w="sm" type="none"/>
+            <a:headEnd type="none" w="sm" len="sm"/>
+            <a:tailEnd type="none" w="sm" len="sm"/>
           </a:ln>
         </p:spPr>
         <p:txBody>
-          <a:bodyPr anchorCtr="0" anchor="ctr" bIns="91425" lIns="91425" spcFirstLastPara="1" rIns="91425" wrap="square" tIns="91425">
+          <a:bodyPr spcFirstLastPara="1" wrap="square" lIns="91425" tIns="91425" rIns="91425" bIns="91425" anchor="ctr" anchorCtr="0">
             <a:noAutofit/>
           </a:bodyPr>
           <a:lstStyle/>
           <a:p>
-            <a:pPr indent="0" lvl="0" marL="0" rtl="0" algn="l">
+            <a:pPr marL="0" lvl="0" indent="0" algn="l" rtl="0">
               <a:spcBef>
                 <a:spcPts val="0"/>
               </a:spcBef>
@@ -8245,9 +8290,6 @@
               </a:spcAft>
               <a:buNone/>
             </a:pPr>
-            <a:r>
-              <a:t/>
-            </a:r>
             <a:endParaRPr/>
           </a:p>
         </p:txBody>
@@ -8325,23 +8367,23 @@
           <a:solidFill>
             <a:schemeClr val="dk2"/>
           </a:solidFill>
-          <a:ln cap="flat" cmpd="sng" w="9525">
+          <a:ln w="9525" cap="flat" cmpd="sng">
             <a:solidFill>
               <a:schemeClr val="dk2"/>
             </a:solidFill>
             <a:prstDash val="solid"/>
             <a:round/>
-            <a:headEnd len="sm" w="sm" type="none"/>
-            <a:tailEnd len="sm" w="sm" type="none"/>
+            <a:headEnd type="none" w="sm" len="sm"/>
+            <a:tailEnd type="none" w="sm" len="sm"/>
           </a:ln>
         </p:spPr>
         <p:txBody>
-          <a:bodyPr anchorCtr="0" anchor="ctr" bIns="91425" lIns="91425" spcFirstLastPara="1" rIns="91425" wrap="square" tIns="91425">
+          <a:bodyPr spcFirstLastPara="1" wrap="square" lIns="91425" tIns="91425" rIns="91425" bIns="91425" anchor="ctr" anchorCtr="0">
             <a:noAutofit/>
           </a:bodyPr>
           <a:lstStyle/>
           <a:p>
-            <a:pPr indent="0" lvl="0" marL="0" rtl="0" algn="l">
+            <a:pPr marL="0" lvl="0" indent="0" algn="l" rtl="0">
               <a:spcBef>
                 <a:spcPts val="0"/>
               </a:spcBef>
@@ -8350,9 +8392,6 @@
               </a:spcAft>
               <a:buNone/>
             </a:pPr>
-            <a:r>
-              <a:t/>
-            </a:r>
             <a:endParaRPr/>
           </a:p>
         </p:txBody>
@@ -8372,23 +8411,23 @@
             <a:avLst/>
           </a:prstGeom>
           <a:noFill/>
-          <a:ln cap="flat" cmpd="sng" w="38100">
+          <a:ln w="38100" cap="flat" cmpd="sng">
             <a:solidFill>
               <a:srgbClr val="FF0000"/>
             </a:solidFill>
             <a:prstDash val="solid"/>
             <a:round/>
-            <a:headEnd len="sm" w="sm" type="none"/>
-            <a:tailEnd len="sm" w="sm" type="none"/>
+            <a:headEnd type="none" w="sm" len="sm"/>
+            <a:tailEnd type="none" w="sm" len="sm"/>
           </a:ln>
         </p:spPr>
         <p:txBody>
-          <a:bodyPr anchorCtr="0" anchor="ctr" bIns="91425" lIns="91425" spcFirstLastPara="1" rIns="91425" wrap="square" tIns="91425">
+          <a:bodyPr spcFirstLastPara="1" wrap="square" lIns="91425" tIns="91425" rIns="91425" bIns="91425" anchor="ctr" anchorCtr="0">
             <a:noAutofit/>
           </a:bodyPr>
           <a:lstStyle/>
           <a:p>
-            <a:pPr indent="0" lvl="0" marL="0" rtl="0" algn="l">
+            <a:pPr marL="0" lvl="0" indent="0" algn="l" rtl="0">
               <a:spcBef>
                 <a:spcPts val="0"/>
               </a:spcBef>
@@ -8397,9 +8436,6 @@
               </a:spcAft>
               <a:buNone/>
             </a:pPr>
-            <a:r>
-              <a:t/>
-            </a:r>
             <a:endParaRPr/>
           </a:p>
         </p:txBody>
@@ -8419,23 +8455,23 @@
             <a:avLst/>
           </a:prstGeom>
           <a:noFill/>
-          <a:ln cap="flat" cmpd="sng" w="38100">
+          <a:ln w="38100" cap="flat" cmpd="sng">
             <a:solidFill>
               <a:srgbClr val="FF0000"/>
             </a:solidFill>
             <a:prstDash val="solid"/>
             <a:round/>
-            <a:headEnd len="sm" w="sm" type="none"/>
-            <a:tailEnd len="sm" w="sm" type="none"/>
+            <a:headEnd type="none" w="sm" len="sm"/>
+            <a:tailEnd type="none" w="sm" len="sm"/>
           </a:ln>
         </p:spPr>
         <p:txBody>
-          <a:bodyPr anchorCtr="0" anchor="ctr" bIns="91425" lIns="91425" spcFirstLastPara="1" rIns="91425" wrap="square" tIns="91425">
+          <a:bodyPr spcFirstLastPara="1" wrap="square" lIns="91425" tIns="91425" rIns="91425" bIns="91425" anchor="ctr" anchorCtr="0">
             <a:noAutofit/>
           </a:bodyPr>
           <a:lstStyle/>
           <a:p>
-            <a:pPr indent="0" lvl="0" marL="0" rtl="0" algn="l">
+            <a:pPr marL="0" lvl="0" indent="0" algn="l" rtl="0">
               <a:spcBef>
                 <a:spcPts val="0"/>
               </a:spcBef>
@@ -8444,9 +8480,6 @@
               </a:spcAft>
               <a:buNone/>
             </a:pPr>
-            <a:r>
-              <a:t/>
-            </a:r>
             <a:endParaRPr/>
           </a:p>
         </p:txBody>
@@ -8460,7 +8493,288 @@
 </file>
 
 <file path=ppt/theme/theme1.xml><?xml version="1.0" encoding="utf-8"?>
-<a:theme xmlns:a="http://schemas.openxmlformats.org/drawingml/2006/main" xmlns:r="http://schemas.openxmlformats.org/officeDocument/2006/relationships">
+<a:theme xmlns:a="http://schemas.openxmlformats.org/drawingml/2006/main" name="Streamline">
+  <a:themeElements>
+    <a:clrScheme name="Streamline">
+      <a:dk1>
+        <a:srgbClr val="1A9988"/>
+      </a:dk1>
+      <a:lt1>
+        <a:srgbClr val="FFFFFF"/>
+      </a:lt1>
+      <a:dk2>
+        <a:srgbClr val="1A1A1A"/>
+      </a:dk2>
+      <a:lt2>
+        <a:srgbClr val="E9EDEE"/>
+      </a:lt2>
+      <a:accent1>
+        <a:srgbClr val="595959"/>
+      </a:accent1>
+      <a:accent2>
+        <a:srgbClr val="6AA4C8"/>
+      </a:accent2>
+      <a:accent3>
+        <a:srgbClr val="EB5600"/>
+      </a:accent3>
+      <a:accent4>
+        <a:srgbClr val="A2FFE8"/>
+      </a:accent4>
+      <a:accent5>
+        <a:srgbClr val="1C3678"/>
+      </a:accent5>
+      <a:accent6>
+        <a:srgbClr val="FFB8A2"/>
+      </a:accent6>
+      <a:hlink>
+        <a:srgbClr val="1C3678"/>
+      </a:hlink>
+      <a:folHlink>
+        <a:srgbClr val="1C3678"/>
+      </a:folHlink>
+    </a:clrScheme>
+    <a:fontScheme name="Office">
+      <a:majorFont>
+        <a:latin typeface="Arial"/>
+        <a:ea typeface=""/>
+        <a:cs typeface=""/>
+        <a:font script="Jpan" typeface="ＭＳ Ｐゴシック"/>
+        <a:font script="Hang" typeface="맑은 고딕"/>
+        <a:font script="Hans" typeface="宋体"/>
+        <a:font script="Hant" typeface="新細明體"/>
+        <a:font script="Arab" typeface="Times New Roman"/>
+        <a:font script="Hebr" typeface="Times New Roman"/>
+        <a:font script="Thai" typeface="Angsana New"/>
+        <a:font script="Ethi" typeface="Nyala"/>
+        <a:font script="Beng" typeface="Vrinda"/>
+        <a:font script="Gujr" typeface="Shruti"/>
+        <a:font script="Khmr" typeface="MoolBoran"/>
+        <a:font script="Knda" typeface="Tunga"/>
+        <a:font script="Guru" typeface="Raavi"/>
+        <a:font script="Cans" typeface="Euphemia"/>
+        <a:font script="Cher" typeface="Plantagenet Cherokee"/>
+        <a:font script="Yiii" typeface="Microsoft Yi Baiti"/>
+        <a:font script="Tibt" typeface="Microsoft Himalaya"/>
+        <a:font script="Thaa" typeface="MV Boli"/>
+        <a:font script="Deva" typeface="Mangal"/>
+        <a:font script="Telu" typeface="Gautami"/>
+        <a:font script="Taml" typeface="Latha"/>
+        <a:font script="Syrc" typeface="Estrangelo Edessa"/>
+        <a:font script="Orya" typeface="Kalinga"/>
+        <a:font script="Mlym" typeface="Kartika"/>
+        <a:font script="Laoo" typeface="DokChampa"/>
+        <a:font script="Sinh" typeface="Iskoola Pota"/>
+        <a:font script="Mong" typeface="Mongolian Baiti"/>
+        <a:font script="Viet" typeface="Times New Roman"/>
+        <a:font script="Uigh" typeface="Microsoft Uighur"/>
+        <a:font script="Geor" typeface="Sylfaen"/>
+      </a:majorFont>
+      <a:minorFont>
+        <a:latin typeface="Arial"/>
+        <a:ea typeface=""/>
+        <a:cs typeface=""/>
+        <a:font script="Jpan" typeface="ＭＳ Ｐゴシック"/>
+        <a:font script="Hang" typeface="맑은 고딕"/>
+        <a:font script="Hans" typeface="宋体"/>
+        <a:font script="Hant" typeface="新細明體"/>
+        <a:font script="Arab" typeface="Arial"/>
+        <a:font script="Hebr" typeface="Arial"/>
+        <a:font script="Thai" typeface="Cordia New"/>
+        <a:font script="Ethi" typeface="Nyala"/>
+        <a:font script="Beng" typeface="Vrinda"/>
+        <a:font script="Gujr" typeface="Shruti"/>
+        <a:font script="Khmr" typeface="DaunPenh"/>
+        <a:font script="Knda" typeface="Tunga"/>
+        <a:font script="Guru" typeface="Raavi"/>
+        <a:font script="Cans" typeface="Euphemia"/>
+        <a:font script="Cher" typeface="Plantagenet Cherokee"/>
+        <a:font script="Yiii" typeface="Microsoft Yi Baiti"/>
+        <a:font script="Tibt" typeface="Microsoft Himalaya"/>
+        <a:font script="Thaa" typeface="MV Boli"/>
+        <a:font script="Deva" typeface="Mangal"/>
+        <a:font script="Telu" typeface="Gautami"/>
+        <a:font script="Taml" typeface="Latha"/>
+        <a:font script="Syrc" typeface="Estrangelo Edessa"/>
+        <a:font script="Orya" typeface="Kalinga"/>
+        <a:font script="Mlym" typeface="Kartika"/>
+        <a:font script="Laoo" typeface="DokChampa"/>
+        <a:font script="Sinh" typeface="Iskoola Pota"/>
+        <a:font script="Mong" typeface="Mongolian Baiti"/>
+        <a:font script="Viet" typeface="Arial"/>
+        <a:font script="Uigh" typeface="Microsoft Uighur"/>
+        <a:font script="Geor" typeface="Sylfaen"/>
+      </a:minorFont>
+    </a:fontScheme>
+    <a:fmtScheme name="Office">
+      <a:fillStyleLst>
+        <a:solidFill>
+          <a:schemeClr val="phClr"/>
+        </a:solidFill>
+        <a:gradFill rotWithShape="1">
+          <a:gsLst>
+            <a:gs pos="0">
+              <a:schemeClr val="phClr">
+                <a:tint val="50000"/>
+                <a:satMod val="300000"/>
+              </a:schemeClr>
+            </a:gs>
+            <a:gs pos="35000">
+              <a:schemeClr val="phClr">
+                <a:tint val="37000"/>
+                <a:satMod val="300000"/>
+              </a:schemeClr>
+            </a:gs>
+            <a:gs pos="100000">
+              <a:schemeClr val="phClr">
+                <a:tint val="15000"/>
+                <a:satMod val="350000"/>
+              </a:schemeClr>
+            </a:gs>
+          </a:gsLst>
+          <a:lin ang="16200000" scaled="1"/>
+        </a:gradFill>
+        <a:gradFill rotWithShape="1">
+          <a:gsLst>
+            <a:gs pos="0">
+              <a:schemeClr val="phClr">
+                <a:tint val="100000"/>
+                <a:shade val="100000"/>
+                <a:satMod val="130000"/>
+              </a:schemeClr>
+            </a:gs>
+            <a:gs pos="100000">
+              <a:schemeClr val="phClr">
+                <a:tint val="50000"/>
+                <a:shade val="100000"/>
+                <a:satMod val="350000"/>
+              </a:schemeClr>
+            </a:gs>
+          </a:gsLst>
+          <a:lin ang="16200000" scaled="0"/>
+        </a:gradFill>
+      </a:fillStyleLst>
+      <a:lnStyleLst>
+        <a:ln w="9525" cap="flat" cmpd="sng" algn="ctr">
+          <a:solidFill>
+            <a:schemeClr val="phClr">
+              <a:shade val="95000"/>
+              <a:satMod val="105000"/>
+            </a:schemeClr>
+          </a:solidFill>
+          <a:prstDash val="solid"/>
+        </a:ln>
+        <a:ln w="25400" cap="flat" cmpd="sng" algn="ctr">
+          <a:solidFill>
+            <a:schemeClr val="phClr"/>
+          </a:solidFill>
+          <a:prstDash val="solid"/>
+        </a:ln>
+        <a:ln w="38100" cap="flat" cmpd="sng" algn="ctr">
+          <a:solidFill>
+            <a:schemeClr val="phClr"/>
+          </a:solidFill>
+          <a:prstDash val="solid"/>
+        </a:ln>
+      </a:lnStyleLst>
+      <a:effectStyleLst>
+        <a:effectStyle>
+          <a:effectLst>
+            <a:outerShdw blurRad="40000" dist="20000" dir="5400000" rotWithShape="0">
+              <a:srgbClr val="000000">
+                <a:alpha val="38000"/>
+              </a:srgbClr>
+            </a:outerShdw>
+          </a:effectLst>
+        </a:effectStyle>
+        <a:effectStyle>
+          <a:effectLst>
+            <a:outerShdw blurRad="40000" dist="23000" dir="5400000" rotWithShape="0">
+              <a:srgbClr val="000000">
+                <a:alpha val="35000"/>
+              </a:srgbClr>
+            </a:outerShdw>
+          </a:effectLst>
+        </a:effectStyle>
+        <a:effectStyle>
+          <a:effectLst>
+            <a:outerShdw blurRad="40000" dist="23000" dir="5400000" rotWithShape="0">
+              <a:srgbClr val="000000">
+                <a:alpha val="35000"/>
+              </a:srgbClr>
+            </a:outerShdw>
+          </a:effectLst>
+          <a:scene3d>
+            <a:camera prst="orthographicFront">
+              <a:rot lat="0" lon="0" rev="0"/>
+            </a:camera>
+            <a:lightRig rig="threePt" dir="t">
+              <a:rot lat="0" lon="0" rev="1200000"/>
+            </a:lightRig>
+          </a:scene3d>
+          <a:sp3d>
+            <a:bevelT w="63500" h="25400"/>
+          </a:sp3d>
+        </a:effectStyle>
+      </a:effectStyleLst>
+      <a:bgFillStyleLst>
+        <a:solidFill>
+          <a:schemeClr val="phClr"/>
+        </a:solidFill>
+        <a:gradFill rotWithShape="1">
+          <a:gsLst>
+            <a:gs pos="0">
+              <a:schemeClr val="phClr">
+                <a:tint val="40000"/>
+                <a:satMod val="350000"/>
+              </a:schemeClr>
+            </a:gs>
+            <a:gs pos="40000">
+              <a:schemeClr val="phClr">
+                <a:tint val="45000"/>
+                <a:shade val="99000"/>
+                <a:satMod val="350000"/>
+              </a:schemeClr>
+            </a:gs>
+            <a:gs pos="100000">
+              <a:schemeClr val="phClr">
+                <a:shade val="20000"/>
+                <a:satMod val="255000"/>
+              </a:schemeClr>
+            </a:gs>
+          </a:gsLst>
+          <a:path path="circle">
+            <a:fillToRect l="50000" t="-80000" r="50000" b="180000"/>
+          </a:path>
+        </a:gradFill>
+        <a:gradFill rotWithShape="1">
+          <a:gsLst>
+            <a:gs pos="0">
+              <a:schemeClr val="phClr">
+                <a:tint val="80000"/>
+                <a:satMod val="300000"/>
+              </a:schemeClr>
+            </a:gs>
+            <a:gs pos="100000">
+              <a:schemeClr val="phClr">
+                <a:shade val="30000"/>
+                <a:satMod val="200000"/>
+              </a:schemeClr>
+            </a:gs>
+          </a:gsLst>
+          <a:path path="circle">
+            <a:fillToRect l="50000" t="50000" r="50000" b="50000"/>
+          </a:path>
+        </a:gradFill>
+      </a:bgFillStyleLst>
+    </a:fmtScheme>
+  </a:themeElements>
+  <a:objectDefaults/>
+  <a:extraClrSchemeLst/>
+</a:theme>
+</file>
+
+<file path=ppt/theme/theme2.xml><?xml version="1.0" encoding="utf-8"?>
+<a:theme xmlns:a="http://schemas.openxmlformats.org/drawingml/2006/main">
   <a:themeElements>
     <a:clrScheme name="Default">
       <a:dk1>
@@ -8735,289 +9049,21 @@
       </a:bgFillStyleLst>
     </a:fmtScheme>
   </a:themeElements>
-</a:theme>
-</file>
-
-<file path=ppt/theme/theme2.xml><?xml version="1.0" encoding="utf-8"?>
-<a:theme xmlns:a="http://schemas.openxmlformats.org/drawingml/2006/main" xmlns:r="http://schemas.openxmlformats.org/officeDocument/2006/relationships" name="Streamline">
-  <a:themeElements>
-    <a:clrScheme name="Streamline">
-      <a:dk1>
-        <a:srgbClr val="1A9988"/>
-      </a:dk1>
-      <a:lt1>
-        <a:srgbClr val="FFFFFF"/>
-      </a:lt1>
-      <a:dk2>
-        <a:srgbClr val="1A1A1A"/>
-      </a:dk2>
-      <a:lt2>
-        <a:srgbClr val="E9EDEE"/>
-      </a:lt2>
-      <a:accent1>
-        <a:srgbClr val="595959"/>
-      </a:accent1>
-      <a:accent2>
-        <a:srgbClr val="6AA4C8"/>
-      </a:accent2>
-      <a:accent3>
-        <a:srgbClr val="EB5600"/>
-      </a:accent3>
-      <a:accent4>
-        <a:srgbClr val="A2FFE8"/>
-      </a:accent4>
-      <a:accent5>
-        <a:srgbClr val="1C3678"/>
-      </a:accent5>
-      <a:accent6>
-        <a:srgbClr val="FFB8A2"/>
-      </a:accent6>
-      <a:hlink>
-        <a:srgbClr val="1C3678"/>
-      </a:hlink>
-      <a:folHlink>
-        <a:srgbClr val="1C3678"/>
-      </a:folHlink>
-    </a:clrScheme>
-    <a:fontScheme name="Office">
-      <a:majorFont>
-        <a:latin typeface="Arial"/>
-        <a:ea typeface=""/>
-        <a:cs typeface=""/>
-        <a:font script="Jpan" typeface="ＭＳ Ｐゴシック"/>
-        <a:font script="Hang" typeface="맑은 고딕"/>
-        <a:font script="Hans" typeface="宋体"/>
-        <a:font script="Hant" typeface="新細明體"/>
-        <a:font script="Arab" typeface="Times New Roman"/>
-        <a:font script="Hebr" typeface="Times New Roman"/>
-        <a:font script="Thai" typeface="Angsana New"/>
-        <a:font script="Ethi" typeface="Nyala"/>
-        <a:font script="Beng" typeface="Vrinda"/>
-        <a:font script="Gujr" typeface="Shruti"/>
-        <a:font script="Khmr" typeface="MoolBoran"/>
-        <a:font script="Knda" typeface="Tunga"/>
-        <a:font script="Guru" typeface="Raavi"/>
-        <a:font script="Cans" typeface="Euphemia"/>
-        <a:font script="Cher" typeface="Plantagenet Cherokee"/>
-        <a:font script="Yiii" typeface="Microsoft Yi Baiti"/>
-        <a:font script="Tibt" typeface="Microsoft Himalaya"/>
-        <a:font script="Thaa" typeface="MV Boli"/>
-        <a:font script="Deva" typeface="Mangal"/>
-        <a:font script="Telu" typeface="Gautami"/>
-        <a:font script="Taml" typeface="Latha"/>
-        <a:font script="Syrc" typeface="Estrangelo Edessa"/>
-        <a:font script="Orya" typeface="Kalinga"/>
-        <a:font script="Mlym" typeface="Kartika"/>
-        <a:font script="Laoo" typeface="DokChampa"/>
-        <a:font script="Sinh" typeface="Iskoola Pota"/>
-        <a:font script="Mong" typeface="Mongolian Baiti"/>
-        <a:font script="Viet" typeface="Times New Roman"/>
-        <a:font script="Uigh" typeface="Microsoft Uighur"/>
-        <a:font script="Geor" typeface="Sylfaen"/>
-      </a:majorFont>
-      <a:minorFont>
-        <a:latin typeface="Arial"/>
-        <a:ea typeface=""/>
-        <a:cs typeface=""/>
-        <a:font script="Jpan" typeface="ＭＳ Ｐゴシック"/>
-        <a:font script="Hang" typeface="맑은 고딕"/>
-        <a:font script="Hans" typeface="宋体"/>
-        <a:font script="Hant" typeface="新細明體"/>
-        <a:font script="Arab" typeface="Arial"/>
-        <a:font script="Hebr" typeface="Arial"/>
-        <a:font script="Thai" typeface="Cordia New"/>
-        <a:font script="Ethi" typeface="Nyala"/>
-        <a:font script="Beng" typeface="Vrinda"/>
-        <a:font script="Gujr" typeface="Shruti"/>
-        <a:font script="Khmr" typeface="DaunPenh"/>
-        <a:font script="Knda" typeface="Tunga"/>
-        <a:font script="Guru" typeface="Raavi"/>
-        <a:font script="Cans" typeface="Euphemia"/>
-        <a:font script="Cher" typeface="Plantagenet Cherokee"/>
-        <a:font script="Yiii" typeface="Microsoft Yi Baiti"/>
-        <a:font script="Tibt" typeface="Microsoft Himalaya"/>
-        <a:font script="Thaa" typeface="MV Boli"/>
-        <a:font script="Deva" typeface="Mangal"/>
-        <a:font script="Telu" typeface="Gautami"/>
-        <a:font script="Taml" typeface="Latha"/>
-        <a:font script="Syrc" typeface="Estrangelo Edessa"/>
-        <a:font script="Orya" typeface="Kalinga"/>
-        <a:font script="Mlym" typeface="Kartika"/>
-        <a:font script="Laoo" typeface="DokChampa"/>
-        <a:font script="Sinh" typeface="Iskoola Pota"/>
-        <a:font script="Mong" typeface="Mongolian Baiti"/>
-        <a:font script="Viet" typeface="Arial"/>
-        <a:font script="Uigh" typeface="Microsoft Uighur"/>
-        <a:font script="Geor" typeface="Sylfaen"/>
-      </a:minorFont>
-    </a:fontScheme>
-    <a:fmtScheme name="Office">
-      <a:fillStyleLst>
-        <a:solidFill>
-          <a:schemeClr val="phClr"/>
-        </a:solidFill>
-        <a:gradFill rotWithShape="1">
-          <a:gsLst>
-            <a:gs pos="0">
-              <a:schemeClr val="phClr">
-                <a:tint val="50000"/>
-                <a:satMod val="300000"/>
-              </a:schemeClr>
-            </a:gs>
-            <a:gs pos="35000">
-              <a:schemeClr val="phClr">
-                <a:tint val="37000"/>
-                <a:satMod val="300000"/>
-              </a:schemeClr>
-            </a:gs>
-            <a:gs pos="100000">
-              <a:schemeClr val="phClr">
-                <a:tint val="15000"/>
-                <a:satMod val="350000"/>
-              </a:schemeClr>
-            </a:gs>
-          </a:gsLst>
-          <a:lin ang="16200000" scaled="1"/>
-        </a:gradFill>
-        <a:gradFill rotWithShape="1">
-          <a:gsLst>
-            <a:gs pos="0">
-              <a:schemeClr val="phClr">
-                <a:tint val="100000"/>
-                <a:shade val="100000"/>
-                <a:satMod val="130000"/>
-              </a:schemeClr>
-            </a:gs>
-            <a:gs pos="100000">
-              <a:schemeClr val="phClr">
-                <a:tint val="50000"/>
-                <a:shade val="100000"/>
-                <a:satMod val="350000"/>
-              </a:schemeClr>
-            </a:gs>
-          </a:gsLst>
-          <a:lin ang="16200000" scaled="0"/>
-        </a:gradFill>
-      </a:fillStyleLst>
-      <a:lnStyleLst>
-        <a:ln w="9525" cap="flat" cmpd="sng" algn="ctr">
-          <a:solidFill>
-            <a:schemeClr val="phClr">
-              <a:shade val="95000"/>
-              <a:satMod val="105000"/>
-            </a:schemeClr>
-          </a:solidFill>
-          <a:prstDash val="solid"/>
-        </a:ln>
-        <a:ln w="25400" cap="flat" cmpd="sng" algn="ctr">
-          <a:solidFill>
-            <a:schemeClr val="phClr"/>
-          </a:solidFill>
-          <a:prstDash val="solid"/>
-        </a:ln>
-        <a:ln w="38100" cap="flat" cmpd="sng" algn="ctr">
-          <a:solidFill>
-            <a:schemeClr val="phClr"/>
-          </a:solidFill>
-          <a:prstDash val="solid"/>
-        </a:ln>
-      </a:lnStyleLst>
-      <a:effectStyleLst>
-        <a:effectStyle>
-          <a:effectLst>
-            <a:outerShdw blurRad="40000" dist="20000" dir="5400000" rotWithShape="0">
-              <a:srgbClr val="000000">
-                <a:alpha val="38000"/>
-              </a:srgbClr>
-            </a:outerShdw>
-          </a:effectLst>
-        </a:effectStyle>
-        <a:effectStyle>
-          <a:effectLst>
-            <a:outerShdw blurRad="40000" dist="23000" dir="5400000" rotWithShape="0">
-              <a:srgbClr val="000000">
-                <a:alpha val="35000"/>
-              </a:srgbClr>
-            </a:outerShdw>
-          </a:effectLst>
-        </a:effectStyle>
-        <a:effectStyle>
-          <a:effectLst>
-            <a:outerShdw blurRad="40000" dist="23000" dir="5400000" rotWithShape="0">
-              <a:srgbClr val="000000">
-                <a:alpha val="35000"/>
-              </a:srgbClr>
-            </a:outerShdw>
-          </a:effectLst>
-          <a:scene3d>
-            <a:camera prst="orthographicFront">
-              <a:rot lat="0" lon="0" rev="0"/>
-            </a:camera>
-            <a:lightRig rig="threePt" dir="t">
-              <a:rot lat="0" lon="0" rev="1200000"/>
-            </a:lightRig>
-          </a:scene3d>
-          <a:sp3d>
-            <a:bevelT w="63500" h="25400"/>
-          </a:sp3d>
-        </a:effectStyle>
-      </a:effectStyleLst>
-      <a:bgFillStyleLst>
-        <a:solidFill>
-          <a:schemeClr val="phClr"/>
-        </a:solidFill>
-        <a:gradFill rotWithShape="1">
-          <a:gsLst>
-            <a:gs pos="0">
-              <a:schemeClr val="phClr">
-                <a:tint val="40000"/>
-                <a:satMod val="350000"/>
-              </a:schemeClr>
-            </a:gs>
-            <a:gs pos="40000">
-              <a:schemeClr val="phClr">
-                <a:tint val="45000"/>
-                <a:shade val="99000"/>
-                <a:satMod val="350000"/>
-              </a:schemeClr>
-            </a:gs>
-            <a:gs pos="100000">
-              <a:schemeClr val="phClr">
-                <a:shade val="20000"/>
-                <a:satMod val="255000"/>
-              </a:schemeClr>
-            </a:gs>
-          </a:gsLst>
-          <a:path path="circle">
-            <a:fillToRect l="50000" t="-80000" r="50000" b="180000"/>
-          </a:path>
-        </a:gradFill>
-        <a:gradFill rotWithShape="1">
-          <a:gsLst>
-            <a:gs pos="0">
-              <a:schemeClr val="phClr">
-                <a:tint val="80000"/>
-                <a:satMod val="300000"/>
-              </a:schemeClr>
-            </a:gs>
-            <a:gs pos="100000">
-              <a:schemeClr val="phClr">
-                <a:shade val="30000"/>
-                <a:satMod val="200000"/>
-              </a:schemeClr>
-            </a:gs>
-          </a:gsLst>
-          <a:path path="circle">
-            <a:fillToRect l="50000" t="50000" r="50000" b="50000"/>
-          </a:path>
-        </a:gradFill>
-      </a:bgFillStyleLst>
-    </a:fmtScheme>
-  </a:themeElements>
+  <a:objectDefaults/>
+  <a:extraClrSchemeLst/>
 </a:theme>
 </file>
 
 <file path=customXml/item1.xml><?xml version="1.0" encoding="utf-8"?>
+<?mso-contentType ?>
+<FormTemplates xmlns="http://schemas.microsoft.com/sharepoint/v3/contenttype/forms">
+  <Display>DocumentLibraryForm</Display>
+  <Edit>DocumentLibraryForm</Edit>
+  <New>DocumentLibraryForm</New>
+</FormTemplates>
+</file>
+
+<file path=customXml/item2.xml><?xml version="1.0" encoding="utf-8"?>
 <ct:contentTypeSchema xmlns:ct="http://schemas.microsoft.com/office/2006/metadata/contentType" xmlns:ma="http://schemas.microsoft.com/office/2006/metadata/properties/metaAttributes" ct:_="" ma:_="" ma:contentTypeName="Documento" ma:contentTypeID="0x010100DFBB3B5BE1E7BB478789E39D67DFB0FC" ma:contentTypeVersion="3" ma:contentTypeDescription="Crear nuevo documento." ma:contentTypeScope="" ma:versionID="e920825463adde404553ac3c202477c8">
   <xsd:schema xmlns:xsd="http://www.w3.org/2001/XMLSchema" xmlns:xs="http://www.w3.org/2001/XMLSchema" xmlns:p="http://schemas.microsoft.com/office/2006/metadata/properties" xmlns:ns2="1261d6f1-8572-4ce7-aa0d-878d751583cd" targetNamespace="http://schemas.microsoft.com/office/2006/metadata/properties" ma:root="true" ma:fieldsID="d512c8c7578f2df4648839c6228adb9e" ns2:_="">
     <xsd:import namespace="1261d6f1-8572-4ce7-aa0d-878d751583cd"/>
@@ -9155,15 +9201,6 @@
 </ct:contentTypeSchema>
 </file>
 
-<file path=customXml/item2.xml><?xml version="1.0" encoding="utf-8"?>
-<?mso-contentType ?>
-<FormTemplates xmlns="http://schemas.microsoft.com/sharepoint/v3/contenttype/forms">
-  <Display>DocumentLibraryForm</Display>
-  <Edit>DocumentLibraryForm</Edit>
-  <New>DocumentLibraryForm</New>
-</FormTemplates>
-</file>
-
 <file path=customXml/item3.xml><?xml version="1.0" encoding="utf-8"?>
 <p:properties xmlns:p="http://schemas.microsoft.com/office/2006/metadata/properties" xmlns:xsi="http://www.w3.org/2001/XMLSchema-instance" xmlns:pc="http://schemas.microsoft.com/office/infopath/2007/PartnerControls">
   <documentManagement>
@@ -9173,13 +9210,37 @@
 </file>
 
 <file path=customXml/itemProps1.xml><?xml version="1.0" encoding="utf-8"?>
-<ds:datastoreItem xmlns:ds="http://schemas.openxmlformats.org/officeDocument/2006/customXml" ds:itemID="{1A4F0BED-312B-4E65-BCD8-DEBD0E161F9C}"/>
+<ds:datastoreItem xmlns:ds="http://schemas.openxmlformats.org/officeDocument/2006/customXml" ds:itemID="{C68F2494-1379-4369-9C98-D7B2260F70AB}">
+  <ds:schemaRefs>
+    <ds:schemaRef ds:uri="http://schemas.microsoft.com/sharepoint/v3/contenttype/forms"/>
+  </ds:schemaRefs>
+</ds:datastoreItem>
 </file>
 
 <file path=customXml/itemProps2.xml><?xml version="1.0" encoding="utf-8"?>
-<ds:datastoreItem xmlns:ds="http://schemas.openxmlformats.org/officeDocument/2006/customXml" ds:itemID="{C68F2494-1379-4369-9C98-D7B2260F70AB}"/>
+<ds:datastoreItem xmlns:ds="http://schemas.openxmlformats.org/officeDocument/2006/customXml" ds:itemID="{1A4F0BED-312B-4E65-BCD8-DEBD0E161F9C}">
+  <ds:schemaRefs>
+    <ds:schemaRef ds:uri="http://schemas.microsoft.com/office/2006/metadata/contentType"/>
+    <ds:schemaRef ds:uri="http://schemas.microsoft.com/office/2006/metadata/properties/metaAttributes"/>
+    <ds:schemaRef ds:uri="http://www.w3.org/2001/XMLSchema"/>
+    <ds:schemaRef ds:uri="http://schemas.microsoft.com/office/2006/metadata/properties"/>
+    <ds:schemaRef ds:uri="1261d6f1-8572-4ce7-aa0d-878d751583cd"/>
+    <ds:schemaRef ds:uri="http://schemas.microsoft.com/office/2006/documentManagement/types"/>
+    <ds:schemaRef ds:uri="http://schemas.microsoft.com/office/infopath/2007/PartnerControls"/>
+    <ds:schemaRef ds:uri="http://schemas.openxmlformats.org/package/2006/metadata/core-properties"/>
+    <ds:schemaRef ds:uri="http://purl.org/dc/elements/1.1/"/>
+    <ds:schemaRef ds:uri="http://purl.org/dc/terms/"/>
+    <ds:schemaRef ds:uri="http://schemas.microsoft.com/internal/obd"/>
+  </ds:schemaRefs>
+</ds:datastoreItem>
 </file>
 
 <file path=customXml/itemProps3.xml><?xml version="1.0" encoding="utf-8"?>
-<ds:datastoreItem xmlns:ds="http://schemas.openxmlformats.org/officeDocument/2006/customXml" ds:itemID="{AF613F9D-B157-4BB3-9850-C7F090A40B82}"/>
+<ds:datastoreItem xmlns:ds="http://schemas.openxmlformats.org/officeDocument/2006/customXml" ds:itemID="{AF613F9D-B157-4BB3-9850-C7F090A40B82}">
+  <ds:schemaRefs>
+    <ds:schemaRef ds:uri="http://schemas.microsoft.com/office/2006/metadata/properties"/>
+    <ds:schemaRef ds:uri="http://schemas.microsoft.com/office/infopath/2007/PartnerControls"/>
+    <ds:schemaRef ds:uri="1261d6f1-8572-4ce7-aa0d-878d751583cd"/>
+  </ds:schemaRefs>
+</ds:datastoreItem>
 </file>